--- a/Ship Final Presentation - Digital Music Composition using Genetic Algorithms.pptx
+++ b/Ship Final Presentation - Digital Music Composition using Genetic Algorithms.pptx
@@ -9,41 +9,42 @@
     <p:sldId id="257" r:id="rId3"/>
     <p:sldId id="258" r:id="rId4"/>
     <p:sldId id="259" r:id="rId5"/>
-    <p:sldId id="260" r:id="rId6"/>
-    <p:sldId id="261" r:id="rId7"/>
-    <p:sldId id="263" r:id="rId8"/>
-    <p:sldId id="300" r:id="rId9"/>
-    <p:sldId id="265" r:id="rId10"/>
-    <p:sldId id="267" r:id="rId11"/>
-    <p:sldId id="270" r:id="rId12"/>
-    <p:sldId id="268" r:id="rId13"/>
-    <p:sldId id="269" r:id="rId14"/>
-    <p:sldId id="273" r:id="rId15"/>
-    <p:sldId id="271" r:id="rId16"/>
-    <p:sldId id="272" r:id="rId17"/>
-    <p:sldId id="278" r:id="rId18"/>
-    <p:sldId id="274" r:id="rId19"/>
-    <p:sldId id="275" r:id="rId20"/>
-    <p:sldId id="276" r:id="rId21"/>
-    <p:sldId id="277" r:id="rId22"/>
-    <p:sldId id="294" r:id="rId23"/>
-    <p:sldId id="279" r:id="rId24"/>
-    <p:sldId id="301" r:id="rId25"/>
-    <p:sldId id="286" r:id="rId26"/>
-    <p:sldId id="295" r:id="rId27"/>
-    <p:sldId id="281" r:id="rId28"/>
-    <p:sldId id="282" r:id="rId29"/>
-    <p:sldId id="296" r:id="rId30"/>
-    <p:sldId id="283" r:id="rId31"/>
-    <p:sldId id="284" r:id="rId32"/>
-    <p:sldId id="303" r:id="rId33"/>
-    <p:sldId id="285" r:id="rId34"/>
-    <p:sldId id="288" r:id="rId35"/>
-    <p:sldId id="290" r:id="rId36"/>
-    <p:sldId id="299" r:id="rId37"/>
-    <p:sldId id="297" r:id="rId38"/>
-    <p:sldId id="292" r:id="rId39"/>
-    <p:sldId id="293" r:id="rId40"/>
+    <p:sldId id="305" r:id="rId6"/>
+    <p:sldId id="260" r:id="rId7"/>
+    <p:sldId id="261" r:id="rId8"/>
+    <p:sldId id="263" r:id="rId9"/>
+    <p:sldId id="300" r:id="rId10"/>
+    <p:sldId id="265" r:id="rId11"/>
+    <p:sldId id="267" r:id="rId12"/>
+    <p:sldId id="270" r:id="rId13"/>
+    <p:sldId id="268" r:id="rId14"/>
+    <p:sldId id="269" r:id="rId15"/>
+    <p:sldId id="273" r:id="rId16"/>
+    <p:sldId id="271" r:id="rId17"/>
+    <p:sldId id="272" r:id="rId18"/>
+    <p:sldId id="278" r:id="rId19"/>
+    <p:sldId id="274" r:id="rId20"/>
+    <p:sldId id="275" r:id="rId21"/>
+    <p:sldId id="276" r:id="rId22"/>
+    <p:sldId id="277" r:id="rId23"/>
+    <p:sldId id="294" r:id="rId24"/>
+    <p:sldId id="279" r:id="rId25"/>
+    <p:sldId id="301" r:id="rId26"/>
+    <p:sldId id="286" r:id="rId27"/>
+    <p:sldId id="295" r:id="rId28"/>
+    <p:sldId id="281" r:id="rId29"/>
+    <p:sldId id="282" r:id="rId30"/>
+    <p:sldId id="296" r:id="rId31"/>
+    <p:sldId id="283" r:id="rId32"/>
+    <p:sldId id="284" r:id="rId33"/>
+    <p:sldId id="303" r:id="rId34"/>
+    <p:sldId id="285" r:id="rId35"/>
+    <p:sldId id="288" r:id="rId36"/>
+    <p:sldId id="290" r:id="rId37"/>
+    <p:sldId id="299" r:id="rId38"/>
+    <p:sldId id="297" r:id="rId39"/>
+    <p:sldId id="292" r:id="rId40"/>
+    <p:sldId id="293" r:id="rId41"/>
   </p:sldIdLst>
   <p:sldSz cx="9144000" cy="6858000" type="screen4x3"/>
   <p:notesSz cx="6858000" cy="9144000"/>
@@ -204,7 +205,7 @@
           <a:p>
             <a:fld id="{40BC42F4-E0F0-4C52-9DCD-A716B8FE5D15}" type="datetimeFigureOut">
               <a:rPr lang="en-US" smtClean="0"/>
-              <a:t>11/20/2013</a:t>
+              <a:t>4/21/2014</a:t>
             </a:fld>
             <a:endParaRPr lang="en-US"/>
           </a:p>
@@ -520,7 +521,7 @@
           <a:p>
             <a:fld id="{40BC42F4-E0F0-4C52-9DCD-A716B8FE5D15}" type="datetimeFigureOut">
               <a:rPr lang="en-US" smtClean="0"/>
-              <a:t>11/20/2013</a:t>
+              <a:t>4/21/2014</a:t>
             </a:fld>
             <a:endParaRPr lang="en-US"/>
           </a:p>
@@ -695,7 +696,7 @@
           <a:p>
             <a:fld id="{40BC42F4-E0F0-4C52-9DCD-A716B8FE5D15}" type="datetimeFigureOut">
               <a:rPr lang="en-US" smtClean="0"/>
-              <a:t>11/20/2013</a:t>
+              <a:t>4/21/2014</a:t>
             </a:fld>
             <a:endParaRPr lang="en-US"/>
           </a:p>
@@ -813,7 +814,7 @@
           <a:p>
             <a:fld id="{40BC42F4-E0F0-4C52-9DCD-A716B8FE5D15}" type="datetimeFigureOut">
               <a:rPr lang="en-US" smtClean="0"/>
-              <a:t>11/20/2013</a:t>
+              <a:t>4/21/2014</a:t>
             </a:fld>
             <a:endParaRPr lang="en-US"/>
           </a:p>
@@ -1111,7 +1112,7 @@
           <a:p>
             <a:fld id="{40BC42F4-E0F0-4C52-9DCD-A716B8FE5D15}" type="datetimeFigureOut">
               <a:rPr lang="en-US" smtClean="0"/>
-              <a:t>11/20/2013</a:t>
+              <a:t>4/21/2014</a:t>
             </a:fld>
             <a:endParaRPr lang="en-US"/>
           </a:p>
@@ -1404,7 +1405,7 @@
           <a:p>
             <a:fld id="{40BC42F4-E0F0-4C52-9DCD-A716B8FE5D15}" type="datetimeFigureOut">
               <a:rPr lang="en-US" smtClean="0"/>
-              <a:t>11/20/2013</a:t>
+              <a:t>4/21/2014</a:t>
             </a:fld>
             <a:endParaRPr lang="en-US"/>
           </a:p>
@@ -1832,7 +1833,7 @@
           <a:p>
             <a:fld id="{40BC42F4-E0F0-4C52-9DCD-A716B8FE5D15}" type="datetimeFigureOut">
               <a:rPr lang="en-US" smtClean="0"/>
-              <a:t>11/20/2013</a:t>
+              <a:t>4/21/2014</a:t>
             </a:fld>
             <a:endParaRPr lang="en-US"/>
           </a:p>
@@ -1950,7 +1951,7 @@
           <a:p>
             <a:fld id="{40BC42F4-E0F0-4C52-9DCD-A716B8FE5D15}" type="datetimeFigureOut">
               <a:rPr lang="en-US" smtClean="0"/>
-              <a:t>11/20/2013</a:t>
+              <a:t>4/21/2014</a:t>
             </a:fld>
             <a:endParaRPr lang="en-US"/>
           </a:p>
@@ -2040,7 +2041,7 @@
           <a:p>
             <a:fld id="{40BC42F4-E0F0-4C52-9DCD-A716B8FE5D15}" type="datetimeFigureOut">
               <a:rPr lang="en-US" smtClean="0"/>
-              <a:t>11/20/2013</a:t>
+              <a:t>4/21/2014</a:t>
             </a:fld>
             <a:endParaRPr lang="en-US"/>
           </a:p>
@@ -2290,7 +2291,7 @@
           <a:p>
             <a:fld id="{40BC42F4-E0F0-4C52-9DCD-A716B8FE5D15}" type="datetimeFigureOut">
               <a:rPr lang="en-US" smtClean="0"/>
-              <a:t>11/20/2013</a:t>
+              <a:t>4/21/2014</a:t>
             </a:fld>
             <a:endParaRPr lang="en-US"/>
           </a:p>
@@ -2806,7 +2807,7 @@
           <a:p>
             <a:fld id="{40BC42F4-E0F0-4C52-9DCD-A716B8FE5D15}" type="datetimeFigureOut">
               <a:rPr lang="en-US" smtClean="0"/>
-              <a:t>11/20/2013</a:t>
+              <a:t>4/21/2014</a:t>
             </a:fld>
             <a:endParaRPr lang="en-US"/>
           </a:p>
@@ -3036,7 +3037,7 @@
           <a:p>
             <a:fld id="{40BC42F4-E0F0-4C52-9DCD-A716B8FE5D15}" type="datetimeFigureOut">
               <a:rPr lang="en-US" smtClean="0"/>
-              <a:t>11/20/2013</a:t>
+              <a:t>4/21/2014</a:t>
             </a:fld>
             <a:endParaRPr lang="en-US"/>
           </a:p>
@@ -3665,6 +3666,232 @@
                 </a:solidFill>
                 <a:latin typeface="Calibri"/>
               </a:rPr>
+              <a:t>Music Analysis Vector</a:t>
+            </a:r>
+            <a:endParaRPr lang="en-US" dirty="0"/>
+          </a:p>
+        </p:txBody>
+      </p:sp>
+      <p:sp>
+        <p:nvSpPr>
+          <p:cNvPr id="3" name="Content Placeholder 2"/>
+          <p:cNvSpPr>
+            <a:spLocks noGrp="1"/>
+          </p:cNvSpPr>
+          <p:nvPr>
+            <p:ph sz="quarter" idx="13"/>
+          </p:nvPr>
+        </p:nvSpPr>
+        <p:spPr/>
+        <p:txBody>
+          <a:bodyPr/>
+          <a:lstStyle/>
+          <a:p>
+            <a:pPr lvl="0">
+              <a:spcAft>
+                <a:spcPts val="0"/>
+              </a:spcAft>
+              <a:buClrTx/>
+            </a:pPr>
+            <a:r>
+              <a:rPr lang="en-US" sz="3200" spc="0" dirty="0">
+                <a:solidFill>
+                  <a:prstClr val="white"/>
+                </a:solidFill>
+                <a:latin typeface="Calibri"/>
+              </a:rPr>
+              <a:t>Vector that </a:t>
+            </a:r>
+            <a:r>
+              <a:rPr lang="en-US" sz="3200" spc="0" dirty="0" smtClean="0">
+                <a:solidFill>
+                  <a:prstClr val="white"/>
+                </a:solidFill>
+                <a:latin typeface="Calibri"/>
+              </a:rPr>
+              <a:t>contains </a:t>
+            </a:r>
+            <a:r>
+              <a:rPr lang="en-US" sz="3200" spc="0" dirty="0">
+                <a:solidFill>
+                  <a:prstClr val="white"/>
+                </a:solidFill>
+                <a:latin typeface="Calibri"/>
+              </a:rPr>
+              <a:t>individual values of music components</a:t>
+            </a:r>
+          </a:p>
+          <a:p>
+            <a:pPr lvl="0">
+              <a:spcAft>
+                <a:spcPts val="0"/>
+              </a:spcAft>
+              <a:buClrTx/>
+            </a:pPr>
+            <a:r>
+              <a:rPr lang="en-US" sz="3200" spc="0" dirty="0">
+                <a:solidFill>
+                  <a:prstClr val="white"/>
+                </a:solidFill>
+                <a:latin typeface="Calibri"/>
+              </a:rPr>
+              <a:t>The distance between two vectors </a:t>
+            </a:r>
+            <a:r>
+              <a:rPr lang="en-US" sz="3200" spc="0" dirty="0" smtClean="0">
+                <a:solidFill>
+                  <a:prstClr val="white"/>
+                </a:solidFill>
+                <a:latin typeface="Calibri"/>
+              </a:rPr>
+              <a:t>is calculated </a:t>
+            </a:r>
+            <a:r>
+              <a:rPr lang="en-US" sz="3200" spc="0" dirty="0">
+                <a:solidFill>
+                  <a:prstClr val="white"/>
+                </a:solidFill>
+                <a:latin typeface="Calibri"/>
+              </a:rPr>
+              <a:t>using Euclidian Distance</a:t>
+            </a:r>
+          </a:p>
+          <a:p>
+            <a:endParaRPr lang="en-US" dirty="0"/>
+          </a:p>
+        </p:txBody>
+      </p:sp>
+      <p:pic>
+        <p:nvPicPr>
+          <p:cNvPr id="5" name="Picture 4" descr="http://upload.wikimedia.org/math/3/e/3/3e31af0e62dd2780540f796b51a0ce4e.png"/>
+          <p:cNvPicPr>
+            <a:picLocks noChangeAspect="1" noChangeArrowheads="1"/>
+          </p:cNvPicPr>
+          <p:nvPr/>
+        </p:nvPicPr>
+        <p:blipFill>
+          <a:blip r:embed="rId2">
+            <a:extLst>
+              <a:ext uri="{28A0092B-C50C-407E-A947-70E740481C1C}">
+                <a14:useLocalDpi xmlns:a14="http://schemas.microsoft.com/office/drawing/2010/main" val="0"/>
+              </a:ext>
+            </a:extLst>
+          </a:blip>
+          <a:srcRect/>
+          <a:stretch>
+            <a:fillRect/>
+          </a:stretch>
+        </p:blipFill>
+        <p:spPr bwMode="auto">
+          <a:xfrm>
+            <a:off x="533400" y="5181600"/>
+            <a:ext cx="8044392" cy="838200"/>
+          </a:xfrm>
+          <a:prstGeom prst="rect">
+            <a:avLst/>
+          </a:prstGeom>
+          <a:solidFill>
+            <a:sysClr val="window" lastClr="FFFFFF"/>
+          </a:solidFill>
+          <a:ln w="44450">
+            <a:solidFill>
+              <a:schemeClr val="tx1"/>
+            </a:solidFill>
+          </a:ln>
+          <a:extLst/>
+        </p:spPr>
+      </p:pic>
+      <p:sp>
+        <p:nvSpPr>
+          <p:cNvPr id="4" name="TextBox 3"/>
+          <p:cNvSpPr txBox="1"/>
+          <p:nvPr/>
+        </p:nvSpPr>
+        <p:spPr>
+          <a:xfrm>
+            <a:off x="533400" y="6154579"/>
+            <a:ext cx="2895600" cy="246221"/>
+          </a:xfrm>
+          <a:prstGeom prst="rect">
+            <a:avLst/>
+          </a:prstGeom>
+          <a:noFill/>
+        </p:spPr>
+        <p:txBody>
+          <a:bodyPr wrap="square" rtlCol="0">
+            <a:spAutoFit/>
+          </a:bodyPr>
+          <a:lstStyle/>
+          <a:p>
+            <a:r>
+              <a:rPr lang="en-US" sz="1000" dirty="0">
+                <a:hlinkClick r:id="rId3"/>
+              </a:rPr>
+              <a:t>http://en.wikipedia.org/wiki/Euclidean_distance#equation_1</a:t>
+            </a:r>
+            <a:endParaRPr lang="en-US" sz="1000" dirty="0"/>
+          </a:p>
+        </p:txBody>
+      </p:sp>
+    </p:spTree>
+    <p:extLst>
+      <p:ext uri="{BB962C8B-B14F-4D97-AF65-F5344CB8AC3E}">
+        <p14:creationId xmlns:p14="http://schemas.microsoft.com/office/powerpoint/2010/main" val="3792470992"/>
+      </p:ext>
+    </p:extLst>
+  </p:cSld>
+  <p:clrMapOvr>
+    <a:masterClrMapping/>
+  </p:clrMapOvr>
+  <p:timing>
+    <p:tnLst>
+      <p:par>
+        <p:cTn id="1" dur="indefinite" restart="never" nodeType="tmRoot"/>
+      </p:par>
+    </p:tnLst>
+  </p:timing>
+</p:sld>
+</file>
+
+<file path=ppt/slides/slide11.xml><?xml version="1.0" encoding="utf-8"?>
+<p:sld xmlns:a="http://schemas.openxmlformats.org/drawingml/2006/main" xmlns:r="http://schemas.openxmlformats.org/officeDocument/2006/relationships" xmlns:p="http://schemas.openxmlformats.org/presentationml/2006/main">
+  <p:cSld>
+    <p:spTree>
+      <p:nvGrpSpPr>
+        <p:cNvPr id="1" name=""/>
+        <p:cNvGrpSpPr/>
+        <p:nvPr/>
+      </p:nvGrpSpPr>
+      <p:grpSpPr>
+        <a:xfrm>
+          <a:off x="0" y="0"/>
+          <a:ext cx="0" cy="0"/>
+          <a:chOff x="0" y="0"/>
+          <a:chExt cx="0" cy="0"/>
+        </a:xfrm>
+      </p:grpSpPr>
+      <p:sp>
+        <p:nvSpPr>
+          <p:cNvPr id="2" name="Title 1"/>
+          <p:cNvSpPr>
+            <a:spLocks noGrp="1"/>
+          </p:cNvSpPr>
+          <p:nvPr>
+            <p:ph type="title"/>
+          </p:nvPr>
+        </p:nvSpPr>
+        <p:spPr/>
+        <p:txBody>
+          <a:bodyPr/>
+          <a:lstStyle/>
+          <a:p>
+            <a:r>
+              <a:rPr lang="en-US" sz="4400" cap="none" spc="0" dirty="0">
+                <a:solidFill>
+                  <a:prstClr val="white"/>
+                </a:solidFill>
+                <a:latin typeface="Calibri"/>
+              </a:rPr>
               <a:t>Rhythm Chromosome</a:t>
             </a:r>
             <a:endParaRPr lang="en-US" dirty="0"/>
@@ -4526,532 +4753,6 @@
                                           <p:spTgt spid="3">
                                             <p:txEl>
                                               <p:pRg st="5" end="5"/>
-                                            </p:txEl>
-                                          </p:spTgt>
-                                        </p:tgtEl>
-                                        <p:attrNameLst>
-                                          <p:attrName>ppt_y</p:attrName>
-                                        </p:attrNameLst>
-                                      </p:cBhvr>
-                                      <p:tavLst>
-                                        <p:tav tm="0">
-                                          <p:val>
-                                            <p:strVal val="#ppt_y+.1"/>
-                                          </p:val>
-                                        </p:tav>
-                                        <p:tav tm="100000">
-                                          <p:val>
-                                            <p:strVal val="#ppt_y"/>
-                                          </p:val>
-                                        </p:tav>
-                                      </p:tavLst>
-                                    </p:anim>
-                                  </p:childTnLst>
-                                </p:cTn>
-                              </p:par>
-                            </p:childTnLst>
-                          </p:cTn>
-                        </p:par>
-                      </p:childTnLst>
-                    </p:cTn>
-                  </p:par>
-                </p:childTnLst>
-              </p:cTn>
-              <p:prevCondLst>
-                <p:cond evt="onPrev" delay="0">
-                  <p:tgtEl>
-                    <p:sldTgt/>
-                  </p:tgtEl>
-                </p:cond>
-              </p:prevCondLst>
-              <p:nextCondLst>
-                <p:cond evt="onNext" delay="0">
-                  <p:tgtEl>
-                    <p:sldTgt/>
-                  </p:tgtEl>
-                </p:cond>
-              </p:nextCondLst>
-            </p:seq>
-          </p:childTnLst>
-        </p:cTn>
-      </p:par>
-    </p:tnLst>
-    <p:bldLst>
-      <p:bldP spid="3" grpId="0" build="p"/>
-    </p:bldLst>
-  </p:timing>
-</p:sld>
-</file>
-
-<file path=ppt/slides/slide11.xml><?xml version="1.0" encoding="utf-8"?>
-<p:sld xmlns:a="http://schemas.openxmlformats.org/drawingml/2006/main" xmlns:r="http://schemas.openxmlformats.org/officeDocument/2006/relationships" xmlns:p="http://schemas.openxmlformats.org/presentationml/2006/main">
-  <p:cSld>
-    <p:spTree>
-      <p:nvGrpSpPr>
-        <p:cNvPr id="1" name=""/>
-        <p:cNvGrpSpPr/>
-        <p:nvPr/>
-      </p:nvGrpSpPr>
-      <p:grpSpPr>
-        <a:xfrm>
-          <a:off x="0" y="0"/>
-          <a:ext cx="0" cy="0"/>
-          <a:chOff x="0" y="0"/>
-          <a:chExt cx="0" cy="0"/>
-        </a:xfrm>
-      </p:grpSpPr>
-      <p:sp>
-        <p:nvSpPr>
-          <p:cNvPr id="2" name="Title 1"/>
-          <p:cNvSpPr>
-            <a:spLocks noGrp="1"/>
-          </p:cNvSpPr>
-          <p:nvPr>
-            <p:ph type="title"/>
-          </p:nvPr>
-        </p:nvSpPr>
-        <p:spPr/>
-        <p:txBody>
-          <a:bodyPr/>
-          <a:lstStyle/>
-          <a:p>
-            <a:r>
-              <a:rPr lang="en-US" sz="4200" cap="none" dirty="0" smtClean="0">
-                <a:latin typeface="Calibri" pitchFamily="34" charset="0"/>
-              </a:rPr>
-              <a:t>Tonal Chromosome</a:t>
-            </a:r>
-            <a:endParaRPr lang="en-US" sz="4200" cap="none" dirty="0">
-              <a:latin typeface="Calibri" pitchFamily="34" charset="0"/>
-            </a:endParaRPr>
-          </a:p>
-        </p:txBody>
-      </p:sp>
-      <p:sp>
-        <p:nvSpPr>
-          <p:cNvPr id="3" name="Content Placeholder 2"/>
-          <p:cNvSpPr>
-            <a:spLocks noGrp="1"/>
-          </p:cNvSpPr>
-          <p:nvPr>
-            <p:ph sz="quarter" idx="13"/>
-          </p:nvPr>
-        </p:nvSpPr>
-        <p:spPr/>
-        <p:txBody>
-          <a:bodyPr/>
-          <a:lstStyle/>
-          <a:p>
-            <a:pPr lvl="0">
-              <a:spcAft>
-                <a:spcPts val="0"/>
-              </a:spcAft>
-              <a:buClrTx/>
-            </a:pPr>
-            <a:r>
-              <a:rPr lang="en-US" sz="3200" spc="0" dirty="0" smtClean="0">
-                <a:solidFill>
-                  <a:prstClr val="white"/>
-                </a:solidFill>
-                <a:latin typeface="Calibri"/>
-              </a:rPr>
-              <a:t>Tone is an </a:t>
-            </a:r>
-            <a:r>
-              <a:rPr lang="en-US" sz="3200" spc="0" dirty="0">
-                <a:solidFill>
-                  <a:prstClr val="white"/>
-                </a:solidFill>
-                <a:latin typeface="Calibri"/>
-              </a:rPr>
-              <a:t>integer from 0-127 (C0 – G10)</a:t>
-            </a:r>
-          </a:p>
-          <a:p>
-            <a:pPr lvl="0">
-              <a:spcAft>
-                <a:spcPts val="0"/>
-              </a:spcAft>
-              <a:buClrTx/>
-            </a:pPr>
-            <a:r>
-              <a:rPr lang="en-US" sz="3200" spc="0" dirty="0">
-                <a:solidFill>
-                  <a:prstClr val="white"/>
-                </a:solidFill>
-                <a:latin typeface="Calibri"/>
-              </a:rPr>
-              <a:t>Pitch can be found from pitch % 12</a:t>
-            </a:r>
-          </a:p>
-          <a:p>
-            <a:pPr lvl="0">
-              <a:spcAft>
-                <a:spcPts val="0"/>
-              </a:spcAft>
-              <a:buClrTx/>
-            </a:pPr>
-            <a:r>
-              <a:rPr lang="en-US" sz="3200" spc="0" dirty="0">
-                <a:solidFill>
-                  <a:prstClr val="white"/>
-                </a:solidFill>
-                <a:latin typeface="Calibri"/>
-              </a:rPr>
-              <a:t>The number of </a:t>
-            </a:r>
-            <a:r>
-              <a:rPr lang="en-US" sz="3200" spc="0" dirty="0" smtClean="0">
-                <a:solidFill>
-                  <a:prstClr val="white"/>
-                </a:solidFill>
-                <a:latin typeface="Calibri"/>
-              </a:rPr>
-              <a:t>tones in each measure is the average number of tones per measure from the input</a:t>
-            </a:r>
-            <a:endParaRPr lang="en-US" sz="3200" spc="0" dirty="0">
-              <a:solidFill>
-                <a:prstClr val="white"/>
-              </a:solidFill>
-              <a:latin typeface="Calibri"/>
-            </a:endParaRPr>
-          </a:p>
-        </p:txBody>
-      </p:sp>
-    </p:spTree>
-    <p:extLst>
-      <p:ext uri="{BB962C8B-B14F-4D97-AF65-F5344CB8AC3E}">
-        <p14:creationId xmlns:p14="http://schemas.microsoft.com/office/powerpoint/2010/main" val="2426803160"/>
-      </p:ext>
-    </p:extLst>
-  </p:cSld>
-  <p:clrMapOvr>
-    <a:masterClrMapping/>
-  </p:clrMapOvr>
-  <p:timing>
-    <p:tnLst>
-      <p:par>
-        <p:cTn id="1" dur="indefinite" restart="never" nodeType="tmRoot">
-          <p:childTnLst>
-            <p:seq concurrent="1" nextAc="seek">
-              <p:cTn id="2" dur="indefinite" nodeType="mainSeq">
-                <p:childTnLst>
-                  <p:par>
-                    <p:cTn id="3" fill="hold">
-                      <p:stCondLst>
-                        <p:cond delay="indefinite"/>
-                      </p:stCondLst>
-                      <p:childTnLst>
-                        <p:par>
-                          <p:cTn id="4" fill="hold">
-                            <p:stCondLst>
-                              <p:cond delay="0"/>
-                            </p:stCondLst>
-                            <p:childTnLst>
-                              <p:par>
-                                <p:cTn id="5" presetID="42" presetClass="entr" presetSubtype="0" fill="hold" grpId="0" nodeType="clickEffect">
-                                  <p:stCondLst>
-                                    <p:cond delay="0"/>
-                                  </p:stCondLst>
-                                  <p:childTnLst>
-                                    <p:set>
-                                      <p:cBhvr>
-                                        <p:cTn id="6" dur="1" fill="hold">
-                                          <p:stCondLst>
-                                            <p:cond delay="0"/>
-                                          </p:stCondLst>
-                                        </p:cTn>
-                                        <p:tgtEl>
-                                          <p:spTgt spid="3">
-                                            <p:txEl>
-                                              <p:pRg st="0" end="0"/>
-                                            </p:txEl>
-                                          </p:spTgt>
-                                        </p:tgtEl>
-                                        <p:attrNameLst>
-                                          <p:attrName>style.visibility</p:attrName>
-                                        </p:attrNameLst>
-                                      </p:cBhvr>
-                                      <p:to>
-                                        <p:strVal val="visible"/>
-                                      </p:to>
-                                    </p:set>
-                                    <p:animEffect transition="in" filter="fade">
-                                      <p:cBhvr>
-                                        <p:cTn id="7" dur="1000"/>
-                                        <p:tgtEl>
-                                          <p:spTgt spid="3">
-                                            <p:txEl>
-                                              <p:pRg st="0" end="0"/>
-                                            </p:txEl>
-                                          </p:spTgt>
-                                        </p:tgtEl>
-                                      </p:cBhvr>
-                                    </p:animEffect>
-                                    <p:anim calcmode="lin" valueType="num">
-                                      <p:cBhvr>
-                                        <p:cTn id="8" dur="1000" fill="hold"/>
-                                        <p:tgtEl>
-                                          <p:spTgt spid="3">
-                                            <p:txEl>
-                                              <p:pRg st="0" end="0"/>
-                                            </p:txEl>
-                                          </p:spTgt>
-                                        </p:tgtEl>
-                                        <p:attrNameLst>
-                                          <p:attrName>ppt_x</p:attrName>
-                                        </p:attrNameLst>
-                                      </p:cBhvr>
-                                      <p:tavLst>
-                                        <p:tav tm="0">
-                                          <p:val>
-                                            <p:strVal val="#ppt_x"/>
-                                          </p:val>
-                                        </p:tav>
-                                        <p:tav tm="100000">
-                                          <p:val>
-                                            <p:strVal val="#ppt_x"/>
-                                          </p:val>
-                                        </p:tav>
-                                      </p:tavLst>
-                                    </p:anim>
-                                    <p:anim calcmode="lin" valueType="num">
-                                      <p:cBhvr>
-                                        <p:cTn id="9" dur="1000" fill="hold"/>
-                                        <p:tgtEl>
-                                          <p:spTgt spid="3">
-                                            <p:txEl>
-                                              <p:pRg st="0" end="0"/>
-                                            </p:txEl>
-                                          </p:spTgt>
-                                        </p:tgtEl>
-                                        <p:attrNameLst>
-                                          <p:attrName>ppt_y</p:attrName>
-                                        </p:attrNameLst>
-                                      </p:cBhvr>
-                                      <p:tavLst>
-                                        <p:tav tm="0">
-                                          <p:val>
-                                            <p:strVal val="#ppt_y+.1"/>
-                                          </p:val>
-                                        </p:tav>
-                                        <p:tav tm="100000">
-                                          <p:val>
-                                            <p:strVal val="#ppt_y"/>
-                                          </p:val>
-                                        </p:tav>
-                                      </p:tavLst>
-                                    </p:anim>
-                                  </p:childTnLst>
-                                </p:cTn>
-                              </p:par>
-                            </p:childTnLst>
-                          </p:cTn>
-                        </p:par>
-                      </p:childTnLst>
-                    </p:cTn>
-                  </p:par>
-                  <p:par>
-                    <p:cTn id="10" fill="hold">
-                      <p:stCondLst>
-                        <p:cond delay="indefinite"/>
-                      </p:stCondLst>
-                      <p:childTnLst>
-                        <p:par>
-                          <p:cTn id="11" fill="hold">
-                            <p:stCondLst>
-                              <p:cond delay="0"/>
-                            </p:stCondLst>
-                            <p:childTnLst>
-                              <p:par>
-                                <p:cTn id="12" presetID="42" presetClass="entr" presetSubtype="0" fill="hold" grpId="0" nodeType="clickEffect">
-                                  <p:stCondLst>
-                                    <p:cond delay="0"/>
-                                  </p:stCondLst>
-                                  <p:childTnLst>
-                                    <p:set>
-                                      <p:cBhvr>
-                                        <p:cTn id="13" dur="1" fill="hold">
-                                          <p:stCondLst>
-                                            <p:cond delay="0"/>
-                                          </p:stCondLst>
-                                        </p:cTn>
-                                        <p:tgtEl>
-                                          <p:spTgt spid="3">
-                                            <p:txEl>
-                                              <p:pRg st="1" end="1"/>
-                                            </p:txEl>
-                                          </p:spTgt>
-                                        </p:tgtEl>
-                                        <p:attrNameLst>
-                                          <p:attrName>style.visibility</p:attrName>
-                                        </p:attrNameLst>
-                                      </p:cBhvr>
-                                      <p:to>
-                                        <p:strVal val="visible"/>
-                                      </p:to>
-                                    </p:set>
-                                    <p:animEffect transition="in" filter="fade">
-                                      <p:cBhvr>
-                                        <p:cTn id="14" dur="1000"/>
-                                        <p:tgtEl>
-                                          <p:spTgt spid="3">
-                                            <p:txEl>
-                                              <p:pRg st="1" end="1"/>
-                                            </p:txEl>
-                                          </p:spTgt>
-                                        </p:tgtEl>
-                                      </p:cBhvr>
-                                    </p:animEffect>
-                                    <p:anim calcmode="lin" valueType="num">
-                                      <p:cBhvr>
-                                        <p:cTn id="15" dur="1000" fill="hold"/>
-                                        <p:tgtEl>
-                                          <p:spTgt spid="3">
-                                            <p:txEl>
-                                              <p:pRg st="1" end="1"/>
-                                            </p:txEl>
-                                          </p:spTgt>
-                                        </p:tgtEl>
-                                        <p:attrNameLst>
-                                          <p:attrName>ppt_x</p:attrName>
-                                        </p:attrNameLst>
-                                      </p:cBhvr>
-                                      <p:tavLst>
-                                        <p:tav tm="0">
-                                          <p:val>
-                                            <p:strVal val="#ppt_x"/>
-                                          </p:val>
-                                        </p:tav>
-                                        <p:tav tm="100000">
-                                          <p:val>
-                                            <p:strVal val="#ppt_x"/>
-                                          </p:val>
-                                        </p:tav>
-                                      </p:tavLst>
-                                    </p:anim>
-                                    <p:anim calcmode="lin" valueType="num">
-                                      <p:cBhvr>
-                                        <p:cTn id="16" dur="1000" fill="hold"/>
-                                        <p:tgtEl>
-                                          <p:spTgt spid="3">
-                                            <p:txEl>
-                                              <p:pRg st="1" end="1"/>
-                                            </p:txEl>
-                                          </p:spTgt>
-                                        </p:tgtEl>
-                                        <p:attrNameLst>
-                                          <p:attrName>ppt_y</p:attrName>
-                                        </p:attrNameLst>
-                                      </p:cBhvr>
-                                      <p:tavLst>
-                                        <p:tav tm="0">
-                                          <p:val>
-                                            <p:strVal val="#ppt_y+.1"/>
-                                          </p:val>
-                                        </p:tav>
-                                        <p:tav tm="100000">
-                                          <p:val>
-                                            <p:strVal val="#ppt_y"/>
-                                          </p:val>
-                                        </p:tav>
-                                      </p:tavLst>
-                                    </p:anim>
-                                  </p:childTnLst>
-                                </p:cTn>
-                              </p:par>
-                            </p:childTnLst>
-                          </p:cTn>
-                        </p:par>
-                      </p:childTnLst>
-                    </p:cTn>
-                  </p:par>
-                  <p:par>
-                    <p:cTn id="17" fill="hold">
-                      <p:stCondLst>
-                        <p:cond delay="indefinite"/>
-                      </p:stCondLst>
-                      <p:childTnLst>
-                        <p:par>
-                          <p:cTn id="18" fill="hold">
-                            <p:stCondLst>
-                              <p:cond delay="0"/>
-                            </p:stCondLst>
-                            <p:childTnLst>
-                              <p:par>
-                                <p:cTn id="19" presetID="42" presetClass="entr" presetSubtype="0" fill="hold" grpId="0" nodeType="clickEffect">
-                                  <p:stCondLst>
-                                    <p:cond delay="0"/>
-                                  </p:stCondLst>
-                                  <p:childTnLst>
-                                    <p:set>
-                                      <p:cBhvr>
-                                        <p:cTn id="20" dur="1" fill="hold">
-                                          <p:stCondLst>
-                                            <p:cond delay="0"/>
-                                          </p:stCondLst>
-                                        </p:cTn>
-                                        <p:tgtEl>
-                                          <p:spTgt spid="3">
-                                            <p:txEl>
-                                              <p:pRg st="2" end="2"/>
-                                            </p:txEl>
-                                          </p:spTgt>
-                                        </p:tgtEl>
-                                        <p:attrNameLst>
-                                          <p:attrName>style.visibility</p:attrName>
-                                        </p:attrNameLst>
-                                      </p:cBhvr>
-                                      <p:to>
-                                        <p:strVal val="visible"/>
-                                      </p:to>
-                                    </p:set>
-                                    <p:animEffect transition="in" filter="fade">
-                                      <p:cBhvr>
-                                        <p:cTn id="21" dur="1000"/>
-                                        <p:tgtEl>
-                                          <p:spTgt spid="3">
-                                            <p:txEl>
-                                              <p:pRg st="2" end="2"/>
-                                            </p:txEl>
-                                          </p:spTgt>
-                                        </p:tgtEl>
-                                      </p:cBhvr>
-                                    </p:animEffect>
-                                    <p:anim calcmode="lin" valueType="num">
-                                      <p:cBhvr>
-                                        <p:cTn id="22" dur="1000" fill="hold"/>
-                                        <p:tgtEl>
-                                          <p:spTgt spid="3">
-                                            <p:txEl>
-                                              <p:pRg st="2" end="2"/>
-                                            </p:txEl>
-                                          </p:spTgt>
-                                        </p:tgtEl>
-                                        <p:attrNameLst>
-                                          <p:attrName>ppt_x</p:attrName>
-                                        </p:attrNameLst>
-                                      </p:cBhvr>
-                                      <p:tavLst>
-                                        <p:tav tm="0">
-                                          <p:val>
-                                            <p:strVal val="#ppt_x"/>
-                                          </p:val>
-                                        </p:tav>
-                                        <p:tav tm="100000">
-                                          <p:val>
-                                            <p:strVal val="#ppt_x"/>
-                                          </p:val>
-                                        </p:tav>
-                                      </p:tavLst>
-                                    </p:anim>
-                                    <p:anim calcmode="lin" valueType="num">
-                                      <p:cBhvr>
-                                        <p:cTn id="23" dur="1000" fill="hold"/>
-                                        <p:tgtEl>
-                                          <p:spTgt spid="3">
-                                            <p:txEl>
-                                              <p:pRg st="2" end="2"/>
                                             </p:txEl>
                                           </p:spTgt>
                                         </p:tgtEl>
@@ -5142,6 +4843,532 @@
           <a:lstStyle/>
           <a:p>
             <a:r>
+              <a:rPr lang="en-US" sz="4200" cap="none" dirty="0" smtClean="0">
+                <a:latin typeface="Calibri" pitchFamily="34" charset="0"/>
+              </a:rPr>
+              <a:t>Tonal Chromosome</a:t>
+            </a:r>
+            <a:endParaRPr lang="en-US" sz="4200" cap="none" dirty="0">
+              <a:latin typeface="Calibri" pitchFamily="34" charset="0"/>
+            </a:endParaRPr>
+          </a:p>
+        </p:txBody>
+      </p:sp>
+      <p:sp>
+        <p:nvSpPr>
+          <p:cNvPr id="3" name="Content Placeholder 2"/>
+          <p:cNvSpPr>
+            <a:spLocks noGrp="1"/>
+          </p:cNvSpPr>
+          <p:nvPr>
+            <p:ph sz="quarter" idx="13"/>
+          </p:nvPr>
+        </p:nvSpPr>
+        <p:spPr/>
+        <p:txBody>
+          <a:bodyPr/>
+          <a:lstStyle/>
+          <a:p>
+            <a:pPr lvl="0">
+              <a:spcAft>
+                <a:spcPts val="0"/>
+              </a:spcAft>
+              <a:buClrTx/>
+            </a:pPr>
+            <a:r>
+              <a:rPr lang="en-US" sz="3200" spc="0" dirty="0" smtClean="0">
+                <a:solidFill>
+                  <a:prstClr val="white"/>
+                </a:solidFill>
+                <a:latin typeface="Calibri"/>
+              </a:rPr>
+              <a:t>Tone is an </a:t>
+            </a:r>
+            <a:r>
+              <a:rPr lang="en-US" sz="3200" spc="0" dirty="0">
+                <a:solidFill>
+                  <a:prstClr val="white"/>
+                </a:solidFill>
+                <a:latin typeface="Calibri"/>
+              </a:rPr>
+              <a:t>integer from 0-127 (C0 – G10)</a:t>
+            </a:r>
+          </a:p>
+          <a:p>
+            <a:pPr lvl="0">
+              <a:spcAft>
+                <a:spcPts val="0"/>
+              </a:spcAft>
+              <a:buClrTx/>
+            </a:pPr>
+            <a:r>
+              <a:rPr lang="en-US" sz="3200" spc="0" dirty="0">
+                <a:solidFill>
+                  <a:prstClr val="white"/>
+                </a:solidFill>
+                <a:latin typeface="Calibri"/>
+              </a:rPr>
+              <a:t>Pitch can be found from pitch % 12</a:t>
+            </a:r>
+          </a:p>
+          <a:p>
+            <a:pPr lvl="0">
+              <a:spcAft>
+                <a:spcPts val="0"/>
+              </a:spcAft>
+              <a:buClrTx/>
+            </a:pPr>
+            <a:r>
+              <a:rPr lang="en-US" sz="3200" spc="0" dirty="0">
+                <a:solidFill>
+                  <a:prstClr val="white"/>
+                </a:solidFill>
+                <a:latin typeface="Calibri"/>
+              </a:rPr>
+              <a:t>The number of </a:t>
+            </a:r>
+            <a:r>
+              <a:rPr lang="en-US" sz="3200" spc="0" dirty="0" smtClean="0">
+                <a:solidFill>
+                  <a:prstClr val="white"/>
+                </a:solidFill>
+                <a:latin typeface="Calibri"/>
+              </a:rPr>
+              <a:t>tones in each measure is the average number of tones per measure from the input</a:t>
+            </a:r>
+            <a:endParaRPr lang="en-US" sz="3200" spc="0" dirty="0">
+              <a:solidFill>
+                <a:prstClr val="white"/>
+              </a:solidFill>
+              <a:latin typeface="Calibri"/>
+            </a:endParaRPr>
+          </a:p>
+        </p:txBody>
+      </p:sp>
+    </p:spTree>
+    <p:extLst>
+      <p:ext uri="{BB962C8B-B14F-4D97-AF65-F5344CB8AC3E}">
+        <p14:creationId xmlns:p14="http://schemas.microsoft.com/office/powerpoint/2010/main" val="2426803160"/>
+      </p:ext>
+    </p:extLst>
+  </p:cSld>
+  <p:clrMapOvr>
+    <a:masterClrMapping/>
+  </p:clrMapOvr>
+  <p:timing>
+    <p:tnLst>
+      <p:par>
+        <p:cTn id="1" dur="indefinite" restart="never" nodeType="tmRoot">
+          <p:childTnLst>
+            <p:seq concurrent="1" nextAc="seek">
+              <p:cTn id="2" dur="indefinite" nodeType="mainSeq">
+                <p:childTnLst>
+                  <p:par>
+                    <p:cTn id="3" fill="hold">
+                      <p:stCondLst>
+                        <p:cond delay="indefinite"/>
+                      </p:stCondLst>
+                      <p:childTnLst>
+                        <p:par>
+                          <p:cTn id="4" fill="hold">
+                            <p:stCondLst>
+                              <p:cond delay="0"/>
+                            </p:stCondLst>
+                            <p:childTnLst>
+                              <p:par>
+                                <p:cTn id="5" presetID="42" presetClass="entr" presetSubtype="0" fill="hold" grpId="0" nodeType="clickEffect">
+                                  <p:stCondLst>
+                                    <p:cond delay="0"/>
+                                  </p:stCondLst>
+                                  <p:childTnLst>
+                                    <p:set>
+                                      <p:cBhvr>
+                                        <p:cTn id="6" dur="1" fill="hold">
+                                          <p:stCondLst>
+                                            <p:cond delay="0"/>
+                                          </p:stCondLst>
+                                        </p:cTn>
+                                        <p:tgtEl>
+                                          <p:spTgt spid="3">
+                                            <p:txEl>
+                                              <p:pRg st="0" end="0"/>
+                                            </p:txEl>
+                                          </p:spTgt>
+                                        </p:tgtEl>
+                                        <p:attrNameLst>
+                                          <p:attrName>style.visibility</p:attrName>
+                                        </p:attrNameLst>
+                                      </p:cBhvr>
+                                      <p:to>
+                                        <p:strVal val="visible"/>
+                                      </p:to>
+                                    </p:set>
+                                    <p:animEffect transition="in" filter="fade">
+                                      <p:cBhvr>
+                                        <p:cTn id="7" dur="1000"/>
+                                        <p:tgtEl>
+                                          <p:spTgt spid="3">
+                                            <p:txEl>
+                                              <p:pRg st="0" end="0"/>
+                                            </p:txEl>
+                                          </p:spTgt>
+                                        </p:tgtEl>
+                                      </p:cBhvr>
+                                    </p:animEffect>
+                                    <p:anim calcmode="lin" valueType="num">
+                                      <p:cBhvr>
+                                        <p:cTn id="8" dur="1000" fill="hold"/>
+                                        <p:tgtEl>
+                                          <p:spTgt spid="3">
+                                            <p:txEl>
+                                              <p:pRg st="0" end="0"/>
+                                            </p:txEl>
+                                          </p:spTgt>
+                                        </p:tgtEl>
+                                        <p:attrNameLst>
+                                          <p:attrName>ppt_x</p:attrName>
+                                        </p:attrNameLst>
+                                      </p:cBhvr>
+                                      <p:tavLst>
+                                        <p:tav tm="0">
+                                          <p:val>
+                                            <p:strVal val="#ppt_x"/>
+                                          </p:val>
+                                        </p:tav>
+                                        <p:tav tm="100000">
+                                          <p:val>
+                                            <p:strVal val="#ppt_x"/>
+                                          </p:val>
+                                        </p:tav>
+                                      </p:tavLst>
+                                    </p:anim>
+                                    <p:anim calcmode="lin" valueType="num">
+                                      <p:cBhvr>
+                                        <p:cTn id="9" dur="1000" fill="hold"/>
+                                        <p:tgtEl>
+                                          <p:spTgt spid="3">
+                                            <p:txEl>
+                                              <p:pRg st="0" end="0"/>
+                                            </p:txEl>
+                                          </p:spTgt>
+                                        </p:tgtEl>
+                                        <p:attrNameLst>
+                                          <p:attrName>ppt_y</p:attrName>
+                                        </p:attrNameLst>
+                                      </p:cBhvr>
+                                      <p:tavLst>
+                                        <p:tav tm="0">
+                                          <p:val>
+                                            <p:strVal val="#ppt_y+.1"/>
+                                          </p:val>
+                                        </p:tav>
+                                        <p:tav tm="100000">
+                                          <p:val>
+                                            <p:strVal val="#ppt_y"/>
+                                          </p:val>
+                                        </p:tav>
+                                      </p:tavLst>
+                                    </p:anim>
+                                  </p:childTnLst>
+                                </p:cTn>
+                              </p:par>
+                            </p:childTnLst>
+                          </p:cTn>
+                        </p:par>
+                      </p:childTnLst>
+                    </p:cTn>
+                  </p:par>
+                  <p:par>
+                    <p:cTn id="10" fill="hold">
+                      <p:stCondLst>
+                        <p:cond delay="indefinite"/>
+                      </p:stCondLst>
+                      <p:childTnLst>
+                        <p:par>
+                          <p:cTn id="11" fill="hold">
+                            <p:stCondLst>
+                              <p:cond delay="0"/>
+                            </p:stCondLst>
+                            <p:childTnLst>
+                              <p:par>
+                                <p:cTn id="12" presetID="42" presetClass="entr" presetSubtype="0" fill="hold" grpId="0" nodeType="clickEffect">
+                                  <p:stCondLst>
+                                    <p:cond delay="0"/>
+                                  </p:stCondLst>
+                                  <p:childTnLst>
+                                    <p:set>
+                                      <p:cBhvr>
+                                        <p:cTn id="13" dur="1" fill="hold">
+                                          <p:stCondLst>
+                                            <p:cond delay="0"/>
+                                          </p:stCondLst>
+                                        </p:cTn>
+                                        <p:tgtEl>
+                                          <p:spTgt spid="3">
+                                            <p:txEl>
+                                              <p:pRg st="1" end="1"/>
+                                            </p:txEl>
+                                          </p:spTgt>
+                                        </p:tgtEl>
+                                        <p:attrNameLst>
+                                          <p:attrName>style.visibility</p:attrName>
+                                        </p:attrNameLst>
+                                      </p:cBhvr>
+                                      <p:to>
+                                        <p:strVal val="visible"/>
+                                      </p:to>
+                                    </p:set>
+                                    <p:animEffect transition="in" filter="fade">
+                                      <p:cBhvr>
+                                        <p:cTn id="14" dur="1000"/>
+                                        <p:tgtEl>
+                                          <p:spTgt spid="3">
+                                            <p:txEl>
+                                              <p:pRg st="1" end="1"/>
+                                            </p:txEl>
+                                          </p:spTgt>
+                                        </p:tgtEl>
+                                      </p:cBhvr>
+                                    </p:animEffect>
+                                    <p:anim calcmode="lin" valueType="num">
+                                      <p:cBhvr>
+                                        <p:cTn id="15" dur="1000" fill="hold"/>
+                                        <p:tgtEl>
+                                          <p:spTgt spid="3">
+                                            <p:txEl>
+                                              <p:pRg st="1" end="1"/>
+                                            </p:txEl>
+                                          </p:spTgt>
+                                        </p:tgtEl>
+                                        <p:attrNameLst>
+                                          <p:attrName>ppt_x</p:attrName>
+                                        </p:attrNameLst>
+                                      </p:cBhvr>
+                                      <p:tavLst>
+                                        <p:tav tm="0">
+                                          <p:val>
+                                            <p:strVal val="#ppt_x"/>
+                                          </p:val>
+                                        </p:tav>
+                                        <p:tav tm="100000">
+                                          <p:val>
+                                            <p:strVal val="#ppt_x"/>
+                                          </p:val>
+                                        </p:tav>
+                                      </p:tavLst>
+                                    </p:anim>
+                                    <p:anim calcmode="lin" valueType="num">
+                                      <p:cBhvr>
+                                        <p:cTn id="16" dur="1000" fill="hold"/>
+                                        <p:tgtEl>
+                                          <p:spTgt spid="3">
+                                            <p:txEl>
+                                              <p:pRg st="1" end="1"/>
+                                            </p:txEl>
+                                          </p:spTgt>
+                                        </p:tgtEl>
+                                        <p:attrNameLst>
+                                          <p:attrName>ppt_y</p:attrName>
+                                        </p:attrNameLst>
+                                      </p:cBhvr>
+                                      <p:tavLst>
+                                        <p:tav tm="0">
+                                          <p:val>
+                                            <p:strVal val="#ppt_y+.1"/>
+                                          </p:val>
+                                        </p:tav>
+                                        <p:tav tm="100000">
+                                          <p:val>
+                                            <p:strVal val="#ppt_y"/>
+                                          </p:val>
+                                        </p:tav>
+                                      </p:tavLst>
+                                    </p:anim>
+                                  </p:childTnLst>
+                                </p:cTn>
+                              </p:par>
+                            </p:childTnLst>
+                          </p:cTn>
+                        </p:par>
+                      </p:childTnLst>
+                    </p:cTn>
+                  </p:par>
+                  <p:par>
+                    <p:cTn id="17" fill="hold">
+                      <p:stCondLst>
+                        <p:cond delay="indefinite"/>
+                      </p:stCondLst>
+                      <p:childTnLst>
+                        <p:par>
+                          <p:cTn id="18" fill="hold">
+                            <p:stCondLst>
+                              <p:cond delay="0"/>
+                            </p:stCondLst>
+                            <p:childTnLst>
+                              <p:par>
+                                <p:cTn id="19" presetID="42" presetClass="entr" presetSubtype="0" fill="hold" grpId="0" nodeType="clickEffect">
+                                  <p:stCondLst>
+                                    <p:cond delay="0"/>
+                                  </p:stCondLst>
+                                  <p:childTnLst>
+                                    <p:set>
+                                      <p:cBhvr>
+                                        <p:cTn id="20" dur="1" fill="hold">
+                                          <p:stCondLst>
+                                            <p:cond delay="0"/>
+                                          </p:stCondLst>
+                                        </p:cTn>
+                                        <p:tgtEl>
+                                          <p:spTgt spid="3">
+                                            <p:txEl>
+                                              <p:pRg st="2" end="2"/>
+                                            </p:txEl>
+                                          </p:spTgt>
+                                        </p:tgtEl>
+                                        <p:attrNameLst>
+                                          <p:attrName>style.visibility</p:attrName>
+                                        </p:attrNameLst>
+                                      </p:cBhvr>
+                                      <p:to>
+                                        <p:strVal val="visible"/>
+                                      </p:to>
+                                    </p:set>
+                                    <p:animEffect transition="in" filter="fade">
+                                      <p:cBhvr>
+                                        <p:cTn id="21" dur="1000"/>
+                                        <p:tgtEl>
+                                          <p:spTgt spid="3">
+                                            <p:txEl>
+                                              <p:pRg st="2" end="2"/>
+                                            </p:txEl>
+                                          </p:spTgt>
+                                        </p:tgtEl>
+                                      </p:cBhvr>
+                                    </p:animEffect>
+                                    <p:anim calcmode="lin" valueType="num">
+                                      <p:cBhvr>
+                                        <p:cTn id="22" dur="1000" fill="hold"/>
+                                        <p:tgtEl>
+                                          <p:spTgt spid="3">
+                                            <p:txEl>
+                                              <p:pRg st="2" end="2"/>
+                                            </p:txEl>
+                                          </p:spTgt>
+                                        </p:tgtEl>
+                                        <p:attrNameLst>
+                                          <p:attrName>ppt_x</p:attrName>
+                                        </p:attrNameLst>
+                                      </p:cBhvr>
+                                      <p:tavLst>
+                                        <p:tav tm="0">
+                                          <p:val>
+                                            <p:strVal val="#ppt_x"/>
+                                          </p:val>
+                                        </p:tav>
+                                        <p:tav tm="100000">
+                                          <p:val>
+                                            <p:strVal val="#ppt_x"/>
+                                          </p:val>
+                                        </p:tav>
+                                      </p:tavLst>
+                                    </p:anim>
+                                    <p:anim calcmode="lin" valueType="num">
+                                      <p:cBhvr>
+                                        <p:cTn id="23" dur="1000" fill="hold"/>
+                                        <p:tgtEl>
+                                          <p:spTgt spid="3">
+                                            <p:txEl>
+                                              <p:pRg st="2" end="2"/>
+                                            </p:txEl>
+                                          </p:spTgt>
+                                        </p:tgtEl>
+                                        <p:attrNameLst>
+                                          <p:attrName>ppt_y</p:attrName>
+                                        </p:attrNameLst>
+                                      </p:cBhvr>
+                                      <p:tavLst>
+                                        <p:tav tm="0">
+                                          <p:val>
+                                            <p:strVal val="#ppt_y+.1"/>
+                                          </p:val>
+                                        </p:tav>
+                                        <p:tav tm="100000">
+                                          <p:val>
+                                            <p:strVal val="#ppt_y"/>
+                                          </p:val>
+                                        </p:tav>
+                                      </p:tavLst>
+                                    </p:anim>
+                                  </p:childTnLst>
+                                </p:cTn>
+                              </p:par>
+                            </p:childTnLst>
+                          </p:cTn>
+                        </p:par>
+                      </p:childTnLst>
+                    </p:cTn>
+                  </p:par>
+                </p:childTnLst>
+              </p:cTn>
+              <p:prevCondLst>
+                <p:cond evt="onPrev" delay="0">
+                  <p:tgtEl>
+                    <p:sldTgt/>
+                  </p:tgtEl>
+                </p:cond>
+              </p:prevCondLst>
+              <p:nextCondLst>
+                <p:cond evt="onNext" delay="0">
+                  <p:tgtEl>
+                    <p:sldTgt/>
+                  </p:tgtEl>
+                </p:cond>
+              </p:nextCondLst>
+            </p:seq>
+          </p:childTnLst>
+        </p:cTn>
+      </p:par>
+    </p:tnLst>
+    <p:bldLst>
+      <p:bldP spid="3" grpId="0" build="p"/>
+    </p:bldLst>
+  </p:timing>
+</p:sld>
+</file>
+
+<file path=ppt/slides/slide13.xml><?xml version="1.0" encoding="utf-8"?>
+<p:sld xmlns:a="http://schemas.openxmlformats.org/drawingml/2006/main" xmlns:r="http://schemas.openxmlformats.org/officeDocument/2006/relationships" xmlns:p="http://schemas.openxmlformats.org/presentationml/2006/main">
+  <p:cSld>
+    <p:spTree>
+      <p:nvGrpSpPr>
+        <p:cNvPr id="1" name=""/>
+        <p:cNvGrpSpPr/>
+        <p:nvPr/>
+      </p:nvGrpSpPr>
+      <p:grpSpPr>
+        <a:xfrm>
+          <a:off x="0" y="0"/>
+          <a:ext cx="0" cy="0"/>
+          <a:chOff x="0" y="0"/>
+          <a:chExt cx="0" cy="0"/>
+        </a:xfrm>
+      </p:grpSpPr>
+      <p:sp>
+        <p:nvSpPr>
+          <p:cNvPr id="2" name="Title 1"/>
+          <p:cNvSpPr>
+            <a:spLocks noGrp="1"/>
+          </p:cNvSpPr>
+          <p:nvPr>
+            <p:ph type="title"/>
+          </p:nvPr>
+        </p:nvSpPr>
+        <p:spPr/>
+        <p:txBody>
+          <a:bodyPr/>
+          <a:lstStyle/>
+          <a:p>
+            <a:r>
               <a:rPr lang="en-US" sz="4400" cap="none" spc="0" dirty="0" smtClean="0">
                 <a:solidFill>
                   <a:prstClr val="white"/>
@@ -5224,7 +5451,7 @@
 </p:sld>
 </file>
 
-<file path=ppt/slides/slide13.xml><?xml version="1.0" encoding="utf-8"?>
+<file path=ppt/slides/slide14.xml><?xml version="1.0" encoding="utf-8"?>
 <p:sld xmlns:a="http://schemas.openxmlformats.org/drawingml/2006/main" xmlns:r="http://schemas.openxmlformats.org/officeDocument/2006/relationships" xmlns:p="http://schemas.openxmlformats.org/presentationml/2006/main">
   <p:cSld>
     <p:spTree>
@@ -5327,7 +5554,7 @@
 </p:sld>
 </file>
 
-<file path=ppt/slides/slide14.xml><?xml version="1.0" encoding="utf-8"?>
+<file path=ppt/slides/slide15.xml><?xml version="1.0" encoding="utf-8"?>
 <p:sld xmlns:a="http://schemas.openxmlformats.org/drawingml/2006/main" xmlns:r="http://schemas.openxmlformats.org/officeDocument/2006/relationships" xmlns:p="http://schemas.openxmlformats.org/presentationml/2006/main">
   <p:cSld>
     <p:spTree>
@@ -5475,165 +5702,6 @@
 </p:sld>
 </file>
 
-<file path=ppt/slides/slide15.xml><?xml version="1.0" encoding="utf-8"?>
-<p:sld xmlns:a="http://schemas.openxmlformats.org/drawingml/2006/main" xmlns:r="http://schemas.openxmlformats.org/officeDocument/2006/relationships" xmlns:p="http://schemas.openxmlformats.org/presentationml/2006/main">
-  <p:cSld>
-    <p:spTree>
-      <p:nvGrpSpPr>
-        <p:cNvPr id="1" name=""/>
-        <p:cNvGrpSpPr/>
-        <p:nvPr/>
-      </p:nvGrpSpPr>
-      <p:grpSpPr>
-        <a:xfrm>
-          <a:off x="0" y="0"/>
-          <a:ext cx="0" cy="0"/>
-          <a:chOff x="0" y="0"/>
-          <a:chExt cx="0" cy="0"/>
-        </a:xfrm>
-      </p:grpSpPr>
-      <p:sp>
-        <p:nvSpPr>
-          <p:cNvPr id="2" name="Title 1"/>
-          <p:cNvSpPr>
-            <a:spLocks noGrp="1"/>
-          </p:cNvSpPr>
-          <p:nvPr>
-            <p:ph type="title"/>
-          </p:nvPr>
-        </p:nvSpPr>
-        <p:spPr/>
-        <p:txBody>
-          <a:bodyPr/>
-          <a:lstStyle/>
-          <a:p>
-            <a:r>
-              <a:rPr lang="en-US" sz="4400" cap="none" spc="0" dirty="0">
-                <a:solidFill>
-                  <a:prstClr val="white"/>
-                </a:solidFill>
-                <a:latin typeface="Calibri"/>
-              </a:rPr>
-              <a:t>Rhythm </a:t>
-            </a:r>
-            <a:r>
-              <a:rPr lang="en-US" sz="4400" cap="none" spc="0" dirty="0" smtClean="0">
-                <a:solidFill>
-                  <a:prstClr val="white"/>
-                </a:solidFill>
-                <a:latin typeface="Calibri"/>
-              </a:rPr>
-              <a:t>Mutations</a:t>
-            </a:r>
-            <a:endParaRPr lang="en-US" dirty="0"/>
-          </a:p>
-        </p:txBody>
-      </p:sp>
-      <p:sp>
-        <p:nvSpPr>
-          <p:cNvPr id="3" name="Content Placeholder 2"/>
-          <p:cNvSpPr>
-            <a:spLocks noGrp="1"/>
-          </p:cNvSpPr>
-          <p:nvPr>
-            <p:ph sz="quarter" idx="13"/>
-          </p:nvPr>
-        </p:nvSpPr>
-        <p:spPr/>
-        <p:txBody>
-          <a:bodyPr>
-            <a:normAutofit fontScale="92500" lnSpcReduction="20000"/>
-          </a:bodyPr>
-          <a:lstStyle/>
-          <a:p>
-            <a:r>
-              <a:rPr lang="en-US" sz="3000" dirty="0" smtClean="0">
-                <a:latin typeface="Calibri" pitchFamily="34" charset="0"/>
-              </a:rPr>
-              <a:t>Split a random beat in half (25%)</a:t>
-            </a:r>
-          </a:p>
-          <a:p>
-            <a:r>
-              <a:rPr lang="en-US" sz="3000" dirty="0" smtClean="0">
-                <a:latin typeface="Calibri" pitchFamily="34" charset="0"/>
-              </a:rPr>
-              <a:t>Combine 2 random neighboring beats (25%)</a:t>
-            </a:r>
-          </a:p>
-          <a:p>
-            <a:r>
-              <a:rPr lang="en-US" sz="3000" dirty="0" smtClean="0">
-                <a:latin typeface="Calibri" pitchFamily="34" charset="0"/>
-              </a:rPr>
-              <a:t>Swap 2 random beats (20%)</a:t>
-            </a:r>
-          </a:p>
-          <a:p>
-            <a:r>
-              <a:rPr lang="en-US" sz="3000" dirty="0" smtClean="0">
-                <a:latin typeface="Calibri" pitchFamily="34" charset="0"/>
-              </a:rPr>
-              <a:t>Reverse a random measure (1%)</a:t>
-            </a:r>
-          </a:p>
-          <a:p>
-            <a:r>
-              <a:rPr lang="en-US" sz="3000" dirty="0" smtClean="0">
-                <a:latin typeface="Calibri" pitchFamily="34" charset="0"/>
-              </a:rPr>
-              <a:t>Reset a random measure (1%)</a:t>
-            </a:r>
-          </a:p>
-          <a:p>
-            <a:r>
-              <a:rPr lang="en-US" sz="3000" dirty="0" smtClean="0">
-                <a:latin typeface="Calibri" pitchFamily="34" charset="0"/>
-              </a:rPr>
-              <a:t>Randomize a random measure (9%)</a:t>
-            </a:r>
-          </a:p>
-          <a:p>
-            <a:r>
-              <a:rPr lang="en-US" sz="3000" dirty="0" smtClean="0">
-                <a:latin typeface="Calibri" pitchFamily="34" charset="0"/>
-              </a:rPr>
-              <a:t>Reverse all measures (9%)</a:t>
-            </a:r>
-          </a:p>
-          <a:p>
-            <a:r>
-              <a:rPr lang="en-US" sz="3000" dirty="0" smtClean="0">
-                <a:latin typeface="Calibri" pitchFamily="34" charset="0"/>
-              </a:rPr>
-              <a:t>Swap 2 random measures (10%)</a:t>
-            </a:r>
-            <a:endParaRPr lang="en-US" sz="3000" dirty="0">
-              <a:latin typeface="Calibri" pitchFamily="34" charset="0"/>
-            </a:endParaRPr>
-          </a:p>
-        </p:txBody>
-      </p:sp>
-    </p:spTree>
-    <p:extLst>
-      <p:ext uri="{BB962C8B-B14F-4D97-AF65-F5344CB8AC3E}">
-        <p14:creationId xmlns:p14="http://schemas.microsoft.com/office/powerpoint/2010/main" val="1459781179"/>
-      </p:ext>
-    </p:extLst>
-  </p:cSld>
-  <p:clrMapOvr>
-    <a:masterClrMapping/>
-  </p:clrMapOvr>
-  <p:timing>
-    <p:tnLst>
-      <p:par>
-        <p:cTn id="1" dur="indefinite" restart="never" nodeType="tmRoot"/>
-      </p:par>
-    </p:tnLst>
-  </p:timing>
-</p:sld>
-</file>
-
 <file path=ppt/slides/slide16.xml><?xml version="1.0" encoding="utf-8"?>
 <p:sld xmlns:a="http://schemas.openxmlformats.org/drawingml/2006/main" xmlns:r="http://schemas.openxmlformats.org/officeDocument/2006/relationships" xmlns:p="http://schemas.openxmlformats.org/presentationml/2006/main">
   <p:cSld>
@@ -5667,13 +5735,22 @@
           <a:lstStyle/>
           <a:p>
             <a:r>
+              <a:rPr lang="en-US" sz="4400" cap="none" spc="0" dirty="0">
+                <a:solidFill>
+                  <a:prstClr val="white"/>
+                </a:solidFill>
+                <a:latin typeface="Calibri"/>
+              </a:rPr>
+              <a:t>Rhythm </a:t>
+            </a:r>
+            <a:r>
               <a:rPr lang="en-US" sz="4400" cap="none" spc="0" dirty="0" smtClean="0">
                 <a:solidFill>
                   <a:prstClr val="white"/>
                 </a:solidFill>
                 <a:latin typeface="Calibri"/>
               </a:rPr>
-              <a:t>Tonal Mutations</a:t>
+              <a:t>Mutations</a:t>
             </a:r>
             <a:endParaRPr lang="en-US" dirty="0"/>
           </a:p>
@@ -5692,7 +5769,7 @@
         <p:spPr/>
         <p:txBody>
           <a:bodyPr>
-            <a:normAutofit fontScale="77500" lnSpcReduction="20000"/>
+            <a:normAutofit fontScale="92500" lnSpcReduction="20000"/>
           </a:bodyPr>
           <a:lstStyle/>
           <a:p>
@@ -5700,7 +5777,7 @@
               <a:rPr lang="en-US" sz="3000" dirty="0" smtClean="0">
                 <a:latin typeface="Calibri" pitchFamily="34" charset="0"/>
               </a:rPr>
-              <a:t>Transpose random tone up or down (25%)</a:t>
+              <a:t>Split a random beat in half (25%)</a:t>
             </a:r>
           </a:p>
           <a:p>
@@ -5708,7 +5785,7 @@
               <a:rPr lang="en-US" sz="3000" dirty="0" smtClean="0">
                 <a:latin typeface="Calibri" pitchFamily="34" charset="0"/>
               </a:rPr>
-              <a:t>Transpose random measure up (10%)</a:t>
+              <a:t>Combine 2 random neighboring beats (25%)</a:t>
             </a:r>
           </a:p>
           <a:p>
@@ -5716,7 +5793,7 @@
               <a:rPr lang="en-US" sz="3000" dirty="0" smtClean="0">
                 <a:latin typeface="Calibri" pitchFamily="34" charset="0"/>
               </a:rPr>
-              <a:t>Transpose random measure down (10%)</a:t>
+              <a:t>Swap 2 random beats (20%)</a:t>
             </a:r>
           </a:p>
           <a:p>
@@ -5724,7 +5801,7 @@
               <a:rPr lang="en-US" sz="3000" dirty="0" smtClean="0">
                 <a:latin typeface="Calibri" pitchFamily="34" charset="0"/>
               </a:rPr>
-              <a:t>Swap 2 random notes (15%)</a:t>
+              <a:t>Reverse a random measure (1%)</a:t>
             </a:r>
           </a:p>
           <a:p>
@@ -5732,7 +5809,7 @@
               <a:rPr lang="en-US" sz="3000" dirty="0" smtClean="0">
                 <a:latin typeface="Calibri" pitchFamily="34" charset="0"/>
               </a:rPr>
-              <a:t>Randomize random measure (1%)</a:t>
+              <a:t>Reset a random measure (1%)</a:t>
             </a:r>
           </a:p>
           <a:p>
@@ -5740,7 +5817,7 @@
               <a:rPr lang="en-US" sz="3000" dirty="0" smtClean="0">
                 <a:latin typeface="Calibri" pitchFamily="34" charset="0"/>
               </a:rPr>
-              <a:t>Reset random measure (1%)</a:t>
+              <a:t>Randomize a random measure (9%)</a:t>
             </a:r>
           </a:p>
           <a:p>
@@ -5748,7 +5825,7 @@
               <a:rPr lang="en-US" sz="3000" dirty="0" smtClean="0">
                 <a:latin typeface="Calibri" pitchFamily="34" charset="0"/>
               </a:rPr>
-              <a:t>Reverse random measure (9%)</a:t>
+              <a:t>Reverse all measures (9%)</a:t>
             </a:r>
           </a:p>
           <a:p>
@@ -5756,15 +5833,7 @@
               <a:rPr lang="en-US" sz="3000" dirty="0" smtClean="0">
                 <a:latin typeface="Calibri" pitchFamily="34" charset="0"/>
               </a:rPr>
-              <a:t>Reverse all measures (14%)</a:t>
-            </a:r>
-          </a:p>
-          <a:p>
-            <a:r>
-              <a:rPr lang="en-US" sz="3000" dirty="0" smtClean="0">
-                <a:latin typeface="Calibri" pitchFamily="34" charset="0"/>
-              </a:rPr>
-              <a:t>Swap 2 random measures (15%)</a:t>
+              <a:t>Swap 2 random measures (10%)</a:t>
             </a:r>
             <a:endParaRPr lang="en-US" sz="3000" dirty="0">
               <a:latin typeface="Calibri" pitchFamily="34" charset="0"/>
@@ -5775,7 +5844,7 @@
     </p:spTree>
     <p:extLst>
       <p:ext uri="{BB962C8B-B14F-4D97-AF65-F5344CB8AC3E}">
-        <p14:creationId xmlns:p14="http://schemas.microsoft.com/office/powerpoint/2010/main" val="925965889"/>
+        <p14:creationId xmlns:p14="http://schemas.microsoft.com/office/powerpoint/2010/main" val="1459781179"/>
       </p:ext>
     </p:extLst>
   </p:cSld>
@@ -5825,6 +5894,164 @@
           <a:lstStyle/>
           <a:p>
             <a:r>
+              <a:rPr lang="en-US" sz="4400" cap="none" spc="0" dirty="0" smtClean="0">
+                <a:solidFill>
+                  <a:prstClr val="white"/>
+                </a:solidFill>
+                <a:latin typeface="Calibri"/>
+              </a:rPr>
+              <a:t>Tonal Mutations</a:t>
+            </a:r>
+            <a:endParaRPr lang="en-US" dirty="0"/>
+          </a:p>
+        </p:txBody>
+      </p:sp>
+      <p:sp>
+        <p:nvSpPr>
+          <p:cNvPr id="3" name="Content Placeholder 2"/>
+          <p:cNvSpPr>
+            <a:spLocks noGrp="1"/>
+          </p:cNvSpPr>
+          <p:nvPr>
+            <p:ph sz="quarter" idx="13"/>
+          </p:nvPr>
+        </p:nvSpPr>
+        <p:spPr/>
+        <p:txBody>
+          <a:bodyPr>
+            <a:normAutofit fontScale="77500" lnSpcReduction="20000"/>
+          </a:bodyPr>
+          <a:lstStyle/>
+          <a:p>
+            <a:r>
+              <a:rPr lang="en-US" sz="3000" dirty="0" smtClean="0">
+                <a:latin typeface="Calibri" pitchFamily="34" charset="0"/>
+              </a:rPr>
+              <a:t>Transpose random tone up or down (25%)</a:t>
+            </a:r>
+          </a:p>
+          <a:p>
+            <a:r>
+              <a:rPr lang="en-US" sz="3000" dirty="0" smtClean="0">
+                <a:latin typeface="Calibri" pitchFamily="34" charset="0"/>
+              </a:rPr>
+              <a:t>Transpose random measure up (10%)</a:t>
+            </a:r>
+          </a:p>
+          <a:p>
+            <a:r>
+              <a:rPr lang="en-US" sz="3000" dirty="0" smtClean="0">
+                <a:latin typeface="Calibri" pitchFamily="34" charset="0"/>
+              </a:rPr>
+              <a:t>Transpose random measure down (10%)</a:t>
+            </a:r>
+          </a:p>
+          <a:p>
+            <a:r>
+              <a:rPr lang="en-US" sz="3000" dirty="0" smtClean="0">
+                <a:latin typeface="Calibri" pitchFamily="34" charset="0"/>
+              </a:rPr>
+              <a:t>Swap 2 random notes (15%)</a:t>
+            </a:r>
+          </a:p>
+          <a:p>
+            <a:r>
+              <a:rPr lang="en-US" sz="3000" dirty="0" smtClean="0">
+                <a:latin typeface="Calibri" pitchFamily="34" charset="0"/>
+              </a:rPr>
+              <a:t>Randomize random measure (1%)</a:t>
+            </a:r>
+          </a:p>
+          <a:p>
+            <a:r>
+              <a:rPr lang="en-US" sz="3000" dirty="0" smtClean="0">
+                <a:latin typeface="Calibri" pitchFamily="34" charset="0"/>
+              </a:rPr>
+              <a:t>Reset random measure (1%)</a:t>
+            </a:r>
+          </a:p>
+          <a:p>
+            <a:r>
+              <a:rPr lang="en-US" sz="3000" dirty="0" smtClean="0">
+                <a:latin typeface="Calibri" pitchFamily="34" charset="0"/>
+              </a:rPr>
+              <a:t>Reverse random measure (9%)</a:t>
+            </a:r>
+          </a:p>
+          <a:p>
+            <a:r>
+              <a:rPr lang="en-US" sz="3000" dirty="0" smtClean="0">
+                <a:latin typeface="Calibri" pitchFamily="34" charset="0"/>
+              </a:rPr>
+              <a:t>Reverse all measures (14%)</a:t>
+            </a:r>
+          </a:p>
+          <a:p>
+            <a:r>
+              <a:rPr lang="en-US" sz="3000" dirty="0" smtClean="0">
+                <a:latin typeface="Calibri" pitchFamily="34" charset="0"/>
+              </a:rPr>
+              <a:t>Swap 2 random measures (15%)</a:t>
+            </a:r>
+            <a:endParaRPr lang="en-US" sz="3000" dirty="0">
+              <a:latin typeface="Calibri" pitchFamily="34" charset="0"/>
+            </a:endParaRPr>
+          </a:p>
+        </p:txBody>
+      </p:sp>
+    </p:spTree>
+    <p:extLst>
+      <p:ext uri="{BB962C8B-B14F-4D97-AF65-F5344CB8AC3E}">
+        <p14:creationId xmlns:p14="http://schemas.microsoft.com/office/powerpoint/2010/main" val="925965889"/>
+      </p:ext>
+    </p:extLst>
+  </p:cSld>
+  <p:clrMapOvr>
+    <a:masterClrMapping/>
+  </p:clrMapOvr>
+  <p:timing>
+    <p:tnLst>
+      <p:par>
+        <p:cTn id="1" dur="indefinite" restart="never" nodeType="tmRoot"/>
+      </p:par>
+    </p:tnLst>
+  </p:timing>
+</p:sld>
+</file>
+
+<file path=ppt/slides/slide18.xml><?xml version="1.0" encoding="utf-8"?>
+<p:sld xmlns:a="http://schemas.openxmlformats.org/drawingml/2006/main" xmlns:r="http://schemas.openxmlformats.org/officeDocument/2006/relationships" xmlns:p="http://schemas.openxmlformats.org/presentationml/2006/main">
+  <p:cSld>
+    <p:spTree>
+      <p:nvGrpSpPr>
+        <p:cNvPr id="1" name=""/>
+        <p:cNvGrpSpPr/>
+        <p:nvPr/>
+      </p:nvGrpSpPr>
+      <p:grpSpPr>
+        <a:xfrm>
+          <a:off x="0" y="0"/>
+          <a:ext cx="0" cy="0"/>
+          <a:chOff x="0" y="0"/>
+          <a:chExt cx="0" cy="0"/>
+        </a:xfrm>
+      </p:grpSpPr>
+      <p:sp>
+        <p:nvSpPr>
+          <p:cNvPr id="2" name="Title 1"/>
+          <p:cNvSpPr>
+            <a:spLocks noGrp="1"/>
+          </p:cNvSpPr>
+          <p:nvPr>
+            <p:ph type="title"/>
+          </p:nvPr>
+        </p:nvSpPr>
+        <p:spPr/>
+        <p:txBody>
+          <a:bodyPr/>
+          <a:lstStyle/>
+          <a:p>
+            <a:r>
               <a:rPr lang="en-US" sz="4400" cap="none" spc="0" dirty="0">
                 <a:solidFill>
                   <a:prstClr val="white"/>
@@ -5920,7 +6147,7 @@
 </p:sld>
 </file>
 
-<file path=ppt/slides/slide18.xml><?xml version="1.0" encoding="utf-8"?>
+<file path=ppt/slides/slide19.xml><?xml version="1.0" encoding="utf-8"?>
 <p:sld xmlns:a="http://schemas.openxmlformats.org/drawingml/2006/main" xmlns:r="http://schemas.openxmlformats.org/officeDocument/2006/relationships" xmlns:p="http://schemas.openxmlformats.org/presentationml/2006/main">
   <p:cSld>
     <p:spTree>
@@ -6113,147 +6340,6 @@
 </p:sld>
 </file>
 
-<file path=ppt/slides/slide19.xml><?xml version="1.0" encoding="utf-8"?>
-<p:sld xmlns:a="http://schemas.openxmlformats.org/drawingml/2006/main" xmlns:r="http://schemas.openxmlformats.org/officeDocument/2006/relationships" xmlns:p="http://schemas.openxmlformats.org/presentationml/2006/main">
-  <p:cSld>
-    <p:spTree>
-      <p:nvGrpSpPr>
-        <p:cNvPr id="1" name=""/>
-        <p:cNvGrpSpPr/>
-        <p:nvPr/>
-      </p:nvGrpSpPr>
-      <p:grpSpPr>
-        <a:xfrm>
-          <a:off x="0" y="0"/>
-          <a:ext cx="0" cy="0"/>
-          <a:chOff x="0" y="0"/>
-          <a:chExt cx="0" cy="0"/>
-        </a:xfrm>
-      </p:grpSpPr>
-      <p:sp>
-        <p:nvSpPr>
-          <p:cNvPr id="2" name="Title 1"/>
-          <p:cNvSpPr>
-            <a:spLocks noGrp="1"/>
-          </p:cNvSpPr>
-          <p:nvPr>
-            <p:ph type="title"/>
-          </p:nvPr>
-        </p:nvSpPr>
-        <p:spPr/>
-        <p:txBody>
-          <a:bodyPr/>
-          <a:lstStyle/>
-          <a:p>
-            <a:r>
-              <a:rPr lang="en-US" sz="4400" cap="none" spc="0" dirty="0" smtClean="0">
-                <a:solidFill>
-                  <a:prstClr val="white"/>
-                </a:solidFill>
-                <a:latin typeface="Calibri"/>
-              </a:rPr>
-              <a:t>Fitness</a:t>
-            </a:r>
-            <a:endParaRPr lang="en-US" dirty="0"/>
-          </a:p>
-        </p:txBody>
-      </p:sp>
-      <p:sp>
-        <p:nvSpPr>
-          <p:cNvPr id="3" name="Content Placeholder 2"/>
-          <p:cNvSpPr>
-            <a:spLocks noGrp="1"/>
-          </p:cNvSpPr>
-          <p:nvPr>
-            <p:ph sz="quarter" idx="13"/>
-          </p:nvPr>
-        </p:nvSpPr>
-        <p:spPr/>
-        <p:txBody>
-          <a:bodyPr>
-            <a:normAutofit fontScale="92500" lnSpcReduction="20000"/>
-          </a:bodyPr>
-          <a:lstStyle/>
-          <a:p>
-            <a:r>
-              <a:rPr lang="en-US" sz="3000" dirty="0" smtClean="0">
-                <a:latin typeface="Calibri" pitchFamily="34" charset="0"/>
-              </a:rPr>
-              <a:t>When a </a:t>
-            </a:r>
-            <a:r>
-              <a:rPr lang="en-US" sz="3000" dirty="0">
-                <a:latin typeface="Calibri" pitchFamily="34" charset="0"/>
-              </a:rPr>
-              <a:t>c</a:t>
-            </a:r>
-            <a:r>
-              <a:rPr lang="en-US" sz="3000" dirty="0" smtClean="0">
-                <a:latin typeface="Calibri" pitchFamily="34" charset="0"/>
-              </a:rPr>
-              <a:t>hromosome reaches the desired error value, it is stored as the minimum</a:t>
-            </a:r>
-          </a:p>
-          <a:p>
-            <a:r>
-              <a:rPr lang="en-US" sz="3000" dirty="0" smtClean="0">
-                <a:latin typeface="Calibri" pitchFamily="34" charset="0"/>
-              </a:rPr>
-              <a:t>The GA does not terminate immediately</a:t>
-            </a:r>
-          </a:p>
-          <a:p>
-            <a:pPr lvl="1"/>
-            <a:r>
-              <a:rPr lang="en-US" sz="3000" dirty="0" smtClean="0">
-                <a:latin typeface="Calibri" pitchFamily="34" charset="0"/>
-              </a:rPr>
-              <a:t>Continues for 15 more iterations to try to improve the minimum</a:t>
-            </a:r>
-          </a:p>
-          <a:p>
-            <a:pPr lvl="1"/>
-            <a:r>
-              <a:rPr lang="en-US" sz="3000" dirty="0" smtClean="0">
-                <a:latin typeface="Calibri" pitchFamily="34" charset="0"/>
-              </a:rPr>
-              <a:t>After 15 iterations, the minimum is the return value</a:t>
-            </a:r>
-          </a:p>
-          <a:p>
-            <a:pPr lvl="1"/>
-            <a:r>
-              <a:rPr lang="en-US" sz="3000" dirty="0" smtClean="0">
-                <a:latin typeface="Calibri" pitchFamily="34" charset="0"/>
-              </a:rPr>
-              <a:t>This allows for a good result to become even better</a:t>
-            </a:r>
-            <a:endParaRPr lang="en-US" sz="3000" dirty="0">
-              <a:latin typeface="Calibri" pitchFamily="34" charset="0"/>
-            </a:endParaRPr>
-          </a:p>
-        </p:txBody>
-      </p:sp>
-    </p:spTree>
-    <p:extLst>
-      <p:ext uri="{BB962C8B-B14F-4D97-AF65-F5344CB8AC3E}">
-        <p14:creationId xmlns:p14="http://schemas.microsoft.com/office/powerpoint/2010/main" val="1970213047"/>
-      </p:ext>
-    </p:extLst>
-  </p:cSld>
-  <p:clrMapOvr>
-    <a:masterClrMapping/>
-  </p:clrMapOvr>
-  <p:timing>
-    <p:tnLst>
-      <p:par>
-        <p:cTn id="1" dur="indefinite" restart="never" nodeType="tmRoot"/>
-      </p:par>
-    </p:tnLst>
-  </p:timing>
-</p:sld>
-</file>
-
 <file path=ppt/slides/slide2.xml><?xml version="1.0" encoding="utf-8"?>
 <p:sld xmlns:a="http://schemas.openxmlformats.org/drawingml/2006/main" xmlns:r="http://schemas.openxmlformats.org/officeDocument/2006/relationships" xmlns:p="http://schemas.openxmlformats.org/presentationml/2006/main">
   <p:cSld>
@@ -6882,7 +6968,7 @@
                 </a:solidFill>
                 <a:latin typeface="Calibri"/>
               </a:rPr>
-              <a:t>Termination Constraints</a:t>
+              <a:t>Fitness</a:t>
             </a:r>
             <a:endParaRPr lang="en-US" dirty="0"/>
           </a:p>
@@ -6909,25 +6995,27 @@
               <a:rPr lang="en-US" sz="3000" dirty="0" smtClean="0">
                 <a:latin typeface="Calibri" pitchFamily="34" charset="0"/>
               </a:rPr>
-              <a:t>Randomization of the population occurs when</a:t>
-            </a:r>
-          </a:p>
-          <a:p>
-            <a:pPr lvl="1"/>
+              <a:t>When a </a:t>
+            </a:r>
+            <a:r>
+              <a:rPr lang="en-US" sz="3000" dirty="0">
+                <a:latin typeface="Calibri" pitchFamily="34" charset="0"/>
+              </a:rPr>
+              <a:t>c</a:t>
+            </a:r>
             <a:r>
               <a:rPr lang="en-US" sz="3000" dirty="0" smtClean="0">
                 <a:latin typeface="Calibri" pitchFamily="34" charset="0"/>
               </a:rPr>
-              <a:t>50 iterations occur consecutively without .01 fitness improvement</a:t>
-            </a:r>
-          </a:p>
-          <a:p>
-            <a:pPr lvl="1"/>
+              <a:t>hromosome reaches the desired error value, it is stored as the minimum</a:t>
+            </a:r>
+          </a:p>
+          <a:p>
             <a:r>
               <a:rPr lang="en-US" sz="3000" dirty="0" smtClean="0">
                 <a:latin typeface="Calibri" pitchFamily="34" charset="0"/>
               </a:rPr>
-              <a:t>200 Iterations occur consecutively without .5 fitness improvement</a:t>
+              <a:t>The GA does not terminate immediately</a:t>
             </a:r>
           </a:p>
           <a:p>
@@ -6936,27 +7024,25 @@
               <a:rPr lang="en-US" sz="3000" dirty="0" smtClean="0">
                 <a:latin typeface="Calibri" pitchFamily="34" charset="0"/>
               </a:rPr>
-              <a:t>This is an attempt to prevent local </a:t>
-            </a:r>
-            <a:r>
-              <a:rPr lang="en-US" sz="3000" dirty="0" err="1" smtClean="0">
-                <a:latin typeface="Calibri" pitchFamily="34" charset="0"/>
-              </a:rPr>
-              <a:t>extrema</a:t>
-            </a:r>
+              <a:t>Continues for 15 more iterations to try to improve the minimum</a:t>
+            </a:r>
+          </a:p>
+          <a:p>
+            <a:pPr lvl="1"/>
             <a:r>
               <a:rPr lang="en-US" sz="3000" dirty="0" smtClean="0">
                 <a:latin typeface="Calibri" pitchFamily="34" charset="0"/>
               </a:rPr>
-              <a:t> in the search space</a:t>
-            </a:r>
-          </a:p>
-          <a:p>
+              <a:t>After 15 iterations, the minimum is the return value</a:t>
+            </a:r>
+          </a:p>
+          <a:p>
+            <a:pPr lvl="1"/>
             <a:r>
               <a:rPr lang="en-US" sz="3000" dirty="0" smtClean="0">
                 <a:latin typeface="Calibri" pitchFamily="34" charset="0"/>
               </a:rPr>
-              <a:t>It is possible for a GA to not complete if it passes 2000 iterations</a:t>
+              <a:t>This allows for a good result to become even better</a:t>
             </a:r>
             <a:endParaRPr lang="en-US" sz="3000" dirty="0">
               <a:latin typeface="Calibri" pitchFamily="34" charset="0"/>
@@ -6967,7 +7053,7 @@
     </p:spTree>
     <p:extLst>
       <p:ext uri="{BB962C8B-B14F-4D97-AF65-F5344CB8AC3E}">
-        <p14:creationId xmlns:p14="http://schemas.microsoft.com/office/powerpoint/2010/main" val="1540398368"/>
+        <p14:creationId xmlns:p14="http://schemas.microsoft.com/office/powerpoint/2010/main" val="1970213047"/>
       </p:ext>
     </p:extLst>
   </p:cSld>
@@ -7023,7 +7109,7 @@
                 </a:solidFill>
                 <a:latin typeface="Calibri"/>
               </a:rPr>
-              <a:t>Population Sizes</a:t>
+              <a:t>Termination Constraints</a:t>
             </a:r>
             <a:endParaRPr lang="en-US" dirty="0"/>
           </a:p>
@@ -7042,7 +7128,7 @@
         <p:spPr/>
         <p:txBody>
           <a:bodyPr>
-            <a:normAutofit/>
+            <a:normAutofit fontScale="92500" lnSpcReduction="20000"/>
           </a:bodyPr>
           <a:lstStyle/>
           <a:p>
@@ -7050,7 +7136,54 @@
               <a:rPr lang="en-US" sz="3000" dirty="0" smtClean="0">
                 <a:latin typeface="Calibri" pitchFamily="34" charset="0"/>
               </a:rPr>
-              <a:t>Each population was chosen to be of size 1000</a:t>
+              <a:t>Randomization of the population occurs when</a:t>
+            </a:r>
+          </a:p>
+          <a:p>
+            <a:pPr lvl="1"/>
+            <a:r>
+              <a:rPr lang="en-US" sz="3000" dirty="0" smtClean="0">
+                <a:latin typeface="Calibri" pitchFamily="34" charset="0"/>
+              </a:rPr>
+              <a:t>50 iterations occur consecutively without .01 fitness improvement</a:t>
+            </a:r>
+          </a:p>
+          <a:p>
+            <a:pPr lvl="1"/>
+            <a:r>
+              <a:rPr lang="en-US" sz="3000" dirty="0" smtClean="0">
+                <a:latin typeface="Calibri" pitchFamily="34" charset="0"/>
+              </a:rPr>
+              <a:t>200 Iterations occur consecutively without .5 fitness improvement</a:t>
+            </a:r>
+          </a:p>
+          <a:p>
+            <a:pPr lvl="1"/>
+            <a:r>
+              <a:rPr lang="en-US" sz="3000" dirty="0" smtClean="0">
+                <a:latin typeface="Calibri" pitchFamily="34" charset="0"/>
+              </a:rPr>
+              <a:t>This is an attempt to prevent local </a:t>
+            </a:r>
+            <a:r>
+              <a:rPr lang="en-US" sz="3000" dirty="0" err="1" smtClean="0">
+                <a:latin typeface="Calibri" pitchFamily="34" charset="0"/>
+              </a:rPr>
+              <a:t>extrema</a:t>
+            </a:r>
+            <a:r>
+              <a:rPr lang="en-US" sz="3000" dirty="0" smtClean="0">
+                <a:latin typeface="Calibri" pitchFamily="34" charset="0"/>
+              </a:rPr>
+              <a:t> in the search space</a:t>
+            </a:r>
+          </a:p>
+          <a:p>
+            <a:r>
+              <a:rPr lang="en-US" sz="3000" dirty="0" smtClean="0">
+                <a:latin typeface="Calibri" pitchFamily="34" charset="0"/>
+              </a:rPr>
+              <a:t>It is possible for a GA to not complete if it passes 2000 iterations</a:t>
             </a:r>
             <a:endParaRPr lang="en-US" sz="3000" dirty="0">
               <a:latin typeface="Calibri" pitchFamily="34" charset="0"/>
@@ -7061,7 +7194,7 @@
     </p:spTree>
     <p:extLst>
       <p:ext uri="{BB962C8B-B14F-4D97-AF65-F5344CB8AC3E}">
-        <p14:creationId xmlns:p14="http://schemas.microsoft.com/office/powerpoint/2010/main" val="4264490417"/>
+        <p14:creationId xmlns:p14="http://schemas.microsoft.com/office/powerpoint/2010/main" val="1540398368"/>
       </p:ext>
     </p:extLst>
   </p:cSld>
@@ -7102,44 +7235,7 @@
             <a:spLocks noGrp="1"/>
           </p:cNvSpPr>
           <p:nvPr>
-            <p:ph type="ctrTitle"/>
-          </p:nvPr>
-        </p:nvSpPr>
-        <p:spPr>
-          <a:xfrm>
-            <a:off x="685800" y="1676400"/>
-            <a:ext cx="7772400" cy="1470025"/>
-          </a:xfrm>
-        </p:spPr>
-        <p:txBody>
-          <a:bodyPr/>
-          <a:lstStyle/>
-          <a:p>
-            <a:r>
-              <a:rPr lang="en-US" sz="4400" cap="none" spc="0" dirty="0" smtClean="0">
-                <a:solidFill>
-                  <a:prstClr val="white"/>
-                </a:solidFill>
-                <a:latin typeface="Calibri"/>
-              </a:rPr>
-              <a:t>Goals and Hypotheses</a:t>
-            </a:r>
-            <a:endParaRPr lang="en-US" dirty="0">
-              <a:solidFill>
-                <a:schemeClr val="bg1"/>
-              </a:solidFill>
-            </a:endParaRPr>
-          </a:p>
-        </p:txBody>
-      </p:sp>
-      <p:sp>
-        <p:nvSpPr>
-          <p:cNvPr id="4" name="Subtitle 3"/>
-          <p:cNvSpPr>
-            <a:spLocks noGrp="1"/>
-          </p:cNvSpPr>
-          <p:nvPr>
-            <p:ph type="subTitle" idx="1"/>
+            <p:ph type="title"/>
           </p:nvPr>
         </p:nvSpPr>
         <p:spPr/>
@@ -7147,10 +7243,44 @@
           <a:bodyPr/>
           <a:lstStyle/>
           <a:p>
-            <a:endParaRPr lang="en-US" dirty="0">
-              <a:solidFill>
-                <a:schemeClr val="bg1"/>
-              </a:solidFill>
+            <a:r>
+              <a:rPr lang="en-US" sz="4400" cap="none" spc="0" dirty="0" smtClean="0">
+                <a:solidFill>
+                  <a:prstClr val="white"/>
+                </a:solidFill>
+                <a:latin typeface="Calibri"/>
+              </a:rPr>
+              <a:t>Population Sizes</a:t>
+            </a:r>
+            <a:endParaRPr lang="en-US" dirty="0"/>
+          </a:p>
+        </p:txBody>
+      </p:sp>
+      <p:sp>
+        <p:nvSpPr>
+          <p:cNvPr id="3" name="Content Placeholder 2"/>
+          <p:cNvSpPr>
+            <a:spLocks noGrp="1"/>
+          </p:cNvSpPr>
+          <p:nvPr>
+            <p:ph sz="quarter" idx="13"/>
+          </p:nvPr>
+        </p:nvSpPr>
+        <p:spPr/>
+        <p:txBody>
+          <a:bodyPr>
+            <a:normAutofit/>
+          </a:bodyPr>
+          <a:lstStyle/>
+          <a:p>
+            <a:r>
+              <a:rPr lang="en-US" sz="3000" dirty="0" smtClean="0">
+                <a:latin typeface="Calibri" pitchFamily="34" charset="0"/>
+              </a:rPr>
+              <a:t>Each population was chosen to be of size 1000</a:t>
+            </a:r>
+            <a:endParaRPr lang="en-US" sz="3000" dirty="0">
+              <a:latin typeface="Calibri" pitchFamily="34" charset="0"/>
             </a:endParaRPr>
           </a:p>
         </p:txBody>
@@ -7158,7 +7288,7 @@
     </p:spTree>
     <p:extLst>
       <p:ext uri="{BB962C8B-B14F-4D97-AF65-F5344CB8AC3E}">
-        <p14:creationId xmlns:p14="http://schemas.microsoft.com/office/powerpoint/2010/main" val="936181411"/>
+        <p14:creationId xmlns:p14="http://schemas.microsoft.com/office/powerpoint/2010/main" val="4264490417"/>
       </p:ext>
     </p:extLst>
   </p:cSld>
@@ -7199,7 +7329,44 @@
             <a:spLocks noGrp="1"/>
           </p:cNvSpPr>
           <p:nvPr>
-            <p:ph type="title"/>
+            <p:ph type="ctrTitle"/>
+          </p:nvPr>
+        </p:nvSpPr>
+        <p:spPr>
+          <a:xfrm>
+            <a:off x="685800" y="1676400"/>
+            <a:ext cx="7772400" cy="1470025"/>
+          </a:xfrm>
+        </p:spPr>
+        <p:txBody>
+          <a:bodyPr/>
+          <a:lstStyle/>
+          <a:p>
+            <a:r>
+              <a:rPr lang="en-US" sz="4400" cap="none" spc="0" dirty="0" smtClean="0">
+                <a:solidFill>
+                  <a:prstClr val="white"/>
+                </a:solidFill>
+                <a:latin typeface="Calibri"/>
+              </a:rPr>
+              <a:t>Goals and Hypotheses</a:t>
+            </a:r>
+            <a:endParaRPr lang="en-US" dirty="0">
+              <a:solidFill>
+                <a:schemeClr val="bg1"/>
+              </a:solidFill>
+            </a:endParaRPr>
+          </a:p>
+        </p:txBody>
+      </p:sp>
+      <p:sp>
+        <p:nvSpPr>
+          <p:cNvPr id="4" name="Subtitle 3"/>
+          <p:cNvSpPr>
+            <a:spLocks noGrp="1"/>
+          </p:cNvSpPr>
+          <p:nvPr>
+            <p:ph type="subTitle" idx="1"/>
           </p:nvPr>
         </p:nvSpPr>
         <p:spPr/>
@@ -7207,114 +7374,10 @@
           <a:bodyPr/>
           <a:lstStyle/>
           <a:p>
-            <a:r>
-              <a:rPr lang="en-US" sz="4400" cap="none" spc="0" dirty="0">
-                <a:solidFill>
-                  <a:prstClr val="white"/>
-                </a:solidFill>
-                <a:latin typeface="Calibri"/>
-              </a:rPr>
-              <a:t>Hypotheses</a:t>
-            </a:r>
-            <a:endParaRPr lang="en-US" dirty="0"/>
-          </a:p>
-        </p:txBody>
-      </p:sp>
-      <p:sp>
-        <p:nvSpPr>
-          <p:cNvPr id="3" name="Content Placeholder 2"/>
-          <p:cNvSpPr>
-            <a:spLocks noGrp="1"/>
-          </p:cNvSpPr>
-          <p:nvPr>
-            <p:ph sz="quarter" idx="13"/>
-          </p:nvPr>
-        </p:nvSpPr>
-        <p:spPr/>
-        <p:txBody>
-          <a:bodyPr>
-            <a:normAutofit/>
-          </a:bodyPr>
-          <a:lstStyle/>
-          <a:p>
-            <a:pPr lvl="0">
-              <a:spcAft>
-                <a:spcPts val="0"/>
-              </a:spcAft>
-              <a:buClrTx/>
-            </a:pPr>
-            <a:r>
-              <a:rPr lang="en-US" sz="3200" spc="0" dirty="0" smtClean="0">
-                <a:solidFill>
-                  <a:prstClr val="white"/>
-                </a:solidFill>
-                <a:latin typeface="Calibri"/>
-              </a:rPr>
-              <a:t>Null Hypothesis 1: The Music Analysis Process does not generate different Music Analysis Vectors for different pieces of music.</a:t>
-            </a:r>
-            <a:endParaRPr lang="en-US" sz="3200" spc="0" dirty="0">
+            <a:endParaRPr lang="en-US" dirty="0">
               <a:solidFill>
-                <a:prstClr val="white"/>
+                <a:schemeClr val="bg1"/>
               </a:solidFill>
-              <a:latin typeface="Calibri"/>
-            </a:endParaRPr>
-          </a:p>
-          <a:p>
-            <a:pPr>
-              <a:spcAft>
-                <a:spcPts val="0"/>
-              </a:spcAft>
-              <a:buClrTx/>
-            </a:pPr>
-            <a:r>
-              <a:rPr lang="en-US" sz="3200" spc="0" dirty="0" smtClean="0">
-                <a:solidFill>
-                  <a:prstClr val="white"/>
-                </a:solidFill>
-                <a:latin typeface="Calibri"/>
-              </a:rPr>
-              <a:t>Research Hypothesis 2</a:t>
-            </a:r>
-            <a:r>
-              <a:rPr lang="en-US" sz="3200" spc="0" dirty="0">
-                <a:solidFill>
-                  <a:prstClr val="white"/>
-                </a:solidFill>
-                <a:latin typeface="Calibri"/>
-              </a:rPr>
-              <a:t>: The Music Analysis Process </a:t>
-            </a:r>
-            <a:r>
-              <a:rPr lang="en-US" sz="3200" spc="0" dirty="0" smtClean="0">
-                <a:solidFill>
-                  <a:prstClr val="white"/>
-                </a:solidFill>
-                <a:latin typeface="Calibri"/>
-              </a:rPr>
-              <a:t>does generate </a:t>
-            </a:r>
-            <a:r>
-              <a:rPr lang="en-US" sz="3200" spc="0" dirty="0">
-                <a:solidFill>
-                  <a:prstClr val="white"/>
-                </a:solidFill>
-                <a:latin typeface="Calibri"/>
-              </a:rPr>
-              <a:t>different Music Analysis Vectors for different pieces of music.</a:t>
-            </a:r>
-          </a:p>
-          <a:p>
-            <a:pPr lvl="0">
-              <a:spcAft>
-                <a:spcPts val="0"/>
-              </a:spcAft>
-              <a:buClrTx/>
-            </a:pPr>
-            <a:endParaRPr lang="en-US" sz="3200" spc="0" dirty="0">
-              <a:solidFill>
-                <a:prstClr val="white"/>
-              </a:solidFill>
-              <a:latin typeface="Calibri"/>
             </a:endParaRPr>
           </a:p>
         </p:txBody>
@@ -7322,7 +7385,7 @@
     </p:spTree>
     <p:extLst>
       <p:ext uri="{BB962C8B-B14F-4D97-AF65-F5344CB8AC3E}">
-        <p14:creationId xmlns:p14="http://schemas.microsoft.com/office/powerpoint/2010/main" val="3413543173"/>
+        <p14:creationId xmlns:p14="http://schemas.microsoft.com/office/powerpoint/2010/main" val="936181411"/>
       </p:ext>
     </p:extLst>
   </p:cSld>
@@ -7332,265 +7395,9 @@
   <p:timing>
     <p:tnLst>
       <p:par>
-        <p:cTn id="1" dur="indefinite" restart="never" nodeType="tmRoot">
-          <p:childTnLst>
-            <p:seq concurrent="1" nextAc="seek">
-              <p:cTn id="2" dur="indefinite" nodeType="mainSeq">
-                <p:childTnLst>
-                  <p:par>
-                    <p:cTn id="3" fill="hold">
-                      <p:stCondLst>
-                        <p:cond delay="indefinite"/>
-                      </p:stCondLst>
-                      <p:childTnLst>
-                        <p:par>
-                          <p:cTn id="4" fill="hold">
-                            <p:stCondLst>
-                              <p:cond delay="0"/>
-                            </p:stCondLst>
-                            <p:childTnLst>
-                              <p:par>
-                                <p:cTn id="5" presetID="42" presetClass="entr" presetSubtype="0" fill="hold" grpId="0" nodeType="clickEffect">
-                                  <p:stCondLst>
-                                    <p:cond delay="0"/>
-                                  </p:stCondLst>
-                                  <p:childTnLst>
-                                    <p:set>
-                                      <p:cBhvr>
-                                        <p:cTn id="6" dur="1" fill="hold">
-                                          <p:stCondLst>
-                                            <p:cond delay="0"/>
-                                          </p:stCondLst>
-                                        </p:cTn>
-                                        <p:tgtEl>
-                                          <p:spTgt spid="3">
-                                            <p:txEl>
-                                              <p:pRg st="0" end="0"/>
-                                            </p:txEl>
-                                          </p:spTgt>
-                                        </p:tgtEl>
-                                        <p:attrNameLst>
-                                          <p:attrName>style.visibility</p:attrName>
-                                        </p:attrNameLst>
-                                      </p:cBhvr>
-                                      <p:to>
-                                        <p:strVal val="visible"/>
-                                      </p:to>
-                                    </p:set>
-                                    <p:animEffect transition="in" filter="fade">
-                                      <p:cBhvr>
-                                        <p:cTn id="7" dur="1000"/>
-                                        <p:tgtEl>
-                                          <p:spTgt spid="3">
-                                            <p:txEl>
-                                              <p:pRg st="0" end="0"/>
-                                            </p:txEl>
-                                          </p:spTgt>
-                                        </p:tgtEl>
-                                      </p:cBhvr>
-                                    </p:animEffect>
-                                    <p:anim calcmode="lin" valueType="num">
-                                      <p:cBhvr>
-                                        <p:cTn id="8" dur="1000" fill="hold"/>
-                                        <p:tgtEl>
-                                          <p:spTgt spid="3">
-                                            <p:txEl>
-                                              <p:pRg st="0" end="0"/>
-                                            </p:txEl>
-                                          </p:spTgt>
-                                        </p:tgtEl>
-                                        <p:attrNameLst>
-                                          <p:attrName>ppt_x</p:attrName>
-                                        </p:attrNameLst>
-                                      </p:cBhvr>
-                                      <p:tavLst>
-                                        <p:tav tm="0">
-                                          <p:val>
-                                            <p:strVal val="#ppt_x"/>
-                                          </p:val>
-                                        </p:tav>
-                                        <p:tav tm="100000">
-                                          <p:val>
-                                            <p:strVal val="#ppt_x"/>
-                                          </p:val>
-                                        </p:tav>
-                                      </p:tavLst>
-                                    </p:anim>
-                                    <p:anim calcmode="lin" valueType="num">
-                                      <p:cBhvr>
-                                        <p:cTn id="9" dur="1000" fill="hold"/>
-                                        <p:tgtEl>
-                                          <p:spTgt spid="3">
-                                            <p:txEl>
-                                              <p:pRg st="0" end="0"/>
-                                            </p:txEl>
-                                          </p:spTgt>
-                                        </p:tgtEl>
-                                        <p:attrNameLst>
-                                          <p:attrName>ppt_y</p:attrName>
-                                        </p:attrNameLst>
-                                      </p:cBhvr>
-                                      <p:tavLst>
-                                        <p:tav tm="0">
-                                          <p:val>
-                                            <p:strVal val="#ppt_y+.1"/>
-                                          </p:val>
-                                        </p:tav>
-                                        <p:tav tm="100000">
-                                          <p:val>
-                                            <p:strVal val="#ppt_y"/>
-                                          </p:val>
-                                        </p:tav>
-                                      </p:tavLst>
-                                    </p:anim>
-                                  </p:childTnLst>
-                                </p:cTn>
-                              </p:par>
-                            </p:childTnLst>
-                          </p:cTn>
-                        </p:par>
-                      </p:childTnLst>
-                    </p:cTn>
-                  </p:par>
-                  <p:par>
-                    <p:cTn id="10" fill="hold">
-                      <p:stCondLst>
-                        <p:cond delay="indefinite"/>
-                      </p:stCondLst>
-                      <p:childTnLst>
-                        <p:par>
-                          <p:cTn id="11" fill="hold">
-                            <p:stCondLst>
-                              <p:cond delay="0"/>
-                            </p:stCondLst>
-                            <p:childTnLst>
-                              <p:par>
-                                <p:cTn id="12" presetID="42" presetClass="entr" presetSubtype="0" fill="hold" grpId="0" nodeType="clickEffect">
-                                  <p:stCondLst>
-                                    <p:cond delay="0"/>
-                                  </p:stCondLst>
-                                  <p:childTnLst>
-                                    <p:set>
-                                      <p:cBhvr>
-                                        <p:cTn id="13" dur="1" fill="hold">
-                                          <p:stCondLst>
-                                            <p:cond delay="0"/>
-                                          </p:stCondLst>
-                                        </p:cTn>
-                                        <p:tgtEl>
-                                          <p:spTgt spid="3">
-                                            <p:txEl>
-                                              <p:pRg st="1" end="1"/>
-                                            </p:txEl>
-                                          </p:spTgt>
-                                        </p:tgtEl>
-                                        <p:attrNameLst>
-                                          <p:attrName>style.visibility</p:attrName>
-                                        </p:attrNameLst>
-                                      </p:cBhvr>
-                                      <p:to>
-                                        <p:strVal val="visible"/>
-                                      </p:to>
-                                    </p:set>
-                                    <p:animEffect transition="in" filter="fade">
-                                      <p:cBhvr>
-                                        <p:cTn id="14" dur="1000"/>
-                                        <p:tgtEl>
-                                          <p:spTgt spid="3">
-                                            <p:txEl>
-                                              <p:pRg st="1" end="1"/>
-                                            </p:txEl>
-                                          </p:spTgt>
-                                        </p:tgtEl>
-                                      </p:cBhvr>
-                                    </p:animEffect>
-                                    <p:anim calcmode="lin" valueType="num">
-                                      <p:cBhvr>
-                                        <p:cTn id="15" dur="1000" fill="hold"/>
-                                        <p:tgtEl>
-                                          <p:spTgt spid="3">
-                                            <p:txEl>
-                                              <p:pRg st="1" end="1"/>
-                                            </p:txEl>
-                                          </p:spTgt>
-                                        </p:tgtEl>
-                                        <p:attrNameLst>
-                                          <p:attrName>ppt_x</p:attrName>
-                                        </p:attrNameLst>
-                                      </p:cBhvr>
-                                      <p:tavLst>
-                                        <p:tav tm="0">
-                                          <p:val>
-                                            <p:strVal val="#ppt_x"/>
-                                          </p:val>
-                                        </p:tav>
-                                        <p:tav tm="100000">
-                                          <p:val>
-                                            <p:strVal val="#ppt_x"/>
-                                          </p:val>
-                                        </p:tav>
-                                      </p:tavLst>
-                                    </p:anim>
-                                    <p:anim calcmode="lin" valueType="num">
-                                      <p:cBhvr>
-                                        <p:cTn id="16" dur="1000" fill="hold"/>
-                                        <p:tgtEl>
-                                          <p:spTgt spid="3">
-                                            <p:txEl>
-                                              <p:pRg st="1" end="1"/>
-                                            </p:txEl>
-                                          </p:spTgt>
-                                        </p:tgtEl>
-                                        <p:attrNameLst>
-                                          <p:attrName>ppt_y</p:attrName>
-                                        </p:attrNameLst>
-                                      </p:cBhvr>
-                                      <p:tavLst>
-                                        <p:tav tm="0">
-                                          <p:val>
-                                            <p:strVal val="#ppt_y+.1"/>
-                                          </p:val>
-                                        </p:tav>
-                                        <p:tav tm="100000">
-                                          <p:val>
-                                            <p:strVal val="#ppt_y"/>
-                                          </p:val>
-                                        </p:tav>
-                                      </p:tavLst>
-                                    </p:anim>
-                                  </p:childTnLst>
-                                </p:cTn>
-                              </p:par>
-                            </p:childTnLst>
-                          </p:cTn>
-                        </p:par>
-                      </p:childTnLst>
-                    </p:cTn>
-                  </p:par>
-                </p:childTnLst>
-              </p:cTn>
-              <p:prevCondLst>
-                <p:cond evt="onPrev" delay="0">
-                  <p:tgtEl>
-                    <p:sldTgt/>
-                  </p:tgtEl>
-                </p:cond>
-              </p:prevCondLst>
-              <p:nextCondLst>
-                <p:cond evt="onNext" delay="0">
-                  <p:tgtEl>
-                    <p:sldTgt/>
-                  </p:tgtEl>
-                </p:cond>
-              </p:nextCondLst>
-            </p:seq>
-          </p:childTnLst>
-        </p:cTn>
+        <p:cTn id="1" dur="indefinite" restart="never" nodeType="tmRoot"/>
       </p:par>
     </p:tnLst>
-    <p:bldLst>
-      <p:bldP spid="3" grpId="0" build="p"/>
-    </p:bldLst>
   </p:timing>
 </p:sld>
 </file>
@@ -7670,45 +7477,14 @@
                 </a:solidFill>
                 <a:latin typeface="Calibri"/>
               </a:rPr>
-              <a:t>Null </a:t>
-            </a:r>
-            <a:r>
-              <a:rPr lang="en-US" sz="3200" spc="0" dirty="0">
-                <a:solidFill>
-                  <a:prstClr val="white"/>
-                </a:solidFill>
-                <a:latin typeface="Calibri"/>
-              </a:rPr>
-              <a:t>Hypothesis 2: The Genetic Algorithm </a:t>
-            </a:r>
-            <a:r>
-              <a:rPr lang="en-US" sz="3200" spc="0" dirty="0" smtClean="0">
-                <a:solidFill>
-                  <a:prstClr val="white"/>
-                </a:solidFill>
-                <a:latin typeface="Calibri"/>
-              </a:rPr>
-              <a:t>does not produce </a:t>
-            </a:r>
-            <a:r>
-              <a:rPr lang="en-US" sz="3200" spc="0" dirty="0">
-                <a:solidFill>
-                  <a:prstClr val="white"/>
-                </a:solidFill>
-                <a:latin typeface="Calibri"/>
-              </a:rPr>
-              <a:t>a result satisfying the input Music Analysis Vectors within 10 minutes at least 75% of the time</a:t>
-            </a:r>
-            <a:r>
-              <a:rPr lang="en-US" sz="3200" spc="0" dirty="0" smtClean="0">
-                <a:solidFill>
-                  <a:prstClr val="white"/>
-                </a:solidFill>
-                <a:latin typeface="Calibri"/>
-              </a:rPr>
-              <a:t>.</a:t>
-            </a:r>
-            <a:endParaRPr lang="en-US" dirty="0"/>
+              <a:t>Null Hypothesis 1: The Music Analysis Process does not generate different Music Analysis Vectors for different pieces of music.</a:t>
+            </a:r>
+            <a:endParaRPr lang="en-US" sz="3200" spc="0" dirty="0">
+              <a:solidFill>
+                <a:prstClr val="white"/>
+              </a:solidFill>
+              <a:latin typeface="Calibri"/>
+            </a:endParaRPr>
           </a:p>
           <a:p>
             <a:pPr>
@@ -7733,7 +7509,7 @@
                 </a:solidFill>
                 <a:latin typeface="Calibri"/>
               </a:rPr>
-              <a:t>: The Genetic Algorithm does </a:t>
+              <a:t>: The Music Analysis Process </a:t>
             </a:r>
             <a:r>
               <a:rPr lang="en-US" sz="3200" spc="0" dirty="0" smtClean="0">
@@ -7742,7 +7518,7 @@
                 </a:solidFill>
                 <a:latin typeface="Calibri"/>
               </a:rPr>
-              <a:t>produce </a:t>
+              <a:t>does generate </a:t>
             </a:r>
             <a:r>
               <a:rPr lang="en-US" sz="3200" spc="0" dirty="0">
@@ -7751,17 +7527,15 @@
                 </a:solidFill>
                 <a:latin typeface="Calibri"/>
               </a:rPr>
-              <a:t>a result satisfying the input Music Analysis Vectors within 10 minutes at least 75% of the time.</a:t>
-            </a:r>
-            <a:endParaRPr lang="en-US" sz="3200" dirty="0"/>
-          </a:p>
-          <a:p>
-            <a:pPr marL="0" lvl="0" indent="0">
+              <a:t>different Music Analysis Vectors for different pieces of music.</a:t>
+            </a:r>
+          </a:p>
+          <a:p>
+            <a:pPr lvl="0">
               <a:spcAft>
                 <a:spcPts val="0"/>
               </a:spcAft>
               <a:buClrTx/>
-              <a:buNone/>
             </a:pPr>
             <a:endParaRPr lang="en-US" sz="3200" spc="0" dirty="0">
               <a:solidFill>
@@ -7775,7 +7549,7 @@
     </p:spTree>
     <p:extLst>
       <p:ext uri="{BB962C8B-B14F-4D97-AF65-F5344CB8AC3E}">
-        <p14:creationId xmlns:p14="http://schemas.microsoft.com/office/powerpoint/2010/main" val="2010283636"/>
+        <p14:creationId xmlns:p14="http://schemas.microsoft.com/office/powerpoint/2010/main" val="3413543173"/>
       </p:ext>
     </p:extLst>
   </p:cSld>
@@ -8081,6 +7855,459 @@
           <a:lstStyle/>
           <a:p>
             <a:r>
+              <a:rPr lang="en-US" sz="4400" cap="none" spc="0" dirty="0">
+                <a:solidFill>
+                  <a:prstClr val="white"/>
+                </a:solidFill>
+                <a:latin typeface="Calibri"/>
+              </a:rPr>
+              <a:t>Hypotheses</a:t>
+            </a:r>
+            <a:endParaRPr lang="en-US" dirty="0"/>
+          </a:p>
+        </p:txBody>
+      </p:sp>
+      <p:sp>
+        <p:nvSpPr>
+          <p:cNvPr id="3" name="Content Placeholder 2"/>
+          <p:cNvSpPr>
+            <a:spLocks noGrp="1"/>
+          </p:cNvSpPr>
+          <p:nvPr>
+            <p:ph sz="quarter" idx="13"/>
+          </p:nvPr>
+        </p:nvSpPr>
+        <p:spPr/>
+        <p:txBody>
+          <a:bodyPr>
+            <a:normAutofit/>
+          </a:bodyPr>
+          <a:lstStyle/>
+          <a:p>
+            <a:pPr lvl="0">
+              <a:spcAft>
+                <a:spcPts val="0"/>
+              </a:spcAft>
+              <a:buClrTx/>
+            </a:pPr>
+            <a:r>
+              <a:rPr lang="en-US" sz="3200" spc="0" dirty="0" smtClean="0">
+                <a:solidFill>
+                  <a:prstClr val="white"/>
+                </a:solidFill>
+                <a:latin typeface="Calibri"/>
+              </a:rPr>
+              <a:t>Null </a:t>
+            </a:r>
+            <a:r>
+              <a:rPr lang="en-US" sz="3200" spc="0" dirty="0">
+                <a:solidFill>
+                  <a:prstClr val="white"/>
+                </a:solidFill>
+                <a:latin typeface="Calibri"/>
+              </a:rPr>
+              <a:t>Hypothesis 2: The Genetic Algorithm </a:t>
+            </a:r>
+            <a:r>
+              <a:rPr lang="en-US" sz="3200" spc="0" dirty="0" smtClean="0">
+                <a:solidFill>
+                  <a:prstClr val="white"/>
+                </a:solidFill>
+                <a:latin typeface="Calibri"/>
+              </a:rPr>
+              <a:t>does not produce </a:t>
+            </a:r>
+            <a:r>
+              <a:rPr lang="en-US" sz="3200" spc="0" dirty="0">
+                <a:solidFill>
+                  <a:prstClr val="white"/>
+                </a:solidFill>
+                <a:latin typeface="Calibri"/>
+              </a:rPr>
+              <a:t>a result satisfying the input Music Analysis Vectors within 10 minutes at least 75% of the time</a:t>
+            </a:r>
+            <a:r>
+              <a:rPr lang="en-US" sz="3200" spc="0" dirty="0" smtClean="0">
+                <a:solidFill>
+                  <a:prstClr val="white"/>
+                </a:solidFill>
+                <a:latin typeface="Calibri"/>
+              </a:rPr>
+              <a:t>.</a:t>
+            </a:r>
+            <a:endParaRPr lang="en-US" dirty="0"/>
+          </a:p>
+          <a:p>
+            <a:pPr>
+              <a:spcAft>
+                <a:spcPts val="0"/>
+              </a:spcAft>
+              <a:buClrTx/>
+            </a:pPr>
+            <a:r>
+              <a:rPr lang="en-US" sz="3200" spc="0" dirty="0" smtClean="0">
+                <a:solidFill>
+                  <a:prstClr val="white"/>
+                </a:solidFill>
+                <a:latin typeface="Calibri"/>
+              </a:rPr>
+              <a:t>Research Hypothesis 2</a:t>
+            </a:r>
+            <a:r>
+              <a:rPr lang="en-US" sz="3200" spc="0" dirty="0">
+                <a:solidFill>
+                  <a:prstClr val="white"/>
+                </a:solidFill>
+                <a:latin typeface="Calibri"/>
+              </a:rPr>
+              <a:t>: The Genetic Algorithm does </a:t>
+            </a:r>
+            <a:r>
+              <a:rPr lang="en-US" sz="3200" spc="0" dirty="0" smtClean="0">
+                <a:solidFill>
+                  <a:prstClr val="white"/>
+                </a:solidFill>
+                <a:latin typeface="Calibri"/>
+              </a:rPr>
+              <a:t>produce </a:t>
+            </a:r>
+            <a:r>
+              <a:rPr lang="en-US" sz="3200" spc="0" dirty="0">
+                <a:solidFill>
+                  <a:prstClr val="white"/>
+                </a:solidFill>
+                <a:latin typeface="Calibri"/>
+              </a:rPr>
+              <a:t>a result satisfying the input Music Analysis Vectors within 10 minutes at least 75% of the time.</a:t>
+            </a:r>
+            <a:endParaRPr lang="en-US" sz="3200" dirty="0"/>
+          </a:p>
+          <a:p>
+            <a:pPr marL="0" lvl="0" indent="0">
+              <a:spcAft>
+                <a:spcPts val="0"/>
+              </a:spcAft>
+              <a:buClrTx/>
+              <a:buNone/>
+            </a:pPr>
+            <a:endParaRPr lang="en-US" sz="3200" spc="0" dirty="0">
+              <a:solidFill>
+                <a:prstClr val="white"/>
+              </a:solidFill>
+              <a:latin typeface="Calibri"/>
+            </a:endParaRPr>
+          </a:p>
+        </p:txBody>
+      </p:sp>
+    </p:spTree>
+    <p:extLst>
+      <p:ext uri="{BB962C8B-B14F-4D97-AF65-F5344CB8AC3E}">
+        <p14:creationId xmlns:p14="http://schemas.microsoft.com/office/powerpoint/2010/main" val="2010283636"/>
+      </p:ext>
+    </p:extLst>
+  </p:cSld>
+  <p:clrMapOvr>
+    <a:masterClrMapping/>
+  </p:clrMapOvr>
+  <p:timing>
+    <p:tnLst>
+      <p:par>
+        <p:cTn id="1" dur="indefinite" restart="never" nodeType="tmRoot">
+          <p:childTnLst>
+            <p:seq concurrent="1" nextAc="seek">
+              <p:cTn id="2" dur="indefinite" nodeType="mainSeq">
+                <p:childTnLst>
+                  <p:par>
+                    <p:cTn id="3" fill="hold">
+                      <p:stCondLst>
+                        <p:cond delay="indefinite"/>
+                      </p:stCondLst>
+                      <p:childTnLst>
+                        <p:par>
+                          <p:cTn id="4" fill="hold">
+                            <p:stCondLst>
+                              <p:cond delay="0"/>
+                            </p:stCondLst>
+                            <p:childTnLst>
+                              <p:par>
+                                <p:cTn id="5" presetID="42" presetClass="entr" presetSubtype="0" fill="hold" grpId="0" nodeType="clickEffect">
+                                  <p:stCondLst>
+                                    <p:cond delay="0"/>
+                                  </p:stCondLst>
+                                  <p:childTnLst>
+                                    <p:set>
+                                      <p:cBhvr>
+                                        <p:cTn id="6" dur="1" fill="hold">
+                                          <p:stCondLst>
+                                            <p:cond delay="0"/>
+                                          </p:stCondLst>
+                                        </p:cTn>
+                                        <p:tgtEl>
+                                          <p:spTgt spid="3">
+                                            <p:txEl>
+                                              <p:pRg st="0" end="0"/>
+                                            </p:txEl>
+                                          </p:spTgt>
+                                        </p:tgtEl>
+                                        <p:attrNameLst>
+                                          <p:attrName>style.visibility</p:attrName>
+                                        </p:attrNameLst>
+                                      </p:cBhvr>
+                                      <p:to>
+                                        <p:strVal val="visible"/>
+                                      </p:to>
+                                    </p:set>
+                                    <p:animEffect transition="in" filter="fade">
+                                      <p:cBhvr>
+                                        <p:cTn id="7" dur="1000"/>
+                                        <p:tgtEl>
+                                          <p:spTgt spid="3">
+                                            <p:txEl>
+                                              <p:pRg st="0" end="0"/>
+                                            </p:txEl>
+                                          </p:spTgt>
+                                        </p:tgtEl>
+                                      </p:cBhvr>
+                                    </p:animEffect>
+                                    <p:anim calcmode="lin" valueType="num">
+                                      <p:cBhvr>
+                                        <p:cTn id="8" dur="1000" fill="hold"/>
+                                        <p:tgtEl>
+                                          <p:spTgt spid="3">
+                                            <p:txEl>
+                                              <p:pRg st="0" end="0"/>
+                                            </p:txEl>
+                                          </p:spTgt>
+                                        </p:tgtEl>
+                                        <p:attrNameLst>
+                                          <p:attrName>ppt_x</p:attrName>
+                                        </p:attrNameLst>
+                                      </p:cBhvr>
+                                      <p:tavLst>
+                                        <p:tav tm="0">
+                                          <p:val>
+                                            <p:strVal val="#ppt_x"/>
+                                          </p:val>
+                                        </p:tav>
+                                        <p:tav tm="100000">
+                                          <p:val>
+                                            <p:strVal val="#ppt_x"/>
+                                          </p:val>
+                                        </p:tav>
+                                      </p:tavLst>
+                                    </p:anim>
+                                    <p:anim calcmode="lin" valueType="num">
+                                      <p:cBhvr>
+                                        <p:cTn id="9" dur="1000" fill="hold"/>
+                                        <p:tgtEl>
+                                          <p:spTgt spid="3">
+                                            <p:txEl>
+                                              <p:pRg st="0" end="0"/>
+                                            </p:txEl>
+                                          </p:spTgt>
+                                        </p:tgtEl>
+                                        <p:attrNameLst>
+                                          <p:attrName>ppt_y</p:attrName>
+                                        </p:attrNameLst>
+                                      </p:cBhvr>
+                                      <p:tavLst>
+                                        <p:tav tm="0">
+                                          <p:val>
+                                            <p:strVal val="#ppt_y+.1"/>
+                                          </p:val>
+                                        </p:tav>
+                                        <p:tav tm="100000">
+                                          <p:val>
+                                            <p:strVal val="#ppt_y"/>
+                                          </p:val>
+                                        </p:tav>
+                                      </p:tavLst>
+                                    </p:anim>
+                                  </p:childTnLst>
+                                </p:cTn>
+                              </p:par>
+                            </p:childTnLst>
+                          </p:cTn>
+                        </p:par>
+                      </p:childTnLst>
+                    </p:cTn>
+                  </p:par>
+                  <p:par>
+                    <p:cTn id="10" fill="hold">
+                      <p:stCondLst>
+                        <p:cond delay="indefinite"/>
+                      </p:stCondLst>
+                      <p:childTnLst>
+                        <p:par>
+                          <p:cTn id="11" fill="hold">
+                            <p:stCondLst>
+                              <p:cond delay="0"/>
+                            </p:stCondLst>
+                            <p:childTnLst>
+                              <p:par>
+                                <p:cTn id="12" presetID="42" presetClass="entr" presetSubtype="0" fill="hold" grpId="0" nodeType="clickEffect">
+                                  <p:stCondLst>
+                                    <p:cond delay="0"/>
+                                  </p:stCondLst>
+                                  <p:childTnLst>
+                                    <p:set>
+                                      <p:cBhvr>
+                                        <p:cTn id="13" dur="1" fill="hold">
+                                          <p:stCondLst>
+                                            <p:cond delay="0"/>
+                                          </p:stCondLst>
+                                        </p:cTn>
+                                        <p:tgtEl>
+                                          <p:spTgt spid="3">
+                                            <p:txEl>
+                                              <p:pRg st="1" end="1"/>
+                                            </p:txEl>
+                                          </p:spTgt>
+                                        </p:tgtEl>
+                                        <p:attrNameLst>
+                                          <p:attrName>style.visibility</p:attrName>
+                                        </p:attrNameLst>
+                                      </p:cBhvr>
+                                      <p:to>
+                                        <p:strVal val="visible"/>
+                                      </p:to>
+                                    </p:set>
+                                    <p:animEffect transition="in" filter="fade">
+                                      <p:cBhvr>
+                                        <p:cTn id="14" dur="1000"/>
+                                        <p:tgtEl>
+                                          <p:spTgt spid="3">
+                                            <p:txEl>
+                                              <p:pRg st="1" end="1"/>
+                                            </p:txEl>
+                                          </p:spTgt>
+                                        </p:tgtEl>
+                                      </p:cBhvr>
+                                    </p:animEffect>
+                                    <p:anim calcmode="lin" valueType="num">
+                                      <p:cBhvr>
+                                        <p:cTn id="15" dur="1000" fill="hold"/>
+                                        <p:tgtEl>
+                                          <p:spTgt spid="3">
+                                            <p:txEl>
+                                              <p:pRg st="1" end="1"/>
+                                            </p:txEl>
+                                          </p:spTgt>
+                                        </p:tgtEl>
+                                        <p:attrNameLst>
+                                          <p:attrName>ppt_x</p:attrName>
+                                        </p:attrNameLst>
+                                      </p:cBhvr>
+                                      <p:tavLst>
+                                        <p:tav tm="0">
+                                          <p:val>
+                                            <p:strVal val="#ppt_x"/>
+                                          </p:val>
+                                        </p:tav>
+                                        <p:tav tm="100000">
+                                          <p:val>
+                                            <p:strVal val="#ppt_x"/>
+                                          </p:val>
+                                        </p:tav>
+                                      </p:tavLst>
+                                    </p:anim>
+                                    <p:anim calcmode="lin" valueType="num">
+                                      <p:cBhvr>
+                                        <p:cTn id="16" dur="1000" fill="hold"/>
+                                        <p:tgtEl>
+                                          <p:spTgt spid="3">
+                                            <p:txEl>
+                                              <p:pRg st="1" end="1"/>
+                                            </p:txEl>
+                                          </p:spTgt>
+                                        </p:tgtEl>
+                                        <p:attrNameLst>
+                                          <p:attrName>ppt_y</p:attrName>
+                                        </p:attrNameLst>
+                                      </p:cBhvr>
+                                      <p:tavLst>
+                                        <p:tav tm="0">
+                                          <p:val>
+                                            <p:strVal val="#ppt_y+.1"/>
+                                          </p:val>
+                                        </p:tav>
+                                        <p:tav tm="100000">
+                                          <p:val>
+                                            <p:strVal val="#ppt_y"/>
+                                          </p:val>
+                                        </p:tav>
+                                      </p:tavLst>
+                                    </p:anim>
+                                  </p:childTnLst>
+                                </p:cTn>
+                              </p:par>
+                            </p:childTnLst>
+                          </p:cTn>
+                        </p:par>
+                      </p:childTnLst>
+                    </p:cTn>
+                  </p:par>
+                </p:childTnLst>
+              </p:cTn>
+              <p:prevCondLst>
+                <p:cond evt="onPrev" delay="0">
+                  <p:tgtEl>
+                    <p:sldTgt/>
+                  </p:tgtEl>
+                </p:cond>
+              </p:prevCondLst>
+              <p:nextCondLst>
+                <p:cond evt="onNext" delay="0">
+                  <p:tgtEl>
+                    <p:sldTgt/>
+                  </p:tgtEl>
+                </p:cond>
+              </p:nextCondLst>
+            </p:seq>
+          </p:childTnLst>
+        </p:cTn>
+      </p:par>
+    </p:tnLst>
+    <p:bldLst>
+      <p:bldP spid="3" grpId="0" build="p"/>
+    </p:bldLst>
+  </p:timing>
+</p:sld>
+</file>
+
+<file path=ppt/slides/slide26.xml><?xml version="1.0" encoding="utf-8"?>
+<p:sld xmlns:a="http://schemas.openxmlformats.org/drawingml/2006/main" xmlns:r="http://schemas.openxmlformats.org/officeDocument/2006/relationships" xmlns:p="http://schemas.openxmlformats.org/presentationml/2006/main">
+  <p:cSld>
+    <p:spTree>
+      <p:nvGrpSpPr>
+        <p:cNvPr id="1" name=""/>
+        <p:cNvGrpSpPr/>
+        <p:nvPr/>
+      </p:nvGrpSpPr>
+      <p:grpSpPr>
+        <a:xfrm>
+          <a:off x="0" y="0"/>
+          <a:ext cx="0" cy="0"/>
+          <a:chOff x="0" y="0"/>
+          <a:chExt cx="0" cy="0"/>
+        </a:xfrm>
+      </p:grpSpPr>
+      <p:sp>
+        <p:nvSpPr>
+          <p:cNvPr id="2" name="Title 1"/>
+          <p:cNvSpPr>
+            <a:spLocks noGrp="1"/>
+          </p:cNvSpPr>
+          <p:nvPr>
+            <p:ph type="title"/>
+          </p:nvPr>
+        </p:nvSpPr>
+        <p:spPr/>
+        <p:txBody>
+          <a:bodyPr/>
+          <a:lstStyle/>
+          <a:p>
+            <a:r>
               <a:rPr lang="en-US" sz="4400" cap="none" spc="0" dirty="0" smtClean="0">
                 <a:solidFill>
                   <a:prstClr val="white"/>
@@ -8158,7 +8385,7 @@
 </p:sld>
 </file>
 
-<file path=ppt/slides/slide26.xml><?xml version="1.0" encoding="utf-8"?>
+<file path=ppt/slides/slide27.xml><?xml version="1.0" encoding="utf-8"?>
 <p:sld xmlns:a="http://schemas.openxmlformats.org/drawingml/2006/main" xmlns:r="http://schemas.openxmlformats.org/officeDocument/2006/relationships" xmlns:p="http://schemas.openxmlformats.org/presentationml/2006/main">
   <p:cSld>
     <p:spTree>
@@ -8239,246 +8466,6 @@
     <p:extLst>
       <p:ext uri="{BB962C8B-B14F-4D97-AF65-F5344CB8AC3E}">
         <p14:creationId xmlns:p14="http://schemas.microsoft.com/office/powerpoint/2010/main" val="936181411"/>
-      </p:ext>
-    </p:extLst>
-  </p:cSld>
-  <p:clrMapOvr>
-    <a:masterClrMapping/>
-  </p:clrMapOvr>
-  <p:timing>
-    <p:tnLst>
-      <p:par>
-        <p:cTn id="1" dur="indefinite" restart="never" nodeType="tmRoot"/>
-      </p:par>
-    </p:tnLst>
-  </p:timing>
-</p:sld>
-</file>
-
-<file path=ppt/slides/slide27.xml><?xml version="1.0" encoding="utf-8"?>
-<p:sld xmlns:a="http://schemas.openxmlformats.org/drawingml/2006/main" xmlns:r="http://schemas.openxmlformats.org/officeDocument/2006/relationships" xmlns:p="http://schemas.openxmlformats.org/presentationml/2006/main">
-  <p:cSld>
-    <p:spTree>
-      <p:nvGrpSpPr>
-        <p:cNvPr id="1" name=""/>
-        <p:cNvGrpSpPr/>
-        <p:nvPr/>
-      </p:nvGrpSpPr>
-      <p:grpSpPr>
-        <a:xfrm>
-          <a:off x="0" y="0"/>
-          <a:ext cx="0" cy="0"/>
-          <a:chOff x="0" y="0"/>
-          <a:chExt cx="0" cy="0"/>
-        </a:xfrm>
-      </p:grpSpPr>
-      <p:sp>
-        <p:nvSpPr>
-          <p:cNvPr id="2" name="Title 1"/>
-          <p:cNvSpPr>
-            <a:spLocks noGrp="1"/>
-          </p:cNvSpPr>
-          <p:nvPr>
-            <p:ph type="title"/>
-          </p:nvPr>
-        </p:nvSpPr>
-        <p:spPr/>
-        <p:txBody>
-          <a:bodyPr/>
-          <a:lstStyle/>
-          <a:p>
-            <a:r>
-              <a:rPr lang="en-US" sz="4400" cap="none" spc="0" dirty="0">
-                <a:solidFill>
-                  <a:prstClr val="white"/>
-                </a:solidFill>
-                <a:latin typeface="Calibri"/>
-              </a:rPr>
-              <a:t>Experiment Design</a:t>
-            </a:r>
-            <a:endParaRPr lang="en-US" dirty="0"/>
-          </a:p>
-        </p:txBody>
-      </p:sp>
-      <p:sp>
-        <p:nvSpPr>
-          <p:cNvPr id="3" name="Content Placeholder 2"/>
-          <p:cNvSpPr>
-            <a:spLocks noGrp="1"/>
-          </p:cNvSpPr>
-          <p:nvPr>
-            <p:ph sz="quarter" idx="13"/>
-          </p:nvPr>
-        </p:nvSpPr>
-        <p:spPr/>
-        <p:txBody>
-          <a:bodyPr>
-            <a:normAutofit fontScale="92500" lnSpcReduction="20000"/>
-          </a:bodyPr>
-          <a:lstStyle/>
-          <a:p>
-            <a:pPr lvl="0">
-              <a:spcAft>
-                <a:spcPts val="0"/>
-              </a:spcAft>
-              <a:buClrTx/>
-            </a:pPr>
-            <a:r>
-              <a:rPr lang="en-US" sz="3200" spc="0" dirty="0">
-                <a:solidFill>
-                  <a:prstClr val="white"/>
-                </a:solidFill>
-                <a:latin typeface="Calibri"/>
-              </a:rPr>
-              <a:t>For each input music</a:t>
-            </a:r>
-          </a:p>
-          <a:p>
-            <a:pPr lvl="1">
-              <a:spcAft>
-                <a:spcPts val="0"/>
-              </a:spcAft>
-              <a:buClrTx/>
-              <a:buFont typeface="Arial" pitchFamily="34" charset="0"/>
-              <a:buChar char="–"/>
-            </a:pPr>
-            <a:r>
-              <a:rPr lang="en-US" sz="2800" spc="0" dirty="0">
-                <a:solidFill>
-                  <a:prstClr val="white"/>
-                </a:solidFill>
-                <a:latin typeface="Calibri"/>
-              </a:rPr>
-              <a:t>Genetic algorithms for rhythm and tone </a:t>
-            </a:r>
-            <a:r>
-              <a:rPr lang="en-US" sz="2800" spc="0" dirty="0" smtClean="0">
-                <a:solidFill>
-                  <a:prstClr val="white"/>
-                </a:solidFill>
-                <a:latin typeface="Calibri"/>
-              </a:rPr>
-              <a:t>ran </a:t>
-            </a:r>
-            <a:r>
-              <a:rPr lang="en-US" sz="2800" spc="0" dirty="0">
-                <a:solidFill>
-                  <a:prstClr val="white"/>
-                </a:solidFill>
-                <a:latin typeface="Calibri"/>
-              </a:rPr>
-              <a:t>in parallel (collect time for each to completion)</a:t>
-            </a:r>
-          </a:p>
-          <a:p>
-            <a:pPr lvl="1">
-              <a:spcAft>
-                <a:spcPts val="0"/>
-              </a:spcAft>
-              <a:buClrTx/>
-              <a:buFont typeface="Arial" pitchFamily="34" charset="0"/>
-              <a:buChar char="–"/>
-            </a:pPr>
-            <a:r>
-              <a:rPr lang="en-US" sz="2800" spc="0" dirty="0">
-                <a:solidFill>
-                  <a:prstClr val="white"/>
-                </a:solidFill>
-                <a:latin typeface="Calibri"/>
-              </a:rPr>
-              <a:t>The results of the genetic algorithms </a:t>
-            </a:r>
-            <a:r>
-              <a:rPr lang="en-US" sz="2800" spc="0" dirty="0" smtClean="0">
-                <a:solidFill>
-                  <a:prstClr val="white"/>
-                </a:solidFill>
-                <a:latin typeface="Calibri"/>
-              </a:rPr>
-              <a:t>was combined </a:t>
-            </a:r>
-            <a:r>
-              <a:rPr lang="en-US" sz="2800" spc="0" dirty="0">
-                <a:solidFill>
-                  <a:prstClr val="white"/>
-                </a:solidFill>
-                <a:latin typeface="Calibri"/>
-              </a:rPr>
-              <a:t>into an output MIDI file</a:t>
-            </a:r>
-          </a:p>
-          <a:p>
-            <a:pPr lvl="1">
-              <a:spcAft>
-                <a:spcPts val="0"/>
-              </a:spcAft>
-              <a:buClrTx/>
-              <a:buFont typeface="Arial" pitchFamily="34" charset="0"/>
-              <a:buChar char="–"/>
-            </a:pPr>
-            <a:r>
-              <a:rPr lang="en-US" sz="2800" spc="0" dirty="0">
-                <a:solidFill>
-                  <a:prstClr val="white"/>
-                </a:solidFill>
-                <a:latin typeface="Calibri"/>
-              </a:rPr>
-              <a:t>The output MIDI file and time to completion </a:t>
-            </a:r>
-            <a:r>
-              <a:rPr lang="en-US" sz="2800" spc="0" dirty="0" smtClean="0">
-                <a:solidFill>
-                  <a:prstClr val="white"/>
-                </a:solidFill>
-                <a:latin typeface="Calibri"/>
-              </a:rPr>
-              <a:t>was recorded</a:t>
-            </a:r>
-            <a:endParaRPr lang="en-US" sz="2800" spc="0" dirty="0">
-              <a:solidFill>
-                <a:prstClr val="white"/>
-              </a:solidFill>
-              <a:latin typeface="Calibri"/>
-            </a:endParaRPr>
-          </a:p>
-          <a:p>
-            <a:pPr lvl="0">
-              <a:spcAft>
-                <a:spcPts val="0"/>
-              </a:spcAft>
-              <a:buClrTx/>
-            </a:pPr>
-            <a:r>
-              <a:rPr lang="en-US" sz="3200" spc="0" dirty="0">
-                <a:solidFill>
-                  <a:prstClr val="white"/>
-                </a:solidFill>
-                <a:latin typeface="Calibri"/>
-              </a:rPr>
-              <a:t>This </a:t>
-            </a:r>
-            <a:r>
-              <a:rPr lang="en-US" sz="3200" spc="0" dirty="0" smtClean="0">
-                <a:solidFill>
-                  <a:prstClr val="white"/>
-                </a:solidFill>
-                <a:latin typeface="Calibri"/>
-              </a:rPr>
-              <a:t>was run 30 times for each input to provide a normal distribution of the average execution time</a:t>
-            </a:r>
-            <a:endParaRPr lang="en-US" sz="3200" spc="0" dirty="0">
-              <a:solidFill>
-                <a:prstClr val="white"/>
-              </a:solidFill>
-              <a:latin typeface="Calibri"/>
-            </a:endParaRPr>
-          </a:p>
-        </p:txBody>
-      </p:sp>
-    </p:spTree>
-    <p:extLst>
-      <p:ext uri="{BB962C8B-B14F-4D97-AF65-F5344CB8AC3E}">
-        <p14:creationId xmlns:p14="http://schemas.microsoft.com/office/powerpoint/2010/main" val="1302652254"/>
       </p:ext>
     </p:extLst>
   </p:cSld>
@@ -8528,13 +8515,13 @@
           <a:lstStyle/>
           <a:p>
             <a:r>
-              <a:rPr lang="en-US" sz="4400" cap="none" spc="0" dirty="0" smtClean="0">
+              <a:rPr lang="en-US" sz="4400" cap="none" spc="0" dirty="0">
                 <a:solidFill>
                   <a:prstClr val="white"/>
                 </a:solidFill>
                 <a:latin typeface="Calibri"/>
               </a:rPr>
-              <a:t>Experiments Performed</a:t>
+              <a:t>Experiment Design</a:t>
             </a:r>
             <a:endParaRPr lang="en-US" dirty="0"/>
           </a:p>
@@ -8557,63 +8544,168 @@
           </a:bodyPr>
           <a:lstStyle/>
           <a:p>
-            <a:r>
-              <a:rPr lang="en-US" sz="3000" dirty="0" smtClean="0">
-                <a:latin typeface="Calibri" pitchFamily="34" charset="0"/>
-              </a:rPr>
-              <a:t>Main</a:t>
-            </a:r>
-          </a:p>
-          <a:p>
-            <a:pPr lvl="1"/>
-            <a:r>
-              <a:rPr lang="en-US" sz="3000" dirty="0" smtClean="0">
-                <a:latin typeface="Calibri" pitchFamily="34" charset="0"/>
-              </a:rPr>
-              <a:t>Performed using the original solution design</a:t>
-            </a:r>
-          </a:p>
-          <a:p>
-            <a:pPr lvl="1"/>
-            <a:r>
-              <a:rPr lang="en-US" sz="3000" dirty="0" smtClean="0">
-                <a:latin typeface="Calibri" pitchFamily="34" charset="0"/>
-              </a:rPr>
-              <a:t>The entire rhythmic and tonal aspects are fed into two parallel genetic algorithms</a:t>
-            </a:r>
-          </a:p>
-          <a:p>
-            <a:r>
-              <a:rPr lang="en-US" sz="3000" dirty="0" smtClean="0">
-                <a:latin typeface="Calibri" pitchFamily="34" charset="0"/>
-              </a:rPr>
-              <a:t>Secondary</a:t>
-            </a:r>
-          </a:p>
-          <a:p>
-            <a:pPr lvl="1"/>
-            <a:r>
-              <a:rPr lang="en-US" sz="3000" dirty="0" smtClean="0">
-                <a:latin typeface="Calibri" pitchFamily="34" charset="0"/>
-              </a:rPr>
-              <a:t>Performed using a divide &amp; conquer solution</a:t>
-            </a:r>
-          </a:p>
-          <a:p>
-            <a:pPr lvl="1"/>
-            <a:r>
-              <a:rPr lang="en-US" sz="3000" dirty="0" smtClean="0">
-                <a:latin typeface="Calibri" pitchFamily="34" charset="0"/>
-              </a:rPr>
-              <a:t>The rhythmic and tonal aspects are split into several smaller chunks, which are ran in parallel and merged at the end</a:t>
-            </a:r>
+            <a:pPr lvl="0">
+              <a:spcAft>
+                <a:spcPts val="0"/>
+              </a:spcAft>
+              <a:buClrTx/>
+            </a:pPr>
+            <a:r>
+              <a:rPr lang="en-US" sz="3200" spc="0" dirty="0">
+                <a:solidFill>
+                  <a:prstClr val="white"/>
+                </a:solidFill>
+                <a:latin typeface="Calibri"/>
+              </a:rPr>
+              <a:t>For each input music</a:t>
+            </a:r>
+          </a:p>
+          <a:p>
+            <a:pPr lvl="1">
+              <a:spcAft>
+                <a:spcPts val="0"/>
+              </a:spcAft>
+              <a:buClrTx/>
+              <a:buFont typeface="Arial" pitchFamily="34" charset="0"/>
+              <a:buChar char="–"/>
+            </a:pPr>
+            <a:r>
+              <a:rPr lang="en-US" sz="2800" spc="0" dirty="0">
+                <a:solidFill>
+                  <a:prstClr val="white"/>
+                </a:solidFill>
+                <a:latin typeface="Calibri"/>
+              </a:rPr>
+              <a:t>Genetic algorithms for rhythm and tone </a:t>
+            </a:r>
+            <a:r>
+              <a:rPr lang="en-US" sz="2800" spc="0" dirty="0" smtClean="0">
+                <a:solidFill>
+                  <a:prstClr val="white"/>
+                </a:solidFill>
+                <a:latin typeface="Calibri"/>
+              </a:rPr>
+              <a:t>ran </a:t>
+            </a:r>
+            <a:r>
+              <a:rPr lang="en-US" sz="2800" spc="0" dirty="0">
+                <a:solidFill>
+                  <a:prstClr val="white"/>
+                </a:solidFill>
+                <a:latin typeface="Calibri"/>
+              </a:rPr>
+              <a:t>in parallel (collect time for each to completion)</a:t>
+            </a:r>
+          </a:p>
+          <a:p>
+            <a:pPr lvl="1">
+              <a:spcAft>
+                <a:spcPts val="0"/>
+              </a:spcAft>
+              <a:buClrTx/>
+              <a:buFont typeface="Arial" pitchFamily="34" charset="0"/>
+              <a:buChar char="–"/>
+            </a:pPr>
+            <a:r>
+              <a:rPr lang="en-US" sz="2800" spc="0" dirty="0">
+                <a:solidFill>
+                  <a:prstClr val="white"/>
+                </a:solidFill>
+                <a:latin typeface="Calibri"/>
+              </a:rPr>
+              <a:t>The results of the genetic algorithms </a:t>
+            </a:r>
+            <a:r>
+              <a:rPr lang="en-US" sz="2800" spc="0" dirty="0" smtClean="0">
+                <a:solidFill>
+                  <a:prstClr val="white"/>
+                </a:solidFill>
+                <a:latin typeface="Calibri"/>
+              </a:rPr>
+              <a:t>was combined </a:t>
+            </a:r>
+            <a:r>
+              <a:rPr lang="en-US" sz="2800" spc="0" dirty="0">
+                <a:solidFill>
+                  <a:prstClr val="white"/>
+                </a:solidFill>
+                <a:latin typeface="Calibri"/>
+              </a:rPr>
+              <a:t>into an output MIDI file</a:t>
+            </a:r>
+          </a:p>
+          <a:p>
+            <a:pPr lvl="1">
+              <a:spcAft>
+                <a:spcPts val="0"/>
+              </a:spcAft>
+              <a:buClrTx/>
+              <a:buFont typeface="Arial" pitchFamily="34" charset="0"/>
+              <a:buChar char="–"/>
+            </a:pPr>
+            <a:r>
+              <a:rPr lang="en-US" sz="2800" spc="0" dirty="0">
+                <a:solidFill>
+                  <a:prstClr val="white"/>
+                </a:solidFill>
+                <a:latin typeface="Calibri"/>
+              </a:rPr>
+              <a:t>The output MIDI file and time to completion </a:t>
+            </a:r>
+            <a:r>
+              <a:rPr lang="en-US" sz="2800" spc="0" dirty="0" smtClean="0">
+                <a:solidFill>
+                  <a:prstClr val="white"/>
+                </a:solidFill>
+                <a:latin typeface="Calibri"/>
+              </a:rPr>
+              <a:t>was recorded</a:t>
+            </a:r>
+            <a:endParaRPr lang="en-US" sz="2800" spc="0" dirty="0">
+              <a:solidFill>
+                <a:prstClr val="white"/>
+              </a:solidFill>
+              <a:latin typeface="Calibri"/>
+            </a:endParaRPr>
+          </a:p>
+          <a:p>
+            <a:pPr lvl="0">
+              <a:spcAft>
+                <a:spcPts val="0"/>
+              </a:spcAft>
+              <a:buClrTx/>
+            </a:pPr>
+            <a:r>
+              <a:rPr lang="en-US" sz="3200" spc="0" dirty="0">
+                <a:solidFill>
+                  <a:prstClr val="white"/>
+                </a:solidFill>
+                <a:latin typeface="Calibri"/>
+              </a:rPr>
+              <a:t>This </a:t>
+            </a:r>
+            <a:r>
+              <a:rPr lang="en-US" sz="3200" spc="0" dirty="0" smtClean="0">
+                <a:solidFill>
+                  <a:prstClr val="white"/>
+                </a:solidFill>
+                <a:latin typeface="Calibri"/>
+              </a:rPr>
+              <a:t>was run 30 times for each input to provide a normal distribution of the average execution time</a:t>
+            </a:r>
+            <a:endParaRPr lang="en-US" sz="3200" spc="0" dirty="0">
+              <a:solidFill>
+                <a:prstClr val="white"/>
+              </a:solidFill>
+              <a:latin typeface="Calibri"/>
+            </a:endParaRPr>
           </a:p>
         </p:txBody>
       </p:sp>
     </p:spTree>
     <p:extLst>
       <p:ext uri="{BB962C8B-B14F-4D97-AF65-F5344CB8AC3E}">
-        <p14:creationId xmlns:p14="http://schemas.microsoft.com/office/powerpoint/2010/main" val="764686283"/>
+        <p14:creationId xmlns:p14="http://schemas.microsoft.com/office/powerpoint/2010/main" val="1302652254"/>
       </p:ext>
     </p:extLst>
   </p:cSld>
@@ -8654,44 +8746,7 @@
             <a:spLocks noGrp="1"/>
           </p:cNvSpPr>
           <p:nvPr>
-            <p:ph type="ctrTitle"/>
-          </p:nvPr>
-        </p:nvSpPr>
-        <p:spPr>
-          <a:xfrm>
-            <a:off x="685800" y="1676400"/>
-            <a:ext cx="7772400" cy="1470025"/>
-          </a:xfrm>
-        </p:spPr>
-        <p:txBody>
-          <a:bodyPr/>
-          <a:lstStyle/>
-          <a:p>
-            <a:r>
-              <a:rPr lang="en-US" sz="4400" cap="none" spc="0" dirty="0" smtClean="0">
-                <a:solidFill>
-                  <a:prstClr val="white"/>
-                </a:solidFill>
-                <a:latin typeface="Calibri"/>
-              </a:rPr>
-              <a:t>Results &amp; Conclusions</a:t>
-            </a:r>
-            <a:endParaRPr lang="en-US" dirty="0">
-              <a:solidFill>
-                <a:schemeClr val="bg1"/>
-              </a:solidFill>
-            </a:endParaRPr>
-          </a:p>
-        </p:txBody>
-      </p:sp>
-      <p:sp>
-        <p:nvSpPr>
-          <p:cNvPr id="4" name="Subtitle 3"/>
-          <p:cNvSpPr>
-            <a:spLocks noGrp="1"/>
-          </p:cNvSpPr>
-          <p:nvPr>
-            <p:ph type="subTitle" idx="1"/>
+            <p:ph type="title"/>
           </p:nvPr>
         </p:nvSpPr>
         <p:spPr/>
@@ -8699,18 +8754,93 @@
           <a:bodyPr/>
           <a:lstStyle/>
           <a:p>
-            <a:endParaRPr lang="en-US">
-              <a:solidFill>
-                <a:schemeClr val="bg1"/>
-              </a:solidFill>
-            </a:endParaRPr>
+            <a:r>
+              <a:rPr lang="en-US" sz="4400" cap="none" spc="0" dirty="0" smtClean="0">
+                <a:solidFill>
+                  <a:prstClr val="white"/>
+                </a:solidFill>
+                <a:latin typeface="Calibri"/>
+              </a:rPr>
+              <a:t>Experiments Performed</a:t>
+            </a:r>
+            <a:endParaRPr lang="en-US" dirty="0"/>
+          </a:p>
+        </p:txBody>
+      </p:sp>
+      <p:sp>
+        <p:nvSpPr>
+          <p:cNvPr id="3" name="Content Placeholder 2"/>
+          <p:cNvSpPr>
+            <a:spLocks noGrp="1"/>
+          </p:cNvSpPr>
+          <p:nvPr>
+            <p:ph sz="quarter" idx="13"/>
+          </p:nvPr>
+        </p:nvSpPr>
+        <p:spPr/>
+        <p:txBody>
+          <a:bodyPr>
+            <a:normAutofit fontScale="92500" lnSpcReduction="20000"/>
+          </a:bodyPr>
+          <a:lstStyle/>
+          <a:p>
+            <a:r>
+              <a:rPr lang="en-US" sz="3000" dirty="0" smtClean="0">
+                <a:latin typeface="Calibri" pitchFamily="34" charset="0"/>
+              </a:rPr>
+              <a:t>Main</a:t>
+            </a:r>
+          </a:p>
+          <a:p>
+            <a:pPr lvl="1"/>
+            <a:r>
+              <a:rPr lang="en-US" sz="3000" dirty="0" smtClean="0">
+                <a:latin typeface="Calibri" pitchFamily="34" charset="0"/>
+              </a:rPr>
+              <a:t>Performed using the original solution design</a:t>
+            </a:r>
+          </a:p>
+          <a:p>
+            <a:pPr lvl="1"/>
+            <a:r>
+              <a:rPr lang="en-US" sz="3000" dirty="0" smtClean="0">
+                <a:latin typeface="Calibri" pitchFamily="34" charset="0"/>
+              </a:rPr>
+              <a:t>The entire rhythmic and tonal aspects are fed into two parallel genetic algorithms</a:t>
+            </a:r>
+          </a:p>
+          <a:p>
+            <a:r>
+              <a:rPr lang="en-US" sz="3000" dirty="0" smtClean="0">
+                <a:latin typeface="Calibri" pitchFamily="34" charset="0"/>
+              </a:rPr>
+              <a:t>Secondary</a:t>
+            </a:r>
+          </a:p>
+          <a:p>
+            <a:pPr lvl="1"/>
+            <a:r>
+              <a:rPr lang="en-US" sz="3000" dirty="0" smtClean="0">
+                <a:latin typeface="Calibri" pitchFamily="34" charset="0"/>
+              </a:rPr>
+              <a:t>Performed using a divide &amp; conquer solution</a:t>
+            </a:r>
+          </a:p>
+          <a:p>
+            <a:pPr lvl="1"/>
+            <a:r>
+              <a:rPr lang="en-US" sz="3000" dirty="0" smtClean="0">
+                <a:latin typeface="Calibri" pitchFamily="34" charset="0"/>
+              </a:rPr>
+              <a:t>The rhythmic and tonal aspects are split into several smaller chunks, which are ran in parallel and merged at the end</a:t>
+            </a:r>
           </a:p>
         </p:txBody>
       </p:sp>
     </p:spTree>
     <p:extLst>
       <p:ext uri="{BB962C8B-B14F-4D97-AF65-F5344CB8AC3E}">
-        <p14:creationId xmlns:p14="http://schemas.microsoft.com/office/powerpoint/2010/main" val="936181411"/>
+        <p14:creationId xmlns:p14="http://schemas.microsoft.com/office/powerpoint/2010/main" val="764686283"/>
       </p:ext>
     </p:extLst>
   </p:cSld>
@@ -8848,7 +8978,44 @@
             <a:spLocks noGrp="1"/>
           </p:cNvSpPr>
           <p:nvPr>
-            <p:ph type="title"/>
+            <p:ph type="ctrTitle"/>
+          </p:nvPr>
+        </p:nvSpPr>
+        <p:spPr>
+          <a:xfrm>
+            <a:off x="685800" y="1676400"/>
+            <a:ext cx="7772400" cy="1470025"/>
+          </a:xfrm>
+        </p:spPr>
+        <p:txBody>
+          <a:bodyPr/>
+          <a:lstStyle/>
+          <a:p>
+            <a:r>
+              <a:rPr lang="en-US" sz="4400" cap="none" spc="0" dirty="0" smtClean="0">
+                <a:solidFill>
+                  <a:prstClr val="white"/>
+                </a:solidFill>
+                <a:latin typeface="Calibri"/>
+              </a:rPr>
+              <a:t>Results &amp; Conclusions</a:t>
+            </a:r>
+            <a:endParaRPr lang="en-US" dirty="0">
+              <a:solidFill>
+                <a:schemeClr val="bg1"/>
+              </a:solidFill>
+            </a:endParaRPr>
+          </a:p>
+        </p:txBody>
+      </p:sp>
+      <p:sp>
+        <p:nvSpPr>
+          <p:cNvPr id="4" name="Subtitle 3"/>
+          <p:cNvSpPr>
+            <a:spLocks noGrp="1"/>
+          </p:cNvSpPr>
+          <p:nvPr>
+            <p:ph type="subTitle" idx="1"/>
           </p:nvPr>
         </p:nvSpPr>
         <p:spPr/>
@@ -8856,83 +9023,18 @@
           <a:bodyPr/>
           <a:lstStyle/>
           <a:p>
-            <a:r>
-              <a:rPr lang="en-US" sz="4400" cap="none" spc="0" dirty="0" smtClean="0">
-                <a:solidFill>
-                  <a:prstClr val="white"/>
-                </a:solidFill>
-                <a:latin typeface="Calibri"/>
-              </a:rPr>
-              <a:t>Experimental Results - Main</a:t>
-            </a:r>
-            <a:endParaRPr lang="en-US" dirty="0"/>
-          </a:p>
-        </p:txBody>
-      </p:sp>
-      <p:sp>
-        <p:nvSpPr>
-          <p:cNvPr id="3" name="Content Placeholder 2"/>
-          <p:cNvSpPr>
-            <a:spLocks noGrp="1"/>
-          </p:cNvSpPr>
-          <p:nvPr>
-            <p:ph sz="quarter" idx="13"/>
-          </p:nvPr>
-        </p:nvSpPr>
-        <p:spPr/>
-        <p:txBody>
-          <a:bodyPr>
-            <a:normAutofit/>
-          </a:bodyPr>
-          <a:lstStyle/>
-          <a:p>
-            <a:r>
-              <a:rPr lang="en-US" sz="3000" dirty="0" smtClean="0">
-                <a:latin typeface="Calibri" pitchFamily="34" charset="0"/>
-              </a:rPr>
-              <a:t>Of the 900 runs, 6 failed (.67%)</a:t>
-            </a:r>
-          </a:p>
-          <a:p>
-            <a:r>
-              <a:rPr lang="en-US" sz="3000" dirty="0" smtClean="0">
-                <a:latin typeface="Calibri" pitchFamily="34" charset="0"/>
-              </a:rPr>
-              <a:t>The average time with failures included is</a:t>
-            </a:r>
-          </a:p>
-          <a:p>
-            <a:pPr lvl="1"/>
-            <a:r>
-              <a:rPr lang="en-US" sz="3000" dirty="0" smtClean="0">
-                <a:latin typeface="Calibri" pitchFamily="34" charset="0"/>
-              </a:rPr>
-              <a:t>27.04s +- 43.7s</a:t>
-            </a:r>
-          </a:p>
-          <a:p>
-            <a:r>
-              <a:rPr lang="en-US" sz="3000" dirty="0" smtClean="0">
-                <a:latin typeface="Calibri" pitchFamily="34" charset="0"/>
-              </a:rPr>
-              <a:t>The average time with failures removed is</a:t>
-            </a:r>
-          </a:p>
-          <a:p>
-            <a:pPr lvl="1"/>
-            <a:r>
-              <a:rPr lang="en-US" sz="3000" dirty="0" smtClean="0">
-                <a:latin typeface="Calibri" pitchFamily="34" charset="0"/>
-              </a:rPr>
-              <a:t>24.7s +- 32.7s</a:t>
-            </a:r>
+            <a:endParaRPr lang="en-US">
+              <a:solidFill>
+                <a:schemeClr val="bg1"/>
+              </a:solidFill>
+            </a:endParaRPr>
           </a:p>
         </p:txBody>
       </p:sp>
     </p:spTree>
     <p:extLst>
       <p:ext uri="{BB962C8B-B14F-4D97-AF65-F5344CB8AC3E}">
-        <p14:creationId xmlns:p14="http://schemas.microsoft.com/office/powerpoint/2010/main" val="779656286"/>
+        <p14:creationId xmlns:p14="http://schemas.microsoft.com/office/powerpoint/2010/main" val="936181411"/>
       </p:ext>
     </p:extLst>
   </p:cSld>
@@ -8988,7 +9090,7 @@
                 </a:solidFill>
                 <a:latin typeface="Calibri"/>
               </a:rPr>
-              <a:t>Experimental Results - Secondary</a:t>
+              <a:t>Experimental Results - Main</a:t>
             </a:r>
             <a:endParaRPr lang="en-US" dirty="0"/>
           </a:p>
@@ -9015,7 +9117,7 @@
               <a:rPr lang="en-US" sz="3000" dirty="0" smtClean="0">
                 <a:latin typeface="Calibri" pitchFamily="34" charset="0"/>
               </a:rPr>
-              <a:t>Of the 900 runs, 138 failed (15.3%)</a:t>
+              <a:t>Of the 900 runs, 6 failed (.67%)</a:t>
             </a:r>
           </a:p>
           <a:p>
@@ -9032,7 +9134,7 @@
               <a:rPr lang="en-US" sz="3000" dirty="0" smtClean="0">
                 <a:latin typeface="Calibri" pitchFamily="34" charset="0"/>
               </a:rPr>
-              <a:t>68.1s +- 132.6s</a:t>
+              <a:t>27.04s +- 43.7s</a:t>
             </a:r>
           </a:p>
           <a:p>
@@ -9049,7 +9151,7 @@
               <a:rPr lang="en-US" sz="3000" dirty="0" smtClean="0">
                 <a:latin typeface="Calibri" pitchFamily="34" charset="0"/>
               </a:rPr>
-              <a:t>16.4s +- 22.7s</a:t>
+              <a:t>24.7s +- 32.7s</a:t>
             </a:r>
           </a:p>
         </p:txBody>
@@ -9057,7 +9159,7 @@
     </p:spTree>
     <p:extLst>
       <p:ext uri="{BB962C8B-B14F-4D97-AF65-F5344CB8AC3E}">
-        <p14:creationId xmlns:p14="http://schemas.microsoft.com/office/powerpoint/2010/main" val="2230186242"/>
+        <p14:creationId xmlns:p14="http://schemas.microsoft.com/office/powerpoint/2010/main" val="779656286"/>
       </p:ext>
     </p:extLst>
   </p:cSld>
@@ -9113,7 +9215,7 @@
                 </a:solidFill>
                 <a:latin typeface="Calibri"/>
               </a:rPr>
-              <a:t>More Failures?</a:t>
+              <a:t>Experimental Results - Secondary</a:t>
             </a:r>
             <a:endParaRPr lang="en-US" dirty="0"/>
           </a:p>
@@ -9137,6 +9239,131 @@
           <a:lstStyle/>
           <a:p>
             <a:r>
+              <a:rPr lang="en-US" sz="3000" dirty="0" smtClean="0">
+                <a:latin typeface="Calibri" pitchFamily="34" charset="0"/>
+              </a:rPr>
+              <a:t>Of the 900 runs, 138 failed (15.3%)</a:t>
+            </a:r>
+          </a:p>
+          <a:p>
+            <a:r>
+              <a:rPr lang="en-US" sz="3000" dirty="0" smtClean="0">
+                <a:latin typeface="Calibri" pitchFamily="34" charset="0"/>
+              </a:rPr>
+              <a:t>The average time with failures included is</a:t>
+            </a:r>
+          </a:p>
+          <a:p>
+            <a:pPr lvl="1"/>
+            <a:r>
+              <a:rPr lang="en-US" sz="3000" dirty="0" smtClean="0">
+                <a:latin typeface="Calibri" pitchFamily="34" charset="0"/>
+              </a:rPr>
+              <a:t>68.1s +- 132.6s</a:t>
+            </a:r>
+          </a:p>
+          <a:p>
+            <a:r>
+              <a:rPr lang="en-US" sz="3000" dirty="0" smtClean="0">
+                <a:latin typeface="Calibri" pitchFamily="34" charset="0"/>
+              </a:rPr>
+              <a:t>The average time with failures removed is</a:t>
+            </a:r>
+          </a:p>
+          <a:p>
+            <a:pPr lvl="1"/>
+            <a:r>
+              <a:rPr lang="en-US" sz="3000" dirty="0" smtClean="0">
+                <a:latin typeface="Calibri" pitchFamily="34" charset="0"/>
+              </a:rPr>
+              <a:t>16.4s +- 22.7s</a:t>
+            </a:r>
+          </a:p>
+        </p:txBody>
+      </p:sp>
+    </p:spTree>
+    <p:extLst>
+      <p:ext uri="{BB962C8B-B14F-4D97-AF65-F5344CB8AC3E}">
+        <p14:creationId xmlns:p14="http://schemas.microsoft.com/office/powerpoint/2010/main" val="2230186242"/>
+      </p:ext>
+    </p:extLst>
+  </p:cSld>
+  <p:clrMapOvr>
+    <a:masterClrMapping/>
+  </p:clrMapOvr>
+  <p:timing>
+    <p:tnLst>
+      <p:par>
+        <p:cTn id="1" dur="indefinite" restart="never" nodeType="tmRoot"/>
+      </p:par>
+    </p:tnLst>
+  </p:timing>
+</p:sld>
+</file>
+
+<file path=ppt/slides/slide33.xml><?xml version="1.0" encoding="utf-8"?>
+<p:sld xmlns:a="http://schemas.openxmlformats.org/drawingml/2006/main" xmlns:r="http://schemas.openxmlformats.org/officeDocument/2006/relationships" xmlns:p="http://schemas.openxmlformats.org/presentationml/2006/main">
+  <p:cSld>
+    <p:spTree>
+      <p:nvGrpSpPr>
+        <p:cNvPr id="1" name=""/>
+        <p:cNvGrpSpPr/>
+        <p:nvPr/>
+      </p:nvGrpSpPr>
+      <p:grpSpPr>
+        <a:xfrm>
+          <a:off x="0" y="0"/>
+          <a:ext cx="0" cy="0"/>
+          <a:chOff x="0" y="0"/>
+          <a:chExt cx="0" cy="0"/>
+        </a:xfrm>
+      </p:grpSpPr>
+      <p:sp>
+        <p:nvSpPr>
+          <p:cNvPr id="2" name="Title 1"/>
+          <p:cNvSpPr>
+            <a:spLocks noGrp="1"/>
+          </p:cNvSpPr>
+          <p:nvPr>
+            <p:ph type="title"/>
+          </p:nvPr>
+        </p:nvSpPr>
+        <p:spPr/>
+        <p:txBody>
+          <a:bodyPr/>
+          <a:lstStyle/>
+          <a:p>
+            <a:r>
+              <a:rPr lang="en-US" sz="4400" cap="none" spc="0" dirty="0" smtClean="0">
+                <a:solidFill>
+                  <a:prstClr val="white"/>
+                </a:solidFill>
+                <a:latin typeface="Calibri"/>
+              </a:rPr>
+              <a:t>More Failures?</a:t>
+            </a:r>
+            <a:endParaRPr lang="en-US" dirty="0"/>
+          </a:p>
+        </p:txBody>
+      </p:sp>
+      <p:sp>
+        <p:nvSpPr>
+          <p:cNvPr id="3" name="Content Placeholder 2"/>
+          <p:cNvSpPr>
+            <a:spLocks noGrp="1"/>
+          </p:cNvSpPr>
+          <p:nvPr>
+            <p:ph sz="quarter" idx="13"/>
+          </p:nvPr>
+        </p:nvSpPr>
+        <p:spPr/>
+        <p:txBody>
+          <a:bodyPr>
+            <a:normAutofit/>
+          </a:bodyPr>
+          <a:lstStyle/>
+          <a:p>
+            <a:r>
               <a:rPr lang="en-US" sz="2000" dirty="0" smtClean="0">
                 <a:latin typeface="Calibri" pitchFamily="34" charset="0"/>
               </a:rPr>
@@ -9158,9 +9385,6 @@
               </a:rPr>
               <a:t>When this is repeated 6+ times instead of once, those probabilities multiply and become multiplicatively more difficult</a:t>
             </a:r>
-            <a:endParaRPr lang="en-US" sz="2000" dirty="0" smtClean="0">
-              <a:latin typeface="Calibri" pitchFamily="34" charset="0"/>
-            </a:endParaRPr>
           </a:p>
         </p:txBody>
       </p:sp>
@@ -9257,7 +9481,7 @@
 </p:sld>
 </file>
 
-<file path=ppt/slides/slide33.xml><?xml version="1.0" encoding="utf-8"?>
+<file path=ppt/slides/slide34.xml><?xml version="1.0" encoding="utf-8"?>
 <p:sld xmlns:a="http://schemas.openxmlformats.org/drawingml/2006/main" xmlns:r="http://schemas.openxmlformats.org/officeDocument/2006/relationships" xmlns:p="http://schemas.openxmlformats.org/presentationml/2006/main">
   <p:cSld>
     <p:spTree>
@@ -9329,13 +9553,7 @@
               <a:rPr lang="en-US" sz="3000" smtClean="0">
                 <a:latin typeface="Calibri" pitchFamily="34" charset="0"/>
               </a:rPr>
-              <a:t>least </a:t>
-            </a:r>
-            <a:r>
-              <a:rPr lang="en-US" sz="3000" smtClean="0">
-                <a:latin typeface="Calibri" pitchFamily="34" charset="0"/>
-              </a:rPr>
-              <a:t>75</a:t>
+              <a:t>least 75</a:t>
             </a:r>
             <a:r>
               <a:rPr lang="en-US" sz="3000" dirty="0" smtClean="0">
@@ -9374,7 +9592,7 @@
 </p:sld>
 </file>
 
-<file path=ppt/slides/slide34.xml><?xml version="1.0" encoding="utf-8"?>
+<file path=ppt/slides/slide35.xml><?xml version="1.0" encoding="utf-8"?>
 <p:sld xmlns:a="http://schemas.openxmlformats.org/drawingml/2006/main" xmlns:r="http://schemas.openxmlformats.org/officeDocument/2006/relationships" xmlns:p="http://schemas.openxmlformats.org/presentationml/2006/main">
   <p:cSld>
     <p:spTree>
@@ -10016,484 +10234,6 @@
                                           <p:spTgt spid="3">
                                             <p:txEl>
                                               <p:pRg st="4" end="4"/>
-                                            </p:txEl>
-                                          </p:spTgt>
-                                        </p:tgtEl>
-                                        <p:attrNameLst>
-                                          <p:attrName>ppt_y</p:attrName>
-                                        </p:attrNameLst>
-                                      </p:cBhvr>
-                                      <p:tavLst>
-                                        <p:tav tm="0">
-                                          <p:val>
-                                            <p:strVal val="#ppt_y+.1"/>
-                                          </p:val>
-                                        </p:tav>
-                                        <p:tav tm="100000">
-                                          <p:val>
-                                            <p:strVal val="#ppt_y"/>
-                                          </p:val>
-                                        </p:tav>
-                                      </p:tavLst>
-                                    </p:anim>
-                                  </p:childTnLst>
-                                </p:cTn>
-                              </p:par>
-                            </p:childTnLst>
-                          </p:cTn>
-                        </p:par>
-                      </p:childTnLst>
-                    </p:cTn>
-                  </p:par>
-                </p:childTnLst>
-              </p:cTn>
-              <p:prevCondLst>
-                <p:cond evt="onPrev" delay="0">
-                  <p:tgtEl>
-                    <p:sldTgt/>
-                  </p:tgtEl>
-                </p:cond>
-              </p:prevCondLst>
-              <p:nextCondLst>
-                <p:cond evt="onNext" delay="0">
-                  <p:tgtEl>
-                    <p:sldTgt/>
-                  </p:tgtEl>
-                </p:cond>
-              </p:nextCondLst>
-            </p:seq>
-          </p:childTnLst>
-        </p:cTn>
-      </p:par>
-    </p:tnLst>
-    <p:bldLst>
-      <p:bldP spid="3" grpId="0" build="p"/>
-    </p:bldLst>
-  </p:timing>
-</p:sld>
-</file>
-
-<file path=ppt/slides/slide35.xml><?xml version="1.0" encoding="utf-8"?>
-<p:sld xmlns:a="http://schemas.openxmlformats.org/drawingml/2006/main" xmlns:r="http://schemas.openxmlformats.org/officeDocument/2006/relationships" xmlns:p="http://schemas.openxmlformats.org/presentationml/2006/main">
-  <p:cSld>
-    <p:spTree>
-      <p:nvGrpSpPr>
-        <p:cNvPr id="1" name=""/>
-        <p:cNvGrpSpPr/>
-        <p:nvPr/>
-      </p:nvGrpSpPr>
-      <p:grpSpPr>
-        <a:xfrm>
-          <a:off x="0" y="0"/>
-          <a:ext cx="0" cy="0"/>
-          <a:chOff x="0" y="0"/>
-          <a:chExt cx="0" cy="0"/>
-        </a:xfrm>
-      </p:grpSpPr>
-      <p:sp>
-        <p:nvSpPr>
-          <p:cNvPr id="2" name="Title 1"/>
-          <p:cNvSpPr>
-            <a:spLocks noGrp="1"/>
-          </p:cNvSpPr>
-          <p:nvPr>
-            <p:ph type="title"/>
-          </p:nvPr>
-        </p:nvSpPr>
-        <p:spPr/>
-        <p:txBody>
-          <a:bodyPr/>
-          <a:lstStyle/>
-          <a:p>
-            <a:r>
-              <a:rPr lang="en-US" sz="4400" cap="none" spc="0" dirty="0" smtClean="0">
-                <a:solidFill>
-                  <a:prstClr val="white"/>
-                </a:solidFill>
-                <a:latin typeface="Calibri"/>
-              </a:rPr>
-              <a:t>Discussion</a:t>
-            </a:r>
-            <a:endParaRPr lang="en-US" dirty="0"/>
-          </a:p>
-        </p:txBody>
-      </p:sp>
-      <p:sp>
-        <p:nvSpPr>
-          <p:cNvPr id="3" name="Content Placeholder 2"/>
-          <p:cNvSpPr>
-            <a:spLocks noGrp="1"/>
-          </p:cNvSpPr>
-          <p:nvPr>
-            <p:ph sz="quarter" idx="13"/>
-          </p:nvPr>
-        </p:nvSpPr>
-        <p:spPr/>
-        <p:txBody>
-          <a:bodyPr>
-            <a:normAutofit/>
-          </a:bodyPr>
-          <a:lstStyle/>
-          <a:p>
-            <a:r>
-              <a:rPr lang="en-US" sz="3000" dirty="0" smtClean="0">
-                <a:latin typeface="Calibri" pitchFamily="34" charset="0"/>
-              </a:rPr>
-              <a:t>In a practical usage implementation, divergent inputs are not as common as convergent inputs</a:t>
-            </a:r>
-          </a:p>
-          <a:p>
-            <a:r>
-              <a:rPr lang="en-US" sz="3000" dirty="0" smtClean="0">
-                <a:latin typeface="Calibri" pitchFamily="34" charset="0"/>
-              </a:rPr>
-              <a:t>This means that the convergent times are what can be analyzed for practical performance costs</a:t>
-            </a:r>
-          </a:p>
-          <a:p>
-            <a:r>
-              <a:rPr lang="en-US" sz="3000" dirty="0" smtClean="0">
-                <a:latin typeface="Calibri" pitchFamily="34" charset="0"/>
-              </a:rPr>
-              <a:t>Advantage goes to the divide &amp; conquer algorithm</a:t>
-            </a:r>
-          </a:p>
-        </p:txBody>
-      </p:sp>
-    </p:spTree>
-    <p:extLst>
-      <p:ext uri="{BB962C8B-B14F-4D97-AF65-F5344CB8AC3E}">
-        <p14:creationId xmlns:p14="http://schemas.microsoft.com/office/powerpoint/2010/main" val="3873232004"/>
-      </p:ext>
-    </p:extLst>
-  </p:cSld>
-  <p:clrMapOvr>
-    <a:masterClrMapping/>
-  </p:clrMapOvr>
-  <p:timing>
-    <p:tnLst>
-      <p:par>
-        <p:cTn id="1" dur="indefinite" restart="never" nodeType="tmRoot">
-          <p:childTnLst>
-            <p:seq concurrent="1" nextAc="seek">
-              <p:cTn id="2" dur="indefinite" nodeType="mainSeq">
-                <p:childTnLst>
-                  <p:par>
-                    <p:cTn id="3" fill="hold">
-                      <p:stCondLst>
-                        <p:cond delay="indefinite"/>
-                      </p:stCondLst>
-                      <p:childTnLst>
-                        <p:par>
-                          <p:cTn id="4" fill="hold">
-                            <p:stCondLst>
-                              <p:cond delay="0"/>
-                            </p:stCondLst>
-                            <p:childTnLst>
-                              <p:par>
-                                <p:cTn id="5" presetID="42" presetClass="entr" presetSubtype="0" fill="hold" grpId="0" nodeType="clickEffect">
-                                  <p:stCondLst>
-                                    <p:cond delay="0"/>
-                                  </p:stCondLst>
-                                  <p:childTnLst>
-                                    <p:set>
-                                      <p:cBhvr>
-                                        <p:cTn id="6" dur="1" fill="hold">
-                                          <p:stCondLst>
-                                            <p:cond delay="0"/>
-                                          </p:stCondLst>
-                                        </p:cTn>
-                                        <p:tgtEl>
-                                          <p:spTgt spid="3">
-                                            <p:txEl>
-                                              <p:pRg st="0" end="0"/>
-                                            </p:txEl>
-                                          </p:spTgt>
-                                        </p:tgtEl>
-                                        <p:attrNameLst>
-                                          <p:attrName>style.visibility</p:attrName>
-                                        </p:attrNameLst>
-                                      </p:cBhvr>
-                                      <p:to>
-                                        <p:strVal val="visible"/>
-                                      </p:to>
-                                    </p:set>
-                                    <p:animEffect transition="in" filter="fade">
-                                      <p:cBhvr>
-                                        <p:cTn id="7" dur="1000"/>
-                                        <p:tgtEl>
-                                          <p:spTgt spid="3">
-                                            <p:txEl>
-                                              <p:pRg st="0" end="0"/>
-                                            </p:txEl>
-                                          </p:spTgt>
-                                        </p:tgtEl>
-                                      </p:cBhvr>
-                                    </p:animEffect>
-                                    <p:anim calcmode="lin" valueType="num">
-                                      <p:cBhvr>
-                                        <p:cTn id="8" dur="1000" fill="hold"/>
-                                        <p:tgtEl>
-                                          <p:spTgt spid="3">
-                                            <p:txEl>
-                                              <p:pRg st="0" end="0"/>
-                                            </p:txEl>
-                                          </p:spTgt>
-                                        </p:tgtEl>
-                                        <p:attrNameLst>
-                                          <p:attrName>ppt_x</p:attrName>
-                                        </p:attrNameLst>
-                                      </p:cBhvr>
-                                      <p:tavLst>
-                                        <p:tav tm="0">
-                                          <p:val>
-                                            <p:strVal val="#ppt_x"/>
-                                          </p:val>
-                                        </p:tav>
-                                        <p:tav tm="100000">
-                                          <p:val>
-                                            <p:strVal val="#ppt_x"/>
-                                          </p:val>
-                                        </p:tav>
-                                      </p:tavLst>
-                                    </p:anim>
-                                    <p:anim calcmode="lin" valueType="num">
-                                      <p:cBhvr>
-                                        <p:cTn id="9" dur="1000" fill="hold"/>
-                                        <p:tgtEl>
-                                          <p:spTgt spid="3">
-                                            <p:txEl>
-                                              <p:pRg st="0" end="0"/>
-                                            </p:txEl>
-                                          </p:spTgt>
-                                        </p:tgtEl>
-                                        <p:attrNameLst>
-                                          <p:attrName>ppt_y</p:attrName>
-                                        </p:attrNameLst>
-                                      </p:cBhvr>
-                                      <p:tavLst>
-                                        <p:tav tm="0">
-                                          <p:val>
-                                            <p:strVal val="#ppt_y+.1"/>
-                                          </p:val>
-                                        </p:tav>
-                                        <p:tav tm="100000">
-                                          <p:val>
-                                            <p:strVal val="#ppt_y"/>
-                                          </p:val>
-                                        </p:tav>
-                                      </p:tavLst>
-                                    </p:anim>
-                                  </p:childTnLst>
-                                </p:cTn>
-                              </p:par>
-                            </p:childTnLst>
-                          </p:cTn>
-                        </p:par>
-                      </p:childTnLst>
-                    </p:cTn>
-                  </p:par>
-                  <p:par>
-                    <p:cTn id="10" fill="hold">
-                      <p:stCondLst>
-                        <p:cond delay="indefinite"/>
-                      </p:stCondLst>
-                      <p:childTnLst>
-                        <p:par>
-                          <p:cTn id="11" fill="hold">
-                            <p:stCondLst>
-                              <p:cond delay="0"/>
-                            </p:stCondLst>
-                            <p:childTnLst>
-                              <p:par>
-                                <p:cTn id="12" presetID="42" presetClass="entr" presetSubtype="0" fill="hold" grpId="0" nodeType="clickEffect">
-                                  <p:stCondLst>
-                                    <p:cond delay="0"/>
-                                  </p:stCondLst>
-                                  <p:childTnLst>
-                                    <p:set>
-                                      <p:cBhvr>
-                                        <p:cTn id="13" dur="1" fill="hold">
-                                          <p:stCondLst>
-                                            <p:cond delay="0"/>
-                                          </p:stCondLst>
-                                        </p:cTn>
-                                        <p:tgtEl>
-                                          <p:spTgt spid="3">
-                                            <p:txEl>
-                                              <p:pRg st="1" end="1"/>
-                                            </p:txEl>
-                                          </p:spTgt>
-                                        </p:tgtEl>
-                                        <p:attrNameLst>
-                                          <p:attrName>style.visibility</p:attrName>
-                                        </p:attrNameLst>
-                                      </p:cBhvr>
-                                      <p:to>
-                                        <p:strVal val="visible"/>
-                                      </p:to>
-                                    </p:set>
-                                    <p:animEffect transition="in" filter="fade">
-                                      <p:cBhvr>
-                                        <p:cTn id="14" dur="1000"/>
-                                        <p:tgtEl>
-                                          <p:spTgt spid="3">
-                                            <p:txEl>
-                                              <p:pRg st="1" end="1"/>
-                                            </p:txEl>
-                                          </p:spTgt>
-                                        </p:tgtEl>
-                                      </p:cBhvr>
-                                    </p:animEffect>
-                                    <p:anim calcmode="lin" valueType="num">
-                                      <p:cBhvr>
-                                        <p:cTn id="15" dur="1000" fill="hold"/>
-                                        <p:tgtEl>
-                                          <p:spTgt spid="3">
-                                            <p:txEl>
-                                              <p:pRg st="1" end="1"/>
-                                            </p:txEl>
-                                          </p:spTgt>
-                                        </p:tgtEl>
-                                        <p:attrNameLst>
-                                          <p:attrName>ppt_x</p:attrName>
-                                        </p:attrNameLst>
-                                      </p:cBhvr>
-                                      <p:tavLst>
-                                        <p:tav tm="0">
-                                          <p:val>
-                                            <p:strVal val="#ppt_x"/>
-                                          </p:val>
-                                        </p:tav>
-                                        <p:tav tm="100000">
-                                          <p:val>
-                                            <p:strVal val="#ppt_x"/>
-                                          </p:val>
-                                        </p:tav>
-                                      </p:tavLst>
-                                    </p:anim>
-                                    <p:anim calcmode="lin" valueType="num">
-                                      <p:cBhvr>
-                                        <p:cTn id="16" dur="1000" fill="hold"/>
-                                        <p:tgtEl>
-                                          <p:spTgt spid="3">
-                                            <p:txEl>
-                                              <p:pRg st="1" end="1"/>
-                                            </p:txEl>
-                                          </p:spTgt>
-                                        </p:tgtEl>
-                                        <p:attrNameLst>
-                                          <p:attrName>ppt_y</p:attrName>
-                                        </p:attrNameLst>
-                                      </p:cBhvr>
-                                      <p:tavLst>
-                                        <p:tav tm="0">
-                                          <p:val>
-                                            <p:strVal val="#ppt_y+.1"/>
-                                          </p:val>
-                                        </p:tav>
-                                        <p:tav tm="100000">
-                                          <p:val>
-                                            <p:strVal val="#ppt_y"/>
-                                          </p:val>
-                                        </p:tav>
-                                      </p:tavLst>
-                                    </p:anim>
-                                  </p:childTnLst>
-                                </p:cTn>
-                              </p:par>
-                            </p:childTnLst>
-                          </p:cTn>
-                        </p:par>
-                      </p:childTnLst>
-                    </p:cTn>
-                  </p:par>
-                  <p:par>
-                    <p:cTn id="17" fill="hold">
-                      <p:stCondLst>
-                        <p:cond delay="indefinite"/>
-                      </p:stCondLst>
-                      <p:childTnLst>
-                        <p:par>
-                          <p:cTn id="18" fill="hold">
-                            <p:stCondLst>
-                              <p:cond delay="0"/>
-                            </p:stCondLst>
-                            <p:childTnLst>
-                              <p:par>
-                                <p:cTn id="19" presetID="42" presetClass="entr" presetSubtype="0" fill="hold" grpId="0" nodeType="clickEffect">
-                                  <p:stCondLst>
-                                    <p:cond delay="0"/>
-                                  </p:stCondLst>
-                                  <p:childTnLst>
-                                    <p:set>
-                                      <p:cBhvr>
-                                        <p:cTn id="20" dur="1" fill="hold">
-                                          <p:stCondLst>
-                                            <p:cond delay="0"/>
-                                          </p:stCondLst>
-                                        </p:cTn>
-                                        <p:tgtEl>
-                                          <p:spTgt spid="3">
-                                            <p:txEl>
-                                              <p:pRg st="2" end="2"/>
-                                            </p:txEl>
-                                          </p:spTgt>
-                                        </p:tgtEl>
-                                        <p:attrNameLst>
-                                          <p:attrName>style.visibility</p:attrName>
-                                        </p:attrNameLst>
-                                      </p:cBhvr>
-                                      <p:to>
-                                        <p:strVal val="visible"/>
-                                      </p:to>
-                                    </p:set>
-                                    <p:animEffect transition="in" filter="fade">
-                                      <p:cBhvr>
-                                        <p:cTn id="21" dur="1000"/>
-                                        <p:tgtEl>
-                                          <p:spTgt spid="3">
-                                            <p:txEl>
-                                              <p:pRg st="2" end="2"/>
-                                            </p:txEl>
-                                          </p:spTgt>
-                                        </p:tgtEl>
-                                      </p:cBhvr>
-                                    </p:animEffect>
-                                    <p:anim calcmode="lin" valueType="num">
-                                      <p:cBhvr>
-                                        <p:cTn id="22" dur="1000" fill="hold"/>
-                                        <p:tgtEl>
-                                          <p:spTgt spid="3">
-                                            <p:txEl>
-                                              <p:pRg st="2" end="2"/>
-                                            </p:txEl>
-                                          </p:spTgt>
-                                        </p:tgtEl>
-                                        <p:attrNameLst>
-                                          <p:attrName>ppt_x</p:attrName>
-                                        </p:attrNameLst>
-                                      </p:cBhvr>
-                                      <p:tavLst>
-                                        <p:tav tm="0">
-                                          <p:val>
-                                            <p:strVal val="#ppt_x"/>
-                                          </p:val>
-                                        </p:tav>
-                                        <p:tav tm="100000">
-                                          <p:val>
-                                            <p:strVal val="#ppt_x"/>
-                                          </p:val>
-                                        </p:tav>
-                                      </p:tavLst>
-                                    </p:anim>
-                                    <p:anim calcmode="lin" valueType="num">
-                                      <p:cBhvr>
-                                        <p:cTn id="23" dur="1000" fill="hold"/>
-                                        <p:tgtEl>
-                                          <p:spTgt spid="3">
-                                            <p:txEl>
-                                              <p:pRg st="2" end="2"/>
                                             </p:txEl>
                                           </p:spTgt>
                                         </p:tgtEl>
@@ -10617,7 +10357,7 @@
               <a:rPr lang="en-US" sz="3000" dirty="0" smtClean="0">
                 <a:latin typeface="Calibri" pitchFamily="34" charset="0"/>
               </a:rPr>
-              <a:t>Walking bass lines and simple melodies performed best</a:t>
+              <a:t>In a practical usage implementation, divergent inputs are not as common as convergent inputs</a:t>
             </a:r>
           </a:p>
           <a:p>
@@ -10625,7 +10365,7 @@
               <a:rPr lang="en-US" sz="3000" dirty="0" smtClean="0">
                 <a:latin typeface="Calibri" pitchFamily="34" charset="0"/>
               </a:rPr>
-              <a:t>Melodies with complex rest patterns did not perform well</a:t>
+              <a:t>This means that the convergent times are what can be analyzed for practical performance costs</a:t>
             </a:r>
           </a:p>
           <a:p>
@@ -10633,20 +10373,15 @@
               <a:rPr lang="en-US" sz="3000" dirty="0" smtClean="0">
                 <a:latin typeface="Calibri" pitchFamily="34" charset="0"/>
               </a:rPr>
-              <a:t>Melodies with long similar tonal chains (even eighths of same note) did not perform well</a:t>
-            </a:r>
-          </a:p>
-          <a:p>
-            <a:endParaRPr lang="en-US" sz="3000" dirty="0" smtClean="0">
-              <a:latin typeface="Calibri" pitchFamily="34" charset="0"/>
-            </a:endParaRPr>
+              <a:t>Advantage goes to the divide &amp; conquer algorithm</a:t>
+            </a:r>
           </a:p>
         </p:txBody>
       </p:sp>
     </p:spTree>
     <p:extLst>
       <p:ext uri="{BB962C8B-B14F-4D97-AF65-F5344CB8AC3E}">
-        <p14:creationId xmlns:p14="http://schemas.microsoft.com/office/powerpoint/2010/main" val="1271427382"/>
+        <p14:creationId xmlns:p14="http://schemas.microsoft.com/office/powerpoint/2010/main" val="3873232004"/>
       </p:ext>
     </p:extLst>
   </p:cSld>
@@ -11073,7 +10808,7 @@
                 </a:solidFill>
                 <a:latin typeface="Calibri"/>
               </a:rPr>
-              <a:t>How Did it Sound?</a:t>
+              <a:t>Discussion</a:t>
             </a:r>
             <a:endParaRPr lang="en-US" dirty="0"/>
           </a:p>
@@ -11092,7 +10827,7 @@
         <p:spPr/>
         <p:txBody>
           <a:bodyPr>
-            <a:normAutofit fontScale="92500"/>
+            <a:normAutofit/>
           </a:bodyPr>
           <a:lstStyle/>
           <a:p>
@@ -11100,7 +10835,7 @@
               <a:rPr lang="en-US" sz="3000" dirty="0" smtClean="0">
                 <a:latin typeface="Calibri" pitchFamily="34" charset="0"/>
               </a:rPr>
-              <a:t>This is not a requirement of the analysis, BUT…</a:t>
+              <a:t>Walking bass lines and simple melodies performed best</a:t>
             </a:r>
           </a:p>
           <a:p>
@@ -11108,7 +10843,7 @@
               <a:rPr lang="en-US" sz="3000" dirty="0" smtClean="0">
                 <a:latin typeface="Calibri" pitchFamily="34" charset="0"/>
               </a:rPr>
-              <a:t>In general, the music sounded pretty good but was not easily identifiable according to the input</a:t>
+              <a:t>Melodies with complex rest patterns did not perform well</a:t>
             </a:r>
           </a:p>
           <a:p>
@@ -11116,23 +10851,20 @@
               <a:rPr lang="en-US" sz="3000" dirty="0" smtClean="0">
                 <a:latin typeface="Calibri" pitchFamily="34" charset="0"/>
               </a:rPr>
-              <a:t>The input did serve well with regards to general shape of the output music, just not in terms of styles</a:t>
-            </a:r>
-          </a:p>
-          <a:p>
-            <a:r>
-              <a:rPr lang="en-US" sz="3000" dirty="0" smtClean="0">
-                <a:latin typeface="Calibri" pitchFamily="34" charset="0"/>
-              </a:rPr>
-              <a:t>Some output had really fast sections which do not sound natural</a:t>
-            </a:r>
+              <a:t>Melodies with long similar tonal chains (even eighths of same note) did not perform well</a:t>
+            </a:r>
+          </a:p>
+          <a:p>
+            <a:endParaRPr lang="en-US" sz="3000" dirty="0" smtClean="0">
+              <a:latin typeface="Calibri" pitchFamily="34" charset="0"/>
+            </a:endParaRPr>
           </a:p>
         </p:txBody>
       </p:sp>
     </p:spTree>
     <p:extLst>
       <p:ext uri="{BB962C8B-B14F-4D97-AF65-F5344CB8AC3E}">
-        <p14:creationId xmlns:p14="http://schemas.microsoft.com/office/powerpoint/2010/main" val="3803260667"/>
+        <p14:creationId xmlns:p14="http://schemas.microsoft.com/office/powerpoint/2010/main" val="1271427382"/>
       </p:ext>
     </p:extLst>
   </p:cSld>
@@ -11463,121 +11195,6 @@
                                           <p:spTgt spid="3">
                                             <p:txEl>
                                               <p:pRg st="2" end="2"/>
-                                            </p:txEl>
-                                          </p:spTgt>
-                                        </p:tgtEl>
-                                        <p:attrNameLst>
-                                          <p:attrName>ppt_y</p:attrName>
-                                        </p:attrNameLst>
-                                      </p:cBhvr>
-                                      <p:tavLst>
-                                        <p:tav tm="0">
-                                          <p:val>
-                                            <p:strVal val="#ppt_y+.1"/>
-                                          </p:val>
-                                        </p:tav>
-                                        <p:tav tm="100000">
-                                          <p:val>
-                                            <p:strVal val="#ppt_y"/>
-                                          </p:val>
-                                        </p:tav>
-                                      </p:tavLst>
-                                    </p:anim>
-                                  </p:childTnLst>
-                                </p:cTn>
-                              </p:par>
-                            </p:childTnLst>
-                          </p:cTn>
-                        </p:par>
-                      </p:childTnLst>
-                    </p:cTn>
-                  </p:par>
-                  <p:par>
-                    <p:cTn id="24" fill="hold">
-                      <p:stCondLst>
-                        <p:cond delay="indefinite"/>
-                      </p:stCondLst>
-                      <p:childTnLst>
-                        <p:par>
-                          <p:cTn id="25" fill="hold">
-                            <p:stCondLst>
-                              <p:cond delay="0"/>
-                            </p:stCondLst>
-                            <p:childTnLst>
-                              <p:par>
-                                <p:cTn id="26" presetID="42" presetClass="entr" presetSubtype="0" fill="hold" grpId="0" nodeType="clickEffect">
-                                  <p:stCondLst>
-                                    <p:cond delay="0"/>
-                                  </p:stCondLst>
-                                  <p:childTnLst>
-                                    <p:set>
-                                      <p:cBhvr>
-                                        <p:cTn id="27" dur="1" fill="hold">
-                                          <p:stCondLst>
-                                            <p:cond delay="0"/>
-                                          </p:stCondLst>
-                                        </p:cTn>
-                                        <p:tgtEl>
-                                          <p:spTgt spid="3">
-                                            <p:txEl>
-                                              <p:pRg st="3" end="3"/>
-                                            </p:txEl>
-                                          </p:spTgt>
-                                        </p:tgtEl>
-                                        <p:attrNameLst>
-                                          <p:attrName>style.visibility</p:attrName>
-                                        </p:attrNameLst>
-                                      </p:cBhvr>
-                                      <p:to>
-                                        <p:strVal val="visible"/>
-                                      </p:to>
-                                    </p:set>
-                                    <p:animEffect transition="in" filter="fade">
-                                      <p:cBhvr>
-                                        <p:cTn id="28" dur="1000"/>
-                                        <p:tgtEl>
-                                          <p:spTgt spid="3">
-                                            <p:txEl>
-                                              <p:pRg st="3" end="3"/>
-                                            </p:txEl>
-                                          </p:spTgt>
-                                        </p:tgtEl>
-                                      </p:cBhvr>
-                                    </p:animEffect>
-                                    <p:anim calcmode="lin" valueType="num">
-                                      <p:cBhvr>
-                                        <p:cTn id="29" dur="1000" fill="hold"/>
-                                        <p:tgtEl>
-                                          <p:spTgt spid="3">
-                                            <p:txEl>
-                                              <p:pRg st="3" end="3"/>
-                                            </p:txEl>
-                                          </p:spTgt>
-                                        </p:tgtEl>
-                                        <p:attrNameLst>
-                                          <p:attrName>ppt_x</p:attrName>
-                                        </p:attrNameLst>
-                                      </p:cBhvr>
-                                      <p:tavLst>
-                                        <p:tav tm="0">
-                                          <p:val>
-                                            <p:strVal val="#ppt_x"/>
-                                          </p:val>
-                                        </p:tav>
-                                        <p:tav tm="100000">
-                                          <p:val>
-                                            <p:strVal val="#ppt_x"/>
-                                          </p:val>
-                                        </p:tav>
-                                      </p:tavLst>
-                                    </p:anim>
-                                    <p:anim calcmode="lin" valueType="num">
-                                      <p:cBhvr>
-                                        <p:cTn id="30" dur="1000" fill="hold"/>
-                                        <p:tgtEl>
-                                          <p:spTgt spid="3">
-                                            <p:txEl>
-                                              <p:pRg st="3" end="3"/>
                                             </p:txEl>
                                           </p:spTgt>
                                         </p:tgtEl>
@@ -11674,7 +11291,7 @@
                 </a:solidFill>
                 <a:latin typeface="Calibri"/>
               </a:rPr>
-              <a:t>Directions for Future Work</a:t>
+              <a:t>How Did it Sound?</a:t>
             </a:r>
             <a:endParaRPr lang="en-US" dirty="0"/>
           </a:p>
@@ -11693,7 +11310,7 @@
         <p:spPr/>
         <p:txBody>
           <a:bodyPr>
-            <a:normAutofit/>
+            <a:normAutofit fontScale="92500"/>
           </a:bodyPr>
           <a:lstStyle/>
           <a:p>
@@ -11701,7 +11318,7 @@
               <a:rPr lang="en-US" sz="3000" dirty="0" smtClean="0">
                 <a:latin typeface="Calibri" pitchFamily="34" charset="0"/>
               </a:rPr>
-              <a:t>The algorithms will only perform as well as the music analysis process</a:t>
+              <a:t>This is not a requirement of the analysis, BUT…</a:t>
             </a:r>
           </a:p>
           <a:p>
@@ -11709,23 +11326,31 @@
               <a:rPr lang="en-US" sz="3000" dirty="0" smtClean="0">
                 <a:latin typeface="Calibri" pitchFamily="34" charset="0"/>
               </a:rPr>
-              <a:t>This process can be improved on dramatically by utilizing a more experienced music theorist to help determine critical components of melodies</a:t>
-            </a:r>
-          </a:p>
-          <a:p>
-            <a:pPr marL="0" indent="0">
-              <a:buNone/>
-            </a:pPr>
-            <a:endParaRPr lang="en-US" sz="3000" dirty="0" smtClean="0">
-              <a:latin typeface="Calibri" pitchFamily="34" charset="0"/>
-            </a:endParaRPr>
+              <a:t>In general, the music sounded pretty good but was not easily identifiable according to the input</a:t>
+            </a:r>
+          </a:p>
+          <a:p>
+            <a:r>
+              <a:rPr lang="en-US" sz="3000" dirty="0" smtClean="0">
+                <a:latin typeface="Calibri" pitchFamily="34" charset="0"/>
+              </a:rPr>
+              <a:t>The input did serve well with regards to general shape of the output music, just not in terms of styles</a:t>
+            </a:r>
+          </a:p>
+          <a:p>
+            <a:r>
+              <a:rPr lang="en-US" sz="3000" dirty="0" smtClean="0">
+                <a:latin typeface="Calibri" pitchFamily="34" charset="0"/>
+              </a:rPr>
+              <a:t>Some output had really fast sections which do not sound natural</a:t>
+            </a:r>
           </a:p>
         </p:txBody>
       </p:sp>
     </p:spTree>
     <p:extLst>
       <p:ext uri="{BB962C8B-B14F-4D97-AF65-F5344CB8AC3E}">
-        <p14:creationId xmlns:p14="http://schemas.microsoft.com/office/powerpoint/2010/main" val="1898577510"/>
+        <p14:creationId xmlns:p14="http://schemas.microsoft.com/office/powerpoint/2010/main" val="3803260667"/>
       </p:ext>
     </p:extLst>
   </p:cSld>
@@ -11941,6 +11566,236 @@
                                           <p:spTgt spid="3">
                                             <p:txEl>
                                               <p:pRg st="1" end="1"/>
+                                            </p:txEl>
+                                          </p:spTgt>
+                                        </p:tgtEl>
+                                        <p:attrNameLst>
+                                          <p:attrName>ppt_y</p:attrName>
+                                        </p:attrNameLst>
+                                      </p:cBhvr>
+                                      <p:tavLst>
+                                        <p:tav tm="0">
+                                          <p:val>
+                                            <p:strVal val="#ppt_y+.1"/>
+                                          </p:val>
+                                        </p:tav>
+                                        <p:tav tm="100000">
+                                          <p:val>
+                                            <p:strVal val="#ppt_y"/>
+                                          </p:val>
+                                        </p:tav>
+                                      </p:tavLst>
+                                    </p:anim>
+                                  </p:childTnLst>
+                                </p:cTn>
+                              </p:par>
+                            </p:childTnLst>
+                          </p:cTn>
+                        </p:par>
+                      </p:childTnLst>
+                    </p:cTn>
+                  </p:par>
+                  <p:par>
+                    <p:cTn id="17" fill="hold">
+                      <p:stCondLst>
+                        <p:cond delay="indefinite"/>
+                      </p:stCondLst>
+                      <p:childTnLst>
+                        <p:par>
+                          <p:cTn id="18" fill="hold">
+                            <p:stCondLst>
+                              <p:cond delay="0"/>
+                            </p:stCondLst>
+                            <p:childTnLst>
+                              <p:par>
+                                <p:cTn id="19" presetID="42" presetClass="entr" presetSubtype="0" fill="hold" grpId="0" nodeType="clickEffect">
+                                  <p:stCondLst>
+                                    <p:cond delay="0"/>
+                                  </p:stCondLst>
+                                  <p:childTnLst>
+                                    <p:set>
+                                      <p:cBhvr>
+                                        <p:cTn id="20" dur="1" fill="hold">
+                                          <p:stCondLst>
+                                            <p:cond delay="0"/>
+                                          </p:stCondLst>
+                                        </p:cTn>
+                                        <p:tgtEl>
+                                          <p:spTgt spid="3">
+                                            <p:txEl>
+                                              <p:pRg st="2" end="2"/>
+                                            </p:txEl>
+                                          </p:spTgt>
+                                        </p:tgtEl>
+                                        <p:attrNameLst>
+                                          <p:attrName>style.visibility</p:attrName>
+                                        </p:attrNameLst>
+                                      </p:cBhvr>
+                                      <p:to>
+                                        <p:strVal val="visible"/>
+                                      </p:to>
+                                    </p:set>
+                                    <p:animEffect transition="in" filter="fade">
+                                      <p:cBhvr>
+                                        <p:cTn id="21" dur="1000"/>
+                                        <p:tgtEl>
+                                          <p:spTgt spid="3">
+                                            <p:txEl>
+                                              <p:pRg st="2" end="2"/>
+                                            </p:txEl>
+                                          </p:spTgt>
+                                        </p:tgtEl>
+                                      </p:cBhvr>
+                                    </p:animEffect>
+                                    <p:anim calcmode="lin" valueType="num">
+                                      <p:cBhvr>
+                                        <p:cTn id="22" dur="1000" fill="hold"/>
+                                        <p:tgtEl>
+                                          <p:spTgt spid="3">
+                                            <p:txEl>
+                                              <p:pRg st="2" end="2"/>
+                                            </p:txEl>
+                                          </p:spTgt>
+                                        </p:tgtEl>
+                                        <p:attrNameLst>
+                                          <p:attrName>ppt_x</p:attrName>
+                                        </p:attrNameLst>
+                                      </p:cBhvr>
+                                      <p:tavLst>
+                                        <p:tav tm="0">
+                                          <p:val>
+                                            <p:strVal val="#ppt_x"/>
+                                          </p:val>
+                                        </p:tav>
+                                        <p:tav tm="100000">
+                                          <p:val>
+                                            <p:strVal val="#ppt_x"/>
+                                          </p:val>
+                                        </p:tav>
+                                      </p:tavLst>
+                                    </p:anim>
+                                    <p:anim calcmode="lin" valueType="num">
+                                      <p:cBhvr>
+                                        <p:cTn id="23" dur="1000" fill="hold"/>
+                                        <p:tgtEl>
+                                          <p:spTgt spid="3">
+                                            <p:txEl>
+                                              <p:pRg st="2" end="2"/>
+                                            </p:txEl>
+                                          </p:spTgt>
+                                        </p:tgtEl>
+                                        <p:attrNameLst>
+                                          <p:attrName>ppt_y</p:attrName>
+                                        </p:attrNameLst>
+                                      </p:cBhvr>
+                                      <p:tavLst>
+                                        <p:tav tm="0">
+                                          <p:val>
+                                            <p:strVal val="#ppt_y+.1"/>
+                                          </p:val>
+                                        </p:tav>
+                                        <p:tav tm="100000">
+                                          <p:val>
+                                            <p:strVal val="#ppt_y"/>
+                                          </p:val>
+                                        </p:tav>
+                                      </p:tavLst>
+                                    </p:anim>
+                                  </p:childTnLst>
+                                </p:cTn>
+                              </p:par>
+                            </p:childTnLst>
+                          </p:cTn>
+                        </p:par>
+                      </p:childTnLst>
+                    </p:cTn>
+                  </p:par>
+                  <p:par>
+                    <p:cTn id="24" fill="hold">
+                      <p:stCondLst>
+                        <p:cond delay="indefinite"/>
+                      </p:stCondLst>
+                      <p:childTnLst>
+                        <p:par>
+                          <p:cTn id="25" fill="hold">
+                            <p:stCondLst>
+                              <p:cond delay="0"/>
+                            </p:stCondLst>
+                            <p:childTnLst>
+                              <p:par>
+                                <p:cTn id="26" presetID="42" presetClass="entr" presetSubtype="0" fill="hold" grpId="0" nodeType="clickEffect">
+                                  <p:stCondLst>
+                                    <p:cond delay="0"/>
+                                  </p:stCondLst>
+                                  <p:childTnLst>
+                                    <p:set>
+                                      <p:cBhvr>
+                                        <p:cTn id="27" dur="1" fill="hold">
+                                          <p:stCondLst>
+                                            <p:cond delay="0"/>
+                                          </p:stCondLst>
+                                        </p:cTn>
+                                        <p:tgtEl>
+                                          <p:spTgt spid="3">
+                                            <p:txEl>
+                                              <p:pRg st="3" end="3"/>
+                                            </p:txEl>
+                                          </p:spTgt>
+                                        </p:tgtEl>
+                                        <p:attrNameLst>
+                                          <p:attrName>style.visibility</p:attrName>
+                                        </p:attrNameLst>
+                                      </p:cBhvr>
+                                      <p:to>
+                                        <p:strVal val="visible"/>
+                                      </p:to>
+                                    </p:set>
+                                    <p:animEffect transition="in" filter="fade">
+                                      <p:cBhvr>
+                                        <p:cTn id="28" dur="1000"/>
+                                        <p:tgtEl>
+                                          <p:spTgt spid="3">
+                                            <p:txEl>
+                                              <p:pRg st="3" end="3"/>
+                                            </p:txEl>
+                                          </p:spTgt>
+                                        </p:tgtEl>
+                                      </p:cBhvr>
+                                    </p:animEffect>
+                                    <p:anim calcmode="lin" valueType="num">
+                                      <p:cBhvr>
+                                        <p:cTn id="29" dur="1000" fill="hold"/>
+                                        <p:tgtEl>
+                                          <p:spTgt spid="3">
+                                            <p:txEl>
+                                              <p:pRg st="3" end="3"/>
+                                            </p:txEl>
+                                          </p:spTgt>
+                                        </p:tgtEl>
+                                        <p:attrNameLst>
+                                          <p:attrName>ppt_x</p:attrName>
+                                        </p:attrNameLst>
+                                      </p:cBhvr>
+                                      <p:tavLst>
+                                        <p:tav tm="0">
+                                          <p:val>
+                                            <p:strVal val="#ppt_x"/>
+                                          </p:val>
+                                        </p:tav>
+                                        <p:tav tm="100000">
+                                          <p:val>
+                                            <p:strVal val="#ppt_x"/>
+                                          </p:val>
+                                        </p:tav>
+                                      </p:tavLst>
+                                    </p:anim>
+                                    <p:anim calcmode="lin" valueType="num">
+                                      <p:cBhvr>
+                                        <p:cTn id="30" dur="1000" fill="hold"/>
+                                        <p:tgtEl>
+                                          <p:spTgt spid="3">
+                                            <p:txEl>
+                                              <p:pRg st="3" end="3"/>
                                             </p:txEl>
                                           </p:spTgt>
                                         </p:tgtEl>
@@ -12056,7 +11911,7 @@
         <p:spPr/>
         <p:txBody>
           <a:bodyPr>
-            <a:normAutofit fontScale="92500" lnSpcReduction="20000"/>
+            <a:normAutofit/>
           </a:bodyPr>
           <a:lstStyle/>
           <a:p>
@@ -12064,7 +11919,7 @@
               <a:rPr lang="en-US" sz="3000" dirty="0" smtClean="0">
                 <a:latin typeface="Calibri" pitchFamily="34" charset="0"/>
               </a:rPr>
-              <a:t>This implementation worked only with single melodies</a:t>
+              <a:t>The algorithms will only perform as well as the music analysis process</a:t>
             </a:r>
           </a:p>
           <a:p>
@@ -12072,34 +11927,23 @@
               <a:rPr lang="en-US" sz="3000" dirty="0" smtClean="0">
                 <a:latin typeface="Calibri" pitchFamily="34" charset="0"/>
               </a:rPr>
-              <a:t>It could be expanded to work with multiple tracked MIDI files</a:t>
-            </a:r>
-            <a:endParaRPr lang="en-US" sz="3000" dirty="0">
+              <a:t>This process can be improved on dramatically by utilizing a more experienced music theorist to help determine critical components of melodies</a:t>
+            </a:r>
+          </a:p>
+          <a:p>
+            <a:pPr marL="0" indent="0">
+              <a:buNone/>
+            </a:pPr>
+            <a:endParaRPr lang="en-US" sz="3000" dirty="0" smtClean="0">
               <a:latin typeface="Calibri" pitchFamily="34" charset="0"/>
             </a:endParaRPr>
-          </a:p>
-          <a:p>
-            <a:r>
-              <a:rPr lang="en-US" sz="3000" dirty="0" smtClean="0">
-                <a:latin typeface="Calibri" pitchFamily="34" charset="0"/>
-              </a:rPr>
-              <a:t>An expansion could be done to provide guidance to the reconstruction algorithm to determine how the song should be reconstructed</a:t>
-            </a:r>
-          </a:p>
-          <a:p>
-            <a:r>
-              <a:rPr lang="en-US" sz="3000" dirty="0" smtClean="0">
-                <a:latin typeface="Calibri" pitchFamily="34" charset="0"/>
-              </a:rPr>
-              <a:t>This would allow patterns and sequences to be defined by the user which would allow for actual songs to be created</a:t>
-            </a:r>
           </a:p>
         </p:txBody>
       </p:sp>
     </p:spTree>
     <p:extLst>
       <p:ext uri="{BB962C8B-B14F-4D97-AF65-F5344CB8AC3E}">
-        <p14:creationId xmlns:p14="http://schemas.microsoft.com/office/powerpoint/2010/main" val="899118722"/>
+        <p14:creationId xmlns:p14="http://schemas.microsoft.com/office/powerpoint/2010/main" val="1898577510"/>
       </p:ext>
     </p:extLst>
   </p:cSld>
@@ -12315,236 +12159,6 @@
                                           <p:spTgt spid="3">
                                             <p:txEl>
                                               <p:pRg st="1" end="1"/>
-                                            </p:txEl>
-                                          </p:spTgt>
-                                        </p:tgtEl>
-                                        <p:attrNameLst>
-                                          <p:attrName>ppt_y</p:attrName>
-                                        </p:attrNameLst>
-                                      </p:cBhvr>
-                                      <p:tavLst>
-                                        <p:tav tm="0">
-                                          <p:val>
-                                            <p:strVal val="#ppt_y+.1"/>
-                                          </p:val>
-                                        </p:tav>
-                                        <p:tav tm="100000">
-                                          <p:val>
-                                            <p:strVal val="#ppt_y"/>
-                                          </p:val>
-                                        </p:tav>
-                                      </p:tavLst>
-                                    </p:anim>
-                                  </p:childTnLst>
-                                </p:cTn>
-                              </p:par>
-                            </p:childTnLst>
-                          </p:cTn>
-                        </p:par>
-                      </p:childTnLst>
-                    </p:cTn>
-                  </p:par>
-                  <p:par>
-                    <p:cTn id="17" fill="hold">
-                      <p:stCondLst>
-                        <p:cond delay="indefinite"/>
-                      </p:stCondLst>
-                      <p:childTnLst>
-                        <p:par>
-                          <p:cTn id="18" fill="hold">
-                            <p:stCondLst>
-                              <p:cond delay="0"/>
-                            </p:stCondLst>
-                            <p:childTnLst>
-                              <p:par>
-                                <p:cTn id="19" presetID="42" presetClass="entr" presetSubtype="0" fill="hold" grpId="0" nodeType="clickEffect">
-                                  <p:stCondLst>
-                                    <p:cond delay="0"/>
-                                  </p:stCondLst>
-                                  <p:childTnLst>
-                                    <p:set>
-                                      <p:cBhvr>
-                                        <p:cTn id="20" dur="1" fill="hold">
-                                          <p:stCondLst>
-                                            <p:cond delay="0"/>
-                                          </p:stCondLst>
-                                        </p:cTn>
-                                        <p:tgtEl>
-                                          <p:spTgt spid="3">
-                                            <p:txEl>
-                                              <p:pRg st="2" end="2"/>
-                                            </p:txEl>
-                                          </p:spTgt>
-                                        </p:tgtEl>
-                                        <p:attrNameLst>
-                                          <p:attrName>style.visibility</p:attrName>
-                                        </p:attrNameLst>
-                                      </p:cBhvr>
-                                      <p:to>
-                                        <p:strVal val="visible"/>
-                                      </p:to>
-                                    </p:set>
-                                    <p:animEffect transition="in" filter="fade">
-                                      <p:cBhvr>
-                                        <p:cTn id="21" dur="1000"/>
-                                        <p:tgtEl>
-                                          <p:spTgt spid="3">
-                                            <p:txEl>
-                                              <p:pRg st="2" end="2"/>
-                                            </p:txEl>
-                                          </p:spTgt>
-                                        </p:tgtEl>
-                                      </p:cBhvr>
-                                    </p:animEffect>
-                                    <p:anim calcmode="lin" valueType="num">
-                                      <p:cBhvr>
-                                        <p:cTn id="22" dur="1000" fill="hold"/>
-                                        <p:tgtEl>
-                                          <p:spTgt spid="3">
-                                            <p:txEl>
-                                              <p:pRg st="2" end="2"/>
-                                            </p:txEl>
-                                          </p:spTgt>
-                                        </p:tgtEl>
-                                        <p:attrNameLst>
-                                          <p:attrName>ppt_x</p:attrName>
-                                        </p:attrNameLst>
-                                      </p:cBhvr>
-                                      <p:tavLst>
-                                        <p:tav tm="0">
-                                          <p:val>
-                                            <p:strVal val="#ppt_x"/>
-                                          </p:val>
-                                        </p:tav>
-                                        <p:tav tm="100000">
-                                          <p:val>
-                                            <p:strVal val="#ppt_x"/>
-                                          </p:val>
-                                        </p:tav>
-                                      </p:tavLst>
-                                    </p:anim>
-                                    <p:anim calcmode="lin" valueType="num">
-                                      <p:cBhvr>
-                                        <p:cTn id="23" dur="1000" fill="hold"/>
-                                        <p:tgtEl>
-                                          <p:spTgt spid="3">
-                                            <p:txEl>
-                                              <p:pRg st="2" end="2"/>
-                                            </p:txEl>
-                                          </p:spTgt>
-                                        </p:tgtEl>
-                                        <p:attrNameLst>
-                                          <p:attrName>ppt_y</p:attrName>
-                                        </p:attrNameLst>
-                                      </p:cBhvr>
-                                      <p:tavLst>
-                                        <p:tav tm="0">
-                                          <p:val>
-                                            <p:strVal val="#ppt_y+.1"/>
-                                          </p:val>
-                                        </p:tav>
-                                        <p:tav tm="100000">
-                                          <p:val>
-                                            <p:strVal val="#ppt_y"/>
-                                          </p:val>
-                                        </p:tav>
-                                      </p:tavLst>
-                                    </p:anim>
-                                  </p:childTnLst>
-                                </p:cTn>
-                              </p:par>
-                            </p:childTnLst>
-                          </p:cTn>
-                        </p:par>
-                      </p:childTnLst>
-                    </p:cTn>
-                  </p:par>
-                  <p:par>
-                    <p:cTn id="24" fill="hold">
-                      <p:stCondLst>
-                        <p:cond delay="indefinite"/>
-                      </p:stCondLst>
-                      <p:childTnLst>
-                        <p:par>
-                          <p:cTn id="25" fill="hold">
-                            <p:stCondLst>
-                              <p:cond delay="0"/>
-                            </p:stCondLst>
-                            <p:childTnLst>
-                              <p:par>
-                                <p:cTn id="26" presetID="42" presetClass="entr" presetSubtype="0" fill="hold" grpId="0" nodeType="clickEffect">
-                                  <p:stCondLst>
-                                    <p:cond delay="0"/>
-                                  </p:stCondLst>
-                                  <p:childTnLst>
-                                    <p:set>
-                                      <p:cBhvr>
-                                        <p:cTn id="27" dur="1" fill="hold">
-                                          <p:stCondLst>
-                                            <p:cond delay="0"/>
-                                          </p:stCondLst>
-                                        </p:cTn>
-                                        <p:tgtEl>
-                                          <p:spTgt spid="3">
-                                            <p:txEl>
-                                              <p:pRg st="3" end="3"/>
-                                            </p:txEl>
-                                          </p:spTgt>
-                                        </p:tgtEl>
-                                        <p:attrNameLst>
-                                          <p:attrName>style.visibility</p:attrName>
-                                        </p:attrNameLst>
-                                      </p:cBhvr>
-                                      <p:to>
-                                        <p:strVal val="visible"/>
-                                      </p:to>
-                                    </p:set>
-                                    <p:animEffect transition="in" filter="fade">
-                                      <p:cBhvr>
-                                        <p:cTn id="28" dur="1000"/>
-                                        <p:tgtEl>
-                                          <p:spTgt spid="3">
-                                            <p:txEl>
-                                              <p:pRg st="3" end="3"/>
-                                            </p:txEl>
-                                          </p:spTgt>
-                                        </p:tgtEl>
-                                      </p:cBhvr>
-                                    </p:animEffect>
-                                    <p:anim calcmode="lin" valueType="num">
-                                      <p:cBhvr>
-                                        <p:cTn id="29" dur="1000" fill="hold"/>
-                                        <p:tgtEl>
-                                          <p:spTgt spid="3">
-                                            <p:txEl>
-                                              <p:pRg st="3" end="3"/>
-                                            </p:txEl>
-                                          </p:spTgt>
-                                        </p:tgtEl>
-                                        <p:attrNameLst>
-                                          <p:attrName>ppt_x</p:attrName>
-                                        </p:attrNameLst>
-                                      </p:cBhvr>
-                                      <p:tavLst>
-                                        <p:tav tm="0">
-                                          <p:val>
-                                            <p:strVal val="#ppt_x"/>
-                                          </p:val>
-                                        </p:tav>
-                                        <p:tav tm="100000">
-                                          <p:val>
-                                            <p:strVal val="#ppt_x"/>
-                                          </p:val>
-                                        </p:tav>
-                                      </p:tavLst>
-                                    </p:anim>
-                                    <p:anim calcmode="lin" valueType="num">
-                                      <p:cBhvr>
-                                        <p:cTn id="30" dur="1000" fill="hold"/>
-                                        <p:tgtEl>
-                                          <p:spTgt spid="3">
-                                            <p:txEl>
-                                              <p:pRg st="3" end="3"/>
                                             </p:txEl>
                                           </p:spTgt>
                                         </p:tgtEl>
@@ -13105,6 +12719,610 @@
 </p:sld>
 </file>
 
+<file path=ppt/slides/slide40.xml><?xml version="1.0" encoding="utf-8"?>
+<p:sld xmlns:a="http://schemas.openxmlformats.org/drawingml/2006/main" xmlns:r="http://schemas.openxmlformats.org/officeDocument/2006/relationships" xmlns:p="http://schemas.openxmlformats.org/presentationml/2006/main">
+  <p:cSld>
+    <p:spTree>
+      <p:nvGrpSpPr>
+        <p:cNvPr id="1" name=""/>
+        <p:cNvGrpSpPr/>
+        <p:nvPr/>
+      </p:nvGrpSpPr>
+      <p:grpSpPr>
+        <a:xfrm>
+          <a:off x="0" y="0"/>
+          <a:ext cx="0" cy="0"/>
+          <a:chOff x="0" y="0"/>
+          <a:chExt cx="0" cy="0"/>
+        </a:xfrm>
+      </p:grpSpPr>
+      <p:sp>
+        <p:nvSpPr>
+          <p:cNvPr id="2" name="Title 1"/>
+          <p:cNvSpPr>
+            <a:spLocks noGrp="1"/>
+          </p:cNvSpPr>
+          <p:nvPr>
+            <p:ph type="title"/>
+          </p:nvPr>
+        </p:nvSpPr>
+        <p:spPr/>
+        <p:txBody>
+          <a:bodyPr/>
+          <a:lstStyle/>
+          <a:p>
+            <a:r>
+              <a:rPr lang="en-US" sz="4400" cap="none" spc="0" dirty="0" smtClean="0">
+                <a:solidFill>
+                  <a:prstClr val="white"/>
+                </a:solidFill>
+                <a:latin typeface="Calibri"/>
+              </a:rPr>
+              <a:t>Directions for Future Work</a:t>
+            </a:r>
+            <a:endParaRPr lang="en-US" dirty="0"/>
+          </a:p>
+        </p:txBody>
+      </p:sp>
+      <p:sp>
+        <p:nvSpPr>
+          <p:cNvPr id="3" name="Content Placeholder 2"/>
+          <p:cNvSpPr>
+            <a:spLocks noGrp="1"/>
+          </p:cNvSpPr>
+          <p:nvPr>
+            <p:ph sz="quarter" idx="13"/>
+          </p:nvPr>
+        </p:nvSpPr>
+        <p:spPr/>
+        <p:txBody>
+          <a:bodyPr>
+            <a:normAutofit fontScale="92500" lnSpcReduction="20000"/>
+          </a:bodyPr>
+          <a:lstStyle/>
+          <a:p>
+            <a:r>
+              <a:rPr lang="en-US" sz="3000" dirty="0" smtClean="0">
+                <a:latin typeface="Calibri" pitchFamily="34" charset="0"/>
+              </a:rPr>
+              <a:t>This implementation worked only with single melodies</a:t>
+            </a:r>
+          </a:p>
+          <a:p>
+            <a:r>
+              <a:rPr lang="en-US" sz="3000" dirty="0" smtClean="0">
+                <a:latin typeface="Calibri" pitchFamily="34" charset="0"/>
+              </a:rPr>
+              <a:t>It could be expanded to work with multiple tracked MIDI files</a:t>
+            </a:r>
+            <a:endParaRPr lang="en-US" sz="3000" dirty="0">
+              <a:latin typeface="Calibri" pitchFamily="34" charset="0"/>
+            </a:endParaRPr>
+          </a:p>
+          <a:p>
+            <a:r>
+              <a:rPr lang="en-US" sz="3000" dirty="0" smtClean="0">
+                <a:latin typeface="Calibri" pitchFamily="34" charset="0"/>
+              </a:rPr>
+              <a:t>An expansion could be done to provide guidance to the reconstruction algorithm to determine how the song should be reconstructed</a:t>
+            </a:r>
+          </a:p>
+          <a:p>
+            <a:r>
+              <a:rPr lang="en-US" sz="3000" dirty="0" smtClean="0">
+                <a:latin typeface="Calibri" pitchFamily="34" charset="0"/>
+              </a:rPr>
+              <a:t>This would allow patterns and sequences to be defined by the user which would allow for actual songs to be created</a:t>
+            </a:r>
+          </a:p>
+        </p:txBody>
+      </p:sp>
+    </p:spTree>
+    <p:extLst>
+      <p:ext uri="{BB962C8B-B14F-4D97-AF65-F5344CB8AC3E}">
+        <p14:creationId xmlns:p14="http://schemas.microsoft.com/office/powerpoint/2010/main" val="899118722"/>
+      </p:ext>
+    </p:extLst>
+  </p:cSld>
+  <p:clrMapOvr>
+    <a:masterClrMapping/>
+  </p:clrMapOvr>
+  <p:timing>
+    <p:tnLst>
+      <p:par>
+        <p:cTn id="1" dur="indefinite" restart="never" nodeType="tmRoot">
+          <p:childTnLst>
+            <p:seq concurrent="1" nextAc="seek">
+              <p:cTn id="2" dur="indefinite" nodeType="mainSeq">
+                <p:childTnLst>
+                  <p:par>
+                    <p:cTn id="3" fill="hold">
+                      <p:stCondLst>
+                        <p:cond delay="indefinite"/>
+                      </p:stCondLst>
+                      <p:childTnLst>
+                        <p:par>
+                          <p:cTn id="4" fill="hold">
+                            <p:stCondLst>
+                              <p:cond delay="0"/>
+                            </p:stCondLst>
+                            <p:childTnLst>
+                              <p:par>
+                                <p:cTn id="5" presetID="42" presetClass="entr" presetSubtype="0" fill="hold" grpId="0" nodeType="clickEffect">
+                                  <p:stCondLst>
+                                    <p:cond delay="0"/>
+                                  </p:stCondLst>
+                                  <p:childTnLst>
+                                    <p:set>
+                                      <p:cBhvr>
+                                        <p:cTn id="6" dur="1" fill="hold">
+                                          <p:stCondLst>
+                                            <p:cond delay="0"/>
+                                          </p:stCondLst>
+                                        </p:cTn>
+                                        <p:tgtEl>
+                                          <p:spTgt spid="3">
+                                            <p:txEl>
+                                              <p:pRg st="0" end="0"/>
+                                            </p:txEl>
+                                          </p:spTgt>
+                                        </p:tgtEl>
+                                        <p:attrNameLst>
+                                          <p:attrName>style.visibility</p:attrName>
+                                        </p:attrNameLst>
+                                      </p:cBhvr>
+                                      <p:to>
+                                        <p:strVal val="visible"/>
+                                      </p:to>
+                                    </p:set>
+                                    <p:animEffect transition="in" filter="fade">
+                                      <p:cBhvr>
+                                        <p:cTn id="7" dur="1000"/>
+                                        <p:tgtEl>
+                                          <p:spTgt spid="3">
+                                            <p:txEl>
+                                              <p:pRg st="0" end="0"/>
+                                            </p:txEl>
+                                          </p:spTgt>
+                                        </p:tgtEl>
+                                      </p:cBhvr>
+                                    </p:animEffect>
+                                    <p:anim calcmode="lin" valueType="num">
+                                      <p:cBhvr>
+                                        <p:cTn id="8" dur="1000" fill="hold"/>
+                                        <p:tgtEl>
+                                          <p:spTgt spid="3">
+                                            <p:txEl>
+                                              <p:pRg st="0" end="0"/>
+                                            </p:txEl>
+                                          </p:spTgt>
+                                        </p:tgtEl>
+                                        <p:attrNameLst>
+                                          <p:attrName>ppt_x</p:attrName>
+                                        </p:attrNameLst>
+                                      </p:cBhvr>
+                                      <p:tavLst>
+                                        <p:tav tm="0">
+                                          <p:val>
+                                            <p:strVal val="#ppt_x"/>
+                                          </p:val>
+                                        </p:tav>
+                                        <p:tav tm="100000">
+                                          <p:val>
+                                            <p:strVal val="#ppt_x"/>
+                                          </p:val>
+                                        </p:tav>
+                                      </p:tavLst>
+                                    </p:anim>
+                                    <p:anim calcmode="lin" valueType="num">
+                                      <p:cBhvr>
+                                        <p:cTn id="9" dur="1000" fill="hold"/>
+                                        <p:tgtEl>
+                                          <p:spTgt spid="3">
+                                            <p:txEl>
+                                              <p:pRg st="0" end="0"/>
+                                            </p:txEl>
+                                          </p:spTgt>
+                                        </p:tgtEl>
+                                        <p:attrNameLst>
+                                          <p:attrName>ppt_y</p:attrName>
+                                        </p:attrNameLst>
+                                      </p:cBhvr>
+                                      <p:tavLst>
+                                        <p:tav tm="0">
+                                          <p:val>
+                                            <p:strVal val="#ppt_y+.1"/>
+                                          </p:val>
+                                        </p:tav>
+                                        <p:tav tm="100000">
+                                          <p:val>
+                                            <p:strVal val="#ppt_y"/>
+                                          </p:val>
+                                        </p:tav>
+                                      </p:tavLst>
+                                    </p:anim>
+                                  </p:childTnLst>
+                                </p:cTn>
+                              </p:par>
+                            </p:childTnLst>
+                          </p:cTn>
+                        </p:par>
+                      </p:childTnLst>
+                    </p:cTn>
+                  </p:par>
+                  <p:par>
+                    <p:cTn id="10" fill="hold">
+                      <p:stCondLst>
+                        <p:cond delay="indefinite"/>
+                      </p:stCondLst>
+                      <p:childTnLst>
+                        <p:par>
+                          <p:cTn id="11" fill="hold">
+                            <p:stCondLst>
+                              <p:cond delay="0"/>
+                            </p:stCondLst>
+                            <p:childTnLst>
+                              <p:par>
+                                <p:cTn id="12" presetID="42" presetClass="entr" presetSubtype="0" fill="hold" grpId="0" nodeType="clickEffect">
+                                  <p:stCondLst>
+                                    <p:cond delay="0"/>
+                                  </p:stCondLst>
+                                  <p:childTnLst>
+                                    <p:set>
+                                      <p:cBhvr>
+                                        <p:cTn id="13" dur="1" fill="hold">
+                                          <p:stCondLst>
+                                            <p:cond delay="0"/>
+                                          </p:stCondLst>
+                                        </p:cTn>
+                                        <p:tgtEl>
+                                          <p:spTgt spid="3">
+                                            <p:txEl>
+                                              <p:pRg st="1" end="1"/>
+                                            </p:txEl>
+                                          </p:spTgt>
+                                        </p:tgtEl>
+                                        <p:attrNameLst>
+                                          <p:attrName>style.visibility</p:attrName>
+                                        </p:attrNameLst>
+                                      </p:cBhvr>
+                                      <p:to>
+                                        <p:strVal val="visible"/>
+                                      </p:to>
+                                    </p:set>
+                                    <p:animEffect transition="in" filter="fade">
+                                      <p:cBhvr>
+                                        <p:cTn id="14" dur="1000"/>
+                                        <p:tgtEl>
+                                          <p:spTgt spid="3">
+                                            <p:txEl>
+                                              <p:pRg st="1" end="1"/>
+                                            </p:txEl>
+                                          </p:spTgt>
+                                        </p:tgtEl>
+                                      </p:cBhvr>
+                                    </p:animEffect>
+                                    <p:anim calcmode="lin" valueType="num">
+                                      <p:cBhvr>
+                                        <p:cTn id="15" dur="1000" fill="hold"/>
+                                        <p:tgtEl>
+                                          <p:spTgt spid="3">
+                                            <p:txEl>
+                                              <p:pRg st="1" end="1"/>
+                                            </p:txEl>
+                                          </p:spTgt>
+                                        </p:tgtEl>
+                                        <p:attrNameLst>
+                                          <p:attrName>ppt_x</p:attrName>
+                                        </p:attrNameLst>
+                                      </p:cBhvr>
+                                      <p:tavLst>
+                                        <p:tav tm="0">
+                                          <p:val>
+                                            <p:strVal val="#ppt_x"/>
+                                          </p:val>
+                                        </p:tav>
+                                        <p:tav tm="100000">
+                                          <p:val>
+                                            <p:strVal val="#ppt_x"/>
+                                          </p:val>
+                                        </p:tav>
+                                      </p:tavLst>
+                                    </p:anim>
+                                    <p:anim calcmode="lin" valueType="num">
+                                      <p:cBhvr>
+                                        <p:cTn id="16" dur="1000" fill="hold"/>
+                                        <p:tgtEl>
+                                          <p:spTgt spid="3">
+                                            <p:txEl>
+                                              <p:pRg st="1" end="1"/>
+                                            </p:txEl>
+                                          </p:spTgt>
+                                        </p:tgtEl>
+                                        <p:attrNameLst>
+                                          <p:attrName>ppt_y</p:attrName>
+                                        </p:attrNameLst>
+                                      </p:cBhvr>
+                                      <p:tavLst>
+                                        <p:tav tm="0">
+                                          <p:val>
+                                            <p:strVal val="#ppt_y+.1"/>
+                                          </p:val>
+                                        </p:tav>
+                                        <p:tav tm="100000">
+                                          <p:val>
+                                            <p:strVal val="#ppt_y"/>
+                                          </p:val>
+                                        </p:tav>
+                                      </p:tavLst>
+                                    </p:anim>
+                                  </p:childTnLst>
+                                </p:cTn>
+                              </p:par>
+                            </p:childTnLst>
+                          </p:cTn>
+                        </p:par>
+                      </p:childTnLst>
+                    </p:cTn>
+                  </p:par>
+                  <p:par>
+                    <p:cTn id="17" fill="hold">
+                      <p:stCondLst>
+                        <p:cond delay="indefinite"/>
+                      </p:stCondLst>
+                      <p:childTnLst>
+                        <p:par>
+                          <p:cTn id="18" fill="hold">
+                            <p:stCondLst>
+                              <p:cond delay="0"/>
+                            </p:stCondLst>
+                            <p:childTnLst>
+                              <p:par>
+                                <p:cTn id="19" presetID="42" presetClass="entr" presetSubtype="0" fill="hold" grpId="0" nodeType="clickEffect">
+                                  <p:stCondLst>
+                                    <p:cond delay="0"/>
+                                  </p:stCondLst>
+                                  <p:childTnLst>
+                                    <p:set>
+                                      <p:cBhvr>
+                                        <p:cTn id="20" dur="1" fill="hold">
+                                          <p:stCondLst>
+                                            <p:cond delay="0"/>
+                                          </p:stCondLst>
+                                        </p:cTn>
+                                        <p:tgtEl>
+                                          <p:spTgt spid="3">
+                                            <p:txEl>
+                                              <p:pRg st="2" end="2"/>
+                                            </p:txEl>
+                                          </p:spTgt>
+                                        </p:tgtEl>
+                                        <p:attrNameLst>
+                                          <p:attrName>style.visibility</p:attrName>
+                                        </p:attrNameLst>
+                                      </p:cBhvr>
+                                      <p:to>
+                                        <p:strVal val="visible"/>
+                                      </p:to>
+                                    </p:set>
+                                    <p:animEffect transition="in" filter="fade">
+                                      <p:cBhvr>
+                                        <p:cTn id="21" dur="1000"/>
+                                        <p:tgtEl>
+                                          <p:spTgt spid="3">
+                                            <p:txEl>
+                                              <p:pRg st="2" end="2"/>
+                                            </p:txEl>
+                                          </p:spTgt>
+                                        </p:tgtEl>
+                                      </p:cBhvr>
+                                    </p:animEffect>
+                                    <p:anim calcmode="lin" valueType="num">
+                                      <p:cBhvr>
+                                        <p:cTn id="22" dur="1000" fill="hold"/>
+                                        <p:tgtEl>
+                                          <p:spTgt spid="3">
+                                            <p:txEl>
+                                              <p:pRg st="2" end="2"/>
+                                            </p:txEl>
+                                          </p:spTgt>
+                                        </p:tgtEl>
+                                        <p:attrNameLst>
+                                          <p:attrName>ppt_x</p:attrName>
+                                        </p:attrNameLst>
+                                      </p:cBhvr>
+                                      <p:tavLst>
+                                        <p:tav tm="0">
+                                          <p:val>
+                                            <p:strVal val="#ppt_x"/>
+                                          </p:val>
+                                        </p:tav>
+                                        <p:tav tm="100000">
+                                          <p:val>
+                                            <p:strVal val="#ppt_x"/>
+                                          </p:val>
+                                        </p:tav>
+                                      </p:tavLst>
+                                    </p:anim>
+                                    <p:anim calcmode="lin" valueType="num">
+                                      <p:cBhvr>
+                                        <p:cTn id="23" dur="1000" fill="hold"/>
+                                        <p:tgtEl>
+                                          <p:spTgt spid="3">
+                                            <p:txEl>
+                                              <p:pRg st="2" end="2"/>
+                                            </p:txEl>
+                                          </p:spTgt>
+                                        </p:tgtEl>
+                                        <p:attrNameLst>
+                                          <p:attrName>ppt_y</p:attrName>
+                                        </p:attrNameLst>
+                                      </p:cBhvr>
+                                      <p:tavLst>
+                                        <p:tav tm="0">
+                                          <p:val>
+                                            <p:strVal val="#ppt_y+.1"/>
+                                          </p:val>
+                                        </p:tav>
+                                        <p:tav tm="100000">
+                                          <p:val>
+                                            <p:strVal val="#ppt_y"/>
+                                          </p:val>
+                                        </p:tav>
+                                      </p:tavLst>
+                                    </p:anim>
+                                  </p:childTnLst>
+                                </p:cTn>
+                              </p:par>
+                            </p:childTnLst>
+                          </p:cTn>
+                        </p:par>
+                      </p:childTnLst>
+                    </p:cTn>
+                  </p:par>
+                  <p:par>
+                    <p:cTn id="24" fill="hold">
+                      <p:stCondLst>
+                        <p:cond delay="indefinite"/>
+                      </p:stCondLst>
+                      <p:childTnLst>
+                        <p:par>
+                          <p:cTn id="25" fill="hold">
+                            <p:stCondLst>
+                              <p:cond delay="0"/>
+                            </p:stCondLst>
+                            <p:childTnLst>
+                              <p:par>
+                                <p:cTn id="26" presetID="42" presetClass="entr" presetSubtype="0" fill="hold" grpId="0" nodeType="clickEffect">
+                                  <p:stCondLst>
+                                    <p:cond delay="0"/>
+                                  </p:stCondLst>
+                                  <p:childTnLst>
+                                    <p:set>
+                                      <p:cBhvr>
+                                        <p:cTn id="27" dur="1" fill="hold">
+                                          <p:stCondLst>
+                                            <p:cond delay="0"/>
+                                          </p:stCondLst>
+                                        </p:cTn>
+                                        <p:tgtEl>
+                                          <p:spTgt spid="3">
+                                            <p:txEl>
+                                              <p:pRg st="3" end="3"/>
+                                            </p:txEl>
+                                          </p:spTgt>
+                                        </p:tgtEl>
+                                        <p:attrNameLst>
+                                          <p:attrName>style.visibility</p:attrName>
+                                        </p:attrNameLst>
+                                      </p:cBhvr>
+                                      <p:to>
+                                        <p:strVal val="visible"/>
+                                      </p:to>
+                                    </p:set>
+                                    <p:animEffect transition="in" filter="fade">
+                                      <p:cBhvr>
+                                        <p:cTn id="28" dur="1000"/>
+                                        <p:tgtEl>
+                                          <p:spTgt spid="3">
+                                            <p:txEl>
+                                              <p:pRg st="3" end="3"/>
+                                            </p:txEl>
+                                          </p:spTgt>
+                                        </p:tgtEl>
+                                      </p:cBhvr>
+                                    </p:animEffect>
+                                    <p:anim calcmode="lin" valueType="num">
+                                      <p:cBhvr>
+                                        <p:cTn id="29" dur="1000" fill="hold"/>
+                                        <p:tgtEl>
+                                          <p:spTgt spid="3">
+                                            <p:txEl>
+                                              <p:pRg st="3" end="3"/>
+                                            </p:txEl>
+                                          </p:spTgt>
+                                        </p:tgtEl>
+                                        <p:attrNameLst>
+                                          <p:attrName>ppt_x</p:attrName>
+                                        </p:attrNameLst>
+                                      </p:cBhvr>
+                                      <p:tavLst>
+                                        <p:tav tm="0">
+                                          <p:val>
+                                            <p:strVal val="#ppt_x"/>
+                                          </p:val>
+                                        </p:tav>
+                                        <p:tav tm="100000">
+                                          <p:val>
+                                            <p:strVal val="#ppt_x"/>
+                                          </p:val>
+                                        </p:tav>
+                                      </p:tavLst>
+                                    </p:anim>
+                                    <p:anim calcmode="lin" valueType="num">
+                                      <p:cBhvr>
+                                        <p:cTn id="30" dur="1000" fill="hold"/>
+                                        <p:tgtEl>
+                                          <p:spTgt spid="3">
+                                            <p:txEl>
+                                              <p:pRg st="3" end="3"/>
+                                            </p:txEl>
+                                          </p:spTgt>
+                                        </p:tgtEl>
+                                        <p:attrNameLst>
+                                          <p:attrName>ppt_y</p:attrName>
+                                        </p:attrNameLst>
+                                      </p:cBhvr>
+                                      <p:tavLst>
+                                        <p:tav tm="0">
+                                          <p:val>
+                                            <p:strVal val="#ppt_y+.1"/>
+                                          </p:val>
+                                        </p:tav>
+                                        <p:tav tm="100000">
+                                          <p:val>
+                                            <p:strVal val="#ppt_y"/>
+                                          </p:val>
+                                        </p:tav>
+                                      </p:tavLst>
+                                    </p:anim>
+                                  </p:childTnLst>
+                                </p:cTn>
+                              </p:par>
+                            </p:childTnLst>
+                          </p:cTn>
+                        </p:par>
+                      </p:childTnLst>
+                    </p:cTn>
+                  </p:par>
+                </p:childTnLst>
+              </p:cTn>
+              <p:prevCondLst>
+                <p:cond evt="onPrev" delay="0">
+                  <p:tgtEl>
+                    <p:sldTgt/>
+                  </p:tgtEl>
+                </p:cond>
+              </p:prevCondLst>
+              <p:nextCondLst>
+                <p:cond evt="onNext" delay="0">
+                  <p:tgtEl>
+                    <p:sldTgt/>
+                  </p:tgtEl>
+                </p:cond>
+              </p:nextCondLst>
+            </p:seq>
+          </p:childTnLst>
+        </p:cTn>
+      </p:par>
+    </p:tnLst>
+    <p:bldLst>
+      <p:bldP spid="3" grpId="0" build="p"/>
+    </p:bldLst>
+  </p:timing>
+</p:sld>
+</file>
+
 <file path=ppt/slides/slide5.xml><?xml version="1.0" encoding="utf-8"?>
 <p:sld xmlns:a="http://schemas.openxmlformats.org/drawingml/2006/main" xmlns:r="http://schemas.openxmlformats.org/officeDocument/2006/relationships" xmlns:p="http://schemas.openxmlformats.org/presentationml/2006/main">
   <p:cSld>
@@ -13138,6 +13356,1169 @@
           <a:lstStyle/>
           <a:p>
             <a:r>
+              <a:rPr lang="en-US" sz="4400" cap="none" spc="0" dirty="0" smtClean="0">
+                <a:solidFill>
+                  <a:prstClr val="white"/>
+                </a:solidFill>
+                <a:latin typeface="Calibri"/>
+              </a:rPr>
+              <a:t>What is a Genetic Algorithm?</a:t>
+            </a:r>
+            <a:endParaRPr lang="en-US" dirty="0"/>
+          </a:p>
+        </p:txBody>
+      </p:sp>
+      <p:sp>
+        <p:nvSpPr>
+          <p:cNvPr id="3" name="Content Placeholder 2"/>
+          <p:cNvSpPr>
+            <a:spLocks noGrp="1"/>
+          </p:cNvSpPr>
+          <p:nvPr>
+            <p:ph sz="quarter" idx="13"/>
+          </p:nvPr>
+        </p:nvSpPr>
+        <p:spPr/>
+        <p:txBody>
+          <a:bodyPr>
+            <a:normAutofit/>
+          </a:bodyPr>
+          <a:lstStyle/>
+          <a:p>
+            <a:pPr lvl="0">
+              <a:spcAft>
+                <a:spcPts val="0"/>
+              </a:spcAft>
+              <a:buClrTx/>
+            </a:pPr>
+            <a:r>
+              <a:rPr lang="en-US" sz="2000" spc="0" dirty="0" smtClean="0">
+                <a:solidFill>
+                  <a:prstClr val="white"/>
+                </a:solidFill>
+                <a:latin typeface="Calibri"/>
+              </a:rPr>
+              <a:t>Searching technique where a population of solutions is evolved over time</a:t>
+            </a:r>
+          </a:p>
+          <a:p>
+            <a:pPr lvl="0">
+              <a:spcAft>
+                <a:spcPts val="0"/>
+              </a:spcAft>
+              <a:buClrTx/>
+            </a:pPr>
+            <a:r>
+              <a:rPr lang="en-US" sz="2000" spc="0" dirty="0" smtClean="0">
+                <a:solidFill>
+                  <a:prstClr val="white"/>
+                </a:solidFill>
+                <a:latin typeface="Calibri"/>
+              </a:rPr>
+              <a:t>Key components include:</a:t>
+            </a:r>
+          </a:p>
+          <a:p>
+            <a:pPr lvl="1">
+              <a:spcAft>
+                <a:spcPts val="0"/>
+              </a:spcAft>
+              <a:buClrTx/>
+            </a:pPr>
+            <a:r>
+              <a:rPr lang="en-US" spc="0" dirty="0" smtClean="0">
+                <a:solidFill>
+                  <a:prstClr val="white"/>
+                </a:solidFill>
+                <a:latin typeface="Calibri"/>
+              </a:rPr>
+              <a:t>Representation of a solution as a chromosome</a:t>
+            </a:r>
+          </a:p>
+          <a:p>
+            <a:pPr lvl="1">
+              <a:spcAft>
+                <a:spcPts val="0"/>
+              </a:spcAft>
+              <a:buClrTx/>
+            </a:pPr>
+            <a:r>
+              <a:rPr lang="en-US" spc="0" dirty="0" smtClean="0">
+                <a:solidFill>
+                  <a:prstClr val="white"/>
+                </a:solidFill>
+                <a:latin typeface="Calibri"/>
+              </a:rPr>
+              <a:t>Selecting which chromosomes to cross over</a:t>
+            </a:r>
+          </a:p>
+          <a:p>
+            <a:pPr lvl="1">
+              <a:spcAft>
+                <a:spcPts val="0"/>
+              </a:spcAft>
+              <a:buClrTx/>
+            </a:pPr>
+            <a:r>
+              <a:rPr lang="en-US" spc="0" dirty="0" smtClean="0">
+                <a:solidFill>
+                  <a:prstClr val="white"/>
+                </a:solidFill>
+                <a:latin typeface="Calibri"/>
+              </a:rPr>
+              <a:t>How to cross over 2 chromosomes</a:t>
+            </a:r>
+          </a:p>
+          <a:p>
+            <a:pPr lvl="1">
+              <a:spcAft>
+                <a:spcPts val="0"/>
+              </a:spcAft>
+              <a:buClrTx/>
+            </a:pPr>
+            <a:r>
+              <a:rPr lang="en-US" spc="0" dirty="0" smtClean="0">
+                <a:solidFill>
+                  <a:prstClr val="white"/>
+                </a:solidFill>
+                <a:latin typeface="Calibri"/>
+              </a:rPr>
+              <a:t>How a chromosome can mutate</a:t>
+            </a:r>
+          </a:p>
+          <a:p>
+            <a:pPr lvl="1">
+              <a:spcAft>
+                <a:spcPts val="0"/>
+              </a:spcAft>
+              <a:buClrTx/>
+            </a:pPr>
+            <a:r>
+              <a:rPr lang="en-US" spc="0" dirty="0" smtClean="0">
+                <a:solidFill>
+                  <a:prstClr val="white"/>
+                </a:solidFill>
+                <a:latin typeface="Calibri"/>
+              </a:rPr>
+              <a:t>How a chromosome should be scored</a:t>
+            </a:r>
+          </a:p>
+          <a:p>
+            <a:pPr lvl="1">
+              <a:spcAft>
+                <a:spcPts val="0"/>
+              </a:spcAft>
+              <a:buClrTx/>
+            </a:pPr>
+            <a:r>
+              <a:rPr lang="en-US" spc="0" dirty="0" smtClean="0">
+                <a:solidFill>
+                  <a:prstClr val="white"/>
+                </a:solidFill>
+                <a:latin typeface="Calibri"/>
+              </a:rPr>
+              <a:t>When the end the algorithm?</a:t>
+            </a:r>
+            <a:endParaRPr lang="en-US" dirty="0"/>
+          </a:p>
+        </p:txBody>
+      </p:sp>
+    </p:spTree>
+    <p:extLst>
+      <p:ext uri="{BB962C8B-B14F-4D97-AF65-F5344CB8AC3E}">
+        <p14:creationId xmlns:p14="http://schemas.microsoft.com/office/powerpoint/2010/main" val="2823032465"/>
+      </p:ext>
+    </p:extLst>
+  </p:cSld>
+  <p:clrMapOvr>
+    <a:masterClrMapping/>
+  </p:clrMapOvr>
+  <p:timing>
+    <p:tnLst>
+      <p:par>
+        <p:cTn id="1" dur="indefinite" restart="never" nodeType="tmRoot">
+          <p:childTnLst>
+            <p:seq concurrent="1" nextAc="seek">
+              <p:cTn id="2" dur="indefinite" nodeType="mainSeq">
+                <p:childTnLst>
+                  <p:par>
+                    <p:cTn id="3" fill="hold">
+                      <p:stCondLst>
+                        <p:cond delay="indefinite"/>
+                      </p:stCondLst>
+                      <p:childTnLst>
+                        <p:par>
+                          <p:cTn id="4" fill="hold">
+                            <p:stCondLst>
+                              <p:cond delay="0"/>
+                            </p:stCondLst>
+                            <p:childTnLst>
+                              <p:par>
+                                <p:cTn id="5" presetID="42" presetClass="entr" presetSubtype="0" fill="hold" nodeType="clickEffect">
+                                  <p:stCondLst>
+                                    <p:cond delay="0"/>
+                                  </p:stCondLst>
+                                  <p:childTnLst>
+                                    <p:set>
+                                      <p:cBhvr>
+                                        <p:cTn id="6" dur="1" fill="hold">
+                                          <p:stCondLst>
+                                            <p:cond delay="0"/>
+                                          </p:stCondLst>
+                                        </p:cTn>
+                                        <p:tgtEl>
+                                          <p:spTgt spid="3">
+                                            <p:txEl>
+                                              <p:pRg st="0" end="0"/>
+                                            </p:txEl>
+                                          </p:spTgt>
+                                        </p:tgtEl>
+                                        <p:attrNameLst>
+                                          <p:attrName>style.visibility</p:attrName>
+                                        </p:attrNameLst>
+                                      </p:cBhvr>
+                                      <p:to>
+                                        <p:strVal val="visible"/>
+                                      </p:to>
+                                    </p:set>
+                                    <p:animEffect transition="in" filter="fade">
+                                      <p:cBhvr>
+                                        <p:cTn id="7" dur="1000"/>
+                                        <p:tgtEl>
+                                          <p:spTgt spid="3">
+                                            <p:txEl>
+                                              <p:pRg st="0" end="0"/>
+                                            </p:txEl>
+                                          </p:spTgt>
+                                        </p:tgtEl>
+                                      </p:cBhvr>
+                                    </p:animEffect>
+                                    <p:anim calcmode="lin" valueType="num">
+                                      <p:cBhvr>
+                                        <p:cTn id="8" dur="1000" fill="hold"/>
+                                        <p:tgtEl>
+                                          <p:spTgt spid="3">
+                                            <p:txEl>
+                                              <p:pRg st="0" end="0"/>
+                                            </p:txEl>
+                                          </p:spTgt>
+                                        </p:tgtEl>
+                                        <p:attrNameLst>
+                                          <p:attrName>ppt_x</p:attrName>
+                                        </p:attrNameLst>
+                                      </p:cBhvr>
+                                      <p:tavLst>
+                                        <p:tav tm="0">
+                                          <p:val>
+                                            <p:strVal val="#ppt_x"/>
+                                          </p:val>
+                                        </p:tav>
+                                        <p:tav tm="100000">
+                                          <p:val>
+                                            <p:strVal val="#ppt_x"/>
+                                          </p:val>
+                                        </p:tav>
+                                      </p:tavLst>
+                                    </p:anim>
+                                    <p:anim calcmode="lin" valueType="num">
+                                      <p:cBhvr>
+                                        <p:cTn id="9" dur="1000" fill="hold"/>
+                                        <p:tgtEl>
+                                          <p:spTgt spid="3">
+                                            <p:txEl>
+                                              <p:pRg st="0" end="0"/>
+                                            </p:txEl>
+                                          </p:spTgt>
+                                        </p:tgtEl>
+                                        <p:attrNameLst>
+                                          <p:attrName>ppt_y</p:attrName>
+                                        </p:attrNameLst>
+                                      </p:cBhvr>
+                                      <p:tavLst>
+                                        <p:tav tm="0">
+                                          <p:val>
+                                            <p:strVal val="#ppt_y+.1"/>
+                                          </p:val>
+                                        </p:tav>
+                                        <p:tav tm="100000">
+                                          <p:val>
+                                            <p:strVal val="#ppt_y"/>
+                                          </p:val>
+                                        </p:tav>
+                                      </p:tavLst>
+                                    </p:anim>
+                                  </p:childTnLst>
+                                </p:cTn>
+                              </p:par>
+                            </p:childTnLst>
+                          </p:cTn>
+                        </p:par>
+                      </p:childTnLst>
+                    </p:cTn>
+                  </p:par>
+                  <p:par>
+                    <p:cTn id="10" fill="hold">
+                      <p:stCondLst>
+                        <p:cond delay="indefinite"/>
+                      </p:stCondLst>
+                      <p:childTnLst>
+                        <p:par>
+                          <p:cTn id="11" fill="hold">
+                            <p:stCondLst>
+                              <p:cond delay="0"/>
+                            </p:stCondLst>
+                            <p:childTnLst>
+                              <p:par>
+                                <p:cTn id="12" presetID="42" presetClass="entr" presetSubtype="0" fill="hold" nodeType="clickEffect">
+                                  <p:stCondLst>
+                                    <p:cond delay="0"/>
+                                  </p:stCondLst>
+                                  <p:childTnLst>
+                                    <p:set>
+                                      <p:cBhvr>
+                                        <p:cTn id="13" dur="1" fill="hold">
+                                          <p:stCondLst>
+                                            <p:cond delay="0"/>
+                                          </p:stCondLst>
+                                        </p:cTn>
+                                        <p:tgtEl>
+                                          <p:spTgt spid="3">
+                                            <p:txEl>
+                                              <p:pRg st="1" end="1"/>
+                                            </p:txEl>
+                                          </p:spTgt>
+                                        </p:tgtEl>
+                                        <p:attrNameLst>
+                                          <p:attrName>style.visibility</p:attrName>
+                                        </p:attrNameLst>
+                                      </p:cBhvr>
+                                      <p:to>
+                                        <p:strVal val="visible"/>
+                                      </p:to>
+                                    </p:set>
+                                    <p:animEffect transition="in" filter="fade">
+                                      <p:cBhvr>
+                                        <p:cTn id="14" dur="1000"/>
+                                        <p:tgtEl>
+                                          <p:spTgt spid="3">
+                                            <p:txEl>
+                                              <p:pRg st="1" end="1"/>
+                                            </p:txEl>
+                                          </p:spTgt>
+                                        </p:tgtEl>
+                                      </p:cBhvr>
+                                    </p:animEffect>
+                                    <p:anim calcmode="lin" valueType="num">
+                                      <p:cBhvr>
+                                        <p:cTn id="15" dur="1000" fill="hold"/>
+                                        <p:tgtEl>
+                                          <p:spTgt spid="3">
+                                            <p:txEl>
+                                              <p:pRg st="1" end="1"/>
+                                            </p:txEl>
+                                          </p:spTgt>
+                                        </p:tgtEl>
+                                        <p:attrNameLst>
+                                          <p:attrName>ppt_x</p:attrName>
+                                        </p:attrNameLst>
+                                      </p:cBhvr>
+                                      <p:tavLst>
+                                        <p:tav tm="0">
+                                          <p:val>
+                                            <p:strVal val="#ppt_x"/>
+                                          </p:val>
+                                        </p:tav>
+                                        <p:tav tm="100000">
+                                          <p:val>
+                                            <p:strVal val="#ppt_x"/>
+                                          </p:val>
+                                        </p:tav>
+                                      </p:tavLst>
+                                    </p:anim>
+                                    <p:anim calcmode="lin" valueType="num">
+                                      <p:cBhvr>
+                                        <p:cTn id="16" dur="1000" fill="hold"/>
+                                        <p:tgtEl>
+                                          <p:spTgt spid="3">
+                                            <p:txEl>
+                                              <p:pRg st="1" end="1"/>
+                                            </p:txEl>
+                                          </p:spTgt>
+                                        </p:tgtEl>
+                                        <p:attrNameLst>
+                                          <p:attrName>ppt_y</p:attrName>
+                                        </p:attrNameLst>
+                                      </p:cBhvr>
+                                      <p:tavLst>
+                                        <p:tav tm="0">
+                                          <p:val>
+                                            <p:strVal val="#ppt_y+.1"/>
+                                          </p:val>
+                                        </p:tav>
+                                        <p:tav tm="100000">
+                                          <p:val>
+                                            <p:strVal val="#ppt_y"/>
+                                          </p:val>
+                                        </p:tav>
+                                      </p:tavLst>
+                                    </p:anim>
+                                  </p:childTnLst>
+                                </p:cTn>
+                              </p:par>
+                            </p:childTnLst>
+                          </p:cTn>
+                        </p:par>
+                      </p:childTnLst>
+                    </p:cTn>
+                  </p:par>
+                  <p:par>
+                    <p:cTn id="17" fill="hold">
+                      <p:stCondLst>
+                        <p:cond delay="indefinite"/>
+                      </p:stCondLst>
+                      <p:childTnLst>
+                        <p:par>
+                          <p:cTn id="18" fill="hold">
+                            <p:stCondLst>
+                              <p:cond delay="0"/>
+                            </p:stCondLst>
+                            <p:childTnLst>
+                              <p:par>
+                                <p:cTn id="19" presetID="42" presetClass="entr" presetSubtype="0" fill="hold" nodeType="clickEffect">
+                                  <p:stCondLst>
+                                    <p:cond delay="0"/>
+                                  </p:stCondLst>
+                                  <p:childTnLst>
+                                    <p:set>
+                                      <p:cBhvr>
+                                        <p:cTn id="20" dur="1" fill="hold">
+                                          <p:stCondLst>
+                                            <p:cond delay="0"/>
+                                          </p:stCondLst>
+                                        </p:cTn>
+                                        <p:tgtEl>
+                                          <p:spTgt spid="3">
+                                            <p:txEl>
+                                              <p:pRg st="2" end="2"/>
+                                            </p:txEl>
+                                          </p:spTgt>
+                                        </p:tgtEl>
+                                        <p:attrNameLst>
+                                          <p:attrName>style.visibility</p:attrName>
+                                        </p:attrNameLst>
+                                      </p:cBhvr>
+                                      <p:to>
+                                        <p:strVal val="visible"/>
+                                      </p:to>
+                                    </p:set>
+                                    <p:animEffect transition="in" filter="fade">
+                                      <p:cBhvr>
+                                        <p:cTn id="21" dur="1000"/>
+                                        <p:tgtEl>
+                                          <p:spTgt spid="3">
+                                            <p:txEl>
+                                              <p:pRg st="2" end="2"/>
+                                            </p:txEl>
+                                          </p:spTgt>
+                                        </p:tgtEl>
+                                      </p:cBhvr>
+                                    </p:animEffect>
+                                    <p:anim calcmode="lin" valueType="num">
+                                      <p:cBhvr>
+                                        <p:cTn id="22" dur="1000" fill="hold"/>
+                                        <p:tgtEl>
+                                          <p:spTgt spid="3">
+                                            <p:txEl>
+                                              <p:pRg st="2" end="2"/>
+                                            </p:txEl>
+                                          </p:spTgt>
+                                        </p:tgtEl>
+                                        <p:attrNameLst>
+                                          <p:attrName>ppt_x</p:attrName>
+                                        </p:attrNameLst>
+                                      </p:cBhvr>
+                                      <p:tavLst>
+                                        <p:tav tm="0">
+                                          <p:val>
+                                            <p:strVal val="#ppt_x"/>
+                                          </p:val>
+                                        </p:tav>
+                                        <p:tav tm="100000">
+                                          <p:val>
+                                            <p:strVal val="#ppt_x"/>
+                                          </p:val>
+                                        </p:tav>
+                                      </p:tavLst>
+                                    </p:anim>
+                                    <p:anim calcmode="lin" valueType="num">
+                                      <p:cBhvr>
+                                        <p:cTn id="23" dur="1000" fill="hold"/>
+                                        <p:tgtEl>
+                                          <p:spTgt spid="3">
+                                            <p:txEl>
+                                              <p:pRg st="2" end="2"/>
+                                            </p:txEl>
+                                          </p:spTgt>
+                                        </p:tgtEl>
+                                        <p:attrNameLst>
+                                          <p:attrName>ppt_y</p:attrName>
+                                        </p:attrNameLst>
+                                      </p:cBhvr>
+                                      <p:tavLst>
+                                        <p:tav tm="0">
+                                          <p:val>
+                                            <p:strVal val="#ppt_y+.1"/>
+                                          </p:val>
+                                        </p:tav>
+                                        <p:tav tm="100000">
+                                          <p:val>
+                                            <p:strVal val="#ppt_y"/>
+                                          </p:val>
+                                        </p:tav>
+                                      </p:tavLst>
+                                    </p:anim>
+                                  </p:childTnLst>
+                                </p:cTn>
+                              </p:par>
+                            </p:childTnLst>
+                          </p:cTn>
+                        </p:par>
+                      </p:childTnLst>
+                    </p:cTn>
+                  </p:par>
+                  <p:par>
+                    <p:cTn id="24" fill="hold">
+                      <p:stCondLst>
+                        <p:cond delay="indefinite"/>
+                      </p:stCondLst>
+                      <p:childTnLst>
+                        <p:par>
+                          <p:cTn id="25" fill="hold">
+                            <p:stCondLst>
+                              <p:cond delay="0"/>
+                            </p:stCondLst>
+                            <p:childTnLst>
+                              <p:par>
+                                <p:cTn id="26" presetID="42" presetClass="entr" presetSubtype="0" fill="hold" nodeType="clickEffect">
+                                  <p:stCondLst>
+                                    <p:cond delay="0"/>
+                                  </p:stCondLst>
+                                  <p:childTnLst>
+                                    <p:set>
+                                      <p:cBhvr>
+                                        <p:cTn id="27" dur="1" fill="hold">
+                                          <p:stCondLst>
+                                            <p:cond delay="0"/>
+                                          </p:stCondLst>
+                                        </p:cTn>
+                                        <p:tgtEl>
+                                          <p:spTgt spid="3">
+                                            <p:txEl>
+                                              <p:pRg st="3" end="3"/>
+                                            </p:txEl>
+                                          </p:spTgt>
+                                        </p:tgtEl>
+                                        <p:attrNameLst>
+                                          <p:attrName>style.visibility</p:attrName>
+                                        </p:attrNameLst>
+                                      </p:cBhvr>
+                                      <p:to>
+                                        <p:strVal val="visible"/>
+                                      </p:to>
+                                    </p:set>
+                                    <p:animEffect transition="in" filter="fade">
+                                      <p:cBhvr>
+                                        <p:cTn id="28" dur="1000"/>
+                                        <p:tgtEl>
+                                          <p:spTgt spid="3">
+                                            <p:txEl>
+                                              <p:pRg st="3" end="3"/>
+                                            </p:txEl>
+                                          </p:spTgt>
+                                        </p:tgtEl>
+                                      </p:cBhvr>
+                                    </p:animEffect>
+                                    <p:anim calcmode="lin" valueType="num">
+                                      <p:cBhvr>
+                                        <p:cTn id="29" dur="1000" fill="hold"/>
+                                        <p:tgtEl>
+                                          <p:spTgt spid="3">
+                                            <p:txEl>
+                                              <p:pRg st="3" end="3"/>
+                                            </p:txEl>
+                                          </p:spTgt>
+                                        </p:tgtEl>
+                                        <p:attrNameLst>
+                                          <p:attrName>ppt_x</p:attrName>
+                                        </p:attrNameLst>
+                                      </p:cBhvr>
+                                      <p:tavLst>
+                                        <p:tav tm="0">
+                                          <p:val>
+                                            <p:strVal val="#ppt_x"/>
+                                          </p:val>
+                                        </p:tav>
+                                        <p:tav tm="100000">
+                                          <p:val>
+                                            <p:strVal val="#ppt_x"/>
+                                          </p:val>
+                                        </p:tav>
+                                      </p:tavLst>
+                                    </p:anim>
+                                    <p:anim calcmode="lin" valueType="num">
+                                      <p:cBhvr>
+                                        <p:cTn id="30" dur="1000" fill="hold"/>
+                                        <p:tgtEl>
+                                          <p:spTgt spid="3">
+                                            <p:txEl>
+                                              <p:pRg st="3" end="3"/>
+                                            </p:txEl>
+                                          </p:spTgt>
+                                        </p:tgtEl>
+                                        <p:attrNameLst>
+                                          <p:attrName>ppt_y</p:attrName>
+                                        </p:attrNameLst>
+                                      </p:cBhvr>
+                                      <p:tavLst>
+                                        <p:tav tm="0">
+                                          <p:val>
+                                            <p:strVal val="#ppt_y+.1"/>
+                                          </p:val>
+                                        </p:tav>
+                                        <p:tav tm="100000">
+                                          <p:val>
+                                            <p:strVal val="#ppt_y"/>
+                                          </p:val>
+                                        </p:tav>
+                                      </p:tavLst>
+                                    </p:anim>
+                                  </p:childTnLst>
+                                </p:cTn>
+                              </p:par>
+                            </p:childTnLst>
+                          </p:cTn>
+                        </p:par>
+                      </p:childTnLst>
+                    </p:cTn>
+                  </p:par>
+                  <p:par>
+                    <p:cTn id="31" fill="hold">
+                      <p:stCondLst>
+                        <p:cond delay="indefinite"/>
+                      </p:stCondLst>
+                      <p:childTnLst>
+                        <p:par>
+                          <p:cTn id="32" fill="hold">
+                            <p:stCondLst>
+                              <p:cond delay="0"/>
+                            </p:stCondLst>
+                            <p:childTnLst>
+                              <p:par>
+                                <p:cTn id="33" presetID="42" presetClass="entr" presetSubtype="0" fill="hold" nodeType="clickEffect">
+                                  <p:stCondLst>
+                                    <p:cond delay="0"/>
+                                  </p:stCondLst>
+                                  <p:childTnLst>
+                                    <p:set>
+                                      <p:cBhvr>
+                                        <p:cTn id="34" dur="1" fill="hold">
+                                          <p:stCondLst>
+                                            <p:cond delay="0"/>
+                                          </p:stCondLst>
+                                        </p:cTn>
+                                        <p:tgtEl>
+                                          <p:spTgt spid="3">
+                                            <p:txEl>
+                                              <p:pRg st="4" end="4"/>
+                                            </p:txEl>
+                                          </p:spTgt>
+                                        </p:tgtEl>
+                                        <p:attrNameLst>
+                                          <p:attrName>style.visibility</p:attrName>
+                                        </p:attrNameLst>
+                                      </p:cBhvr>
+                                      <p:to>
+                                        <p:strVal val="visible"/>
+                                      </p:to>
+                                    </p:set>
+                                    <p:animEffect transition="in" filter="fade">
+                                      <p:cBhvr>
+                                        <p:cTn id="35" dur="1000"/>
+                                        <p:tgtEl>
+                                          <p:spTgt spid="3">
+                                            <p:txEl>
+                                              <p:pRg st="4" end="4"/>
+                                            </p:txEl>
+                                          </p:spTgt>
+                                        </p:tgtEl>
+                                      </p:cBhvr>
+                                    </p:animEffect>
+                                    <p:anim calcmode="lin" valueType="num">
+                                      <p:cBhvr>
+                                        <p:cTn id="36" dur="1000" fill="hold"/>
+                                        <p:tgtEl>
+                                          <p:spTgt spid="3">
+                                            <p:txEl>
+                                              <p:pRg st="4" end="4"/>
+                                            </p:txEl>
+                                          </p:spTgt>
+                                        </p:tgtEl>
+                                        <p:attrNameLst>
+                                          <p:attrName>ppt_x</p:attrName>
+                                        </p:attrNameLst>
+                                      </p:cBhvr>
+                                      <p:tavLst>
+                                        <p:tav tm="0">
+                                          <p:val>
+                                            <p:strVal val="#ppt_x"/>
+                                          </p:val>
+                                        </p:tav>
+                                        <p:tav tm="100000">
+                                          <p:val>
+                                            <p:strVal val="#ppt_x"/>
+                                          </p:val>
+                                        </p:tav>
+                                      </p:tavLst>
+                                    </p:anim>
+                                    <p:anim calcmode="lin" valueType="num">
+                                      <p:cBhvr>
+                                        <p:cTn id="37" dur="1000" fill="hold"/>
+                                        <p:tgtEl>
+                                          <p:spTgt spid="3">
+                                            <p:txEl>
+                                              <p:pRg st="4" end="4"/>
+                                            </p:txEl>
+                                          </p:spTgt>
+                                        </p:tgtEl>
+                                        <p:attrNameLst>
+                                          <p:attrName>ppt_y</p:attrName>
+                                        </p:attrNameLst>
+                                      </p:cBhvr>
+                                      <p:tavLst>
+                                        <p:tav tm="0">
+                                          <p:val>
+                                            <p:strVal val="#ppt_y+.1"/>
+                                          </p:val>
+                                        </p:tav>
+                                        <p:tav tm="100000">
+                                          <p:val>
+                                            <p:strVal val="#ppt_y"/>
+                                          </p:val>
+                                        </p:tav>
+                                      </p:tavLst>
+                                    </p:anim>
+                                  </p:childTnLst>
+                                </p:cTn>
+                              </p:par>
+                            </p:childTnLst>
+                          </p:cTn>
+                        </p:par>
+                      </p:childTnLst>
+                    </p:cTn>
+                  </p:par>
+                  <p:par>
+                    <p:cTn id="38" fill="hold">
+                      <p:stCondLst>
+                        <p:cond delay="indefinite"/>
+                      </p:stCondLst>
+                      <p:childTnLst>
+                        <p:par>
+                          <p:cTn id="39" fill="hold">
+                            <p:stCondLst>
+                              <p:cond delay="0"/>
+                            </p:stCondLst>
+                            <p:childTnLst>
+                              <p:par>
+                                <p:cTn id="40" presetID="42" presetClass="entr" presetSubtype="0" fill="hold" nodeType="clickEffect">
+                                  <p:stCondLst>
+                                    <p:cond delay="0"/>
+                                  </p:stCondLst>
+                                  <p:childTnLst>
+                                    <p:set>
+                                      <p:cBhvr>
+                                        <p:cTn id="41" dur="1" fill="hold">
+                                          <p:stCondLst>
+                                            <p:cond delay="0"/>
+                                          </p:stCondLst>
+                                        </p:cTn>
+                                        <p:tgtEl>
+                                          <p:spTgt spid="3">
+                                            <p:txEl>
+                                              <p:pRg st="5" end="5"/>
+                                            </p:txEl>
+                                          </p:spTgt>
+                                        </p:tgtEl>
+                                        <p:attrNameLst>
+                                          <p:attrName>style.visibility</p:attrName>
+                                        </p:attrNameLst>
+                                      </p:cBhvr>
+                                      <p:to>
+                                        <p:strVal val="visible"/>
+                                      </p:to>
+                                    </p:set>
+                                    <p:animEffect transition="in" filter="fade">
+                                      <p:cBhvr>
+                                        <p:cTn id="42" dur="1000"/>
+                                        <p:tgtEl>
+                                          <p:spTgt spid="3">
+                                            <p:txEl>
+                                              <p:pRg st="5" end="5"/>
+                                            </p:txEl>
+                                          </p:spTgt>
+                                        </p:tgtEl>
+                                      </p:cBhvr>
+                                    </p:animEffect>
+                                    <p:anim calcmode="lin" valueType="num">
+                                      <p:cBhvr>
+                                        <p:cTn id="43" dur="1000" fill="hold"/>
+                                        <p:tgtEl>
+                                          <p:spTgt spid="3">
+                                            <p:txEl>
+                                              <p:pRg st="5" end="5"/>
+                                            </p:txEl>
+                                          </p:spTgt>
+                                        </p:tgtEl>
+                                        <p:attrNameLst>
+                                          <p:attrName>ppt_x</p:attrName>
+                                        </p:attrNameLst>
+                                      </p:cBhvr>
+                                      <p:tavLst>
+                                        <p:tav tm="0">
+                                          <p:val>
+                                            <p:strVal val="#ppt_x"/>
+                                          </p:val>
+                                        </p:tav>
+                                        <p:tav tm="100000">
+                                          <p:val>
+                                            <p:strVal val="#ppt_x"/>
+                                          </p:val>
+                                        </p:tav>
+                                      </p:tavLst>
+                                    </p:anim>
+                                    <p:anim calcmode="lin" valueType="num">
+                                      <p:cBhvr>
+                                        <p:cTn id="44" dur="1000" fill="hold"/>
+                                        <p:tgtEl>
+                                          <p:spTgt spid="3">
+                                            <p:txEl>
+                                              <p:pRg st="5" end="5"/>
+                                            </p:txEl>
+                                          </p:spTgt>
+                                        </p:tgtEl>
+                                        <p:attrNameLst>
+                                          <p:attrName>ppt_y</p:attrName>
+                                        </p:attrNameLst>
+                                      </p:cBhvr>
+                                      <p:tavLst>
+                                        <p:tav tm="0">
+                                          <p:val>
+                                            <p:strVal val="#ppt_y+.1"/>
+                                          </p:val>
+                                        </p:tav>
+                                        <p:tav tm="100000">
+                                          <p:val>
+                                            <p:strVal val="#ppt_y"/>
+                                          </p:val>
+                                        </p:tav>
+                                      </p:tavLst>
+                                    </p:anim>
+                                  </p:childTnLst>
+                                </p:cTn>
+                              </p:par>
+                            </p:childTnLst>
+                          </p:cTn>
+                        </p:par>
+                      </p:childTnLst>
+                    </p:cTn>
+                  </p:par>
+                  <p:par>
+                    <p:cTn id="45" fill="hold">
+                      <p:stCondLst>
+                        <p:cond delay="indefinite"/>
+                      </p:stCondLst>
+                      <p:childTnLst>
+                        <p:par>
+                          <p:cTn id="46" fill="hold">
+                            <p:stCondLst>
+                              <p:cond delay="0"/>
+                            </p:stCondLst>
+                            <p:childTnLst>
+                              <p:par>
+                                <p:cTn id="47" presetID="42" presetClass="entr" presetSubtype="0" fill="hold" nodeType="clickEffect">
+                                  <p:stCondLst>
+                                    <p:cond delay="0"/>
+                                  </p:stCondLst>
+                                  <p:childTnLst>
+                                    <p:set>
+                                      <p:cBhvr>
+                                        <p:cTn id="48" dur="1" fill="hold">
+                                          <p:stCondLst>
+                                            <p:cond delay="0"/>
+                                          </p:stCondLst>
+                                        </p:cTn>
+                                        <p:tgtEl>
+                                          <p:spTgt spid="3">
+                                            <p:txEl>
+                                              <p:pRg st="6" end="6"/>
+                                            </p:txEl>
+                                          </p:spTgt>
+                                        </p:tgtEl>
+                                        <p:attrNameLst>
+                                          <p:attrName>style.visibility</p:attrName>
+                                        </p:attrNameLst>
+                                      </p:cBhvr>
+                                      <p:to>
+                                        <p:strVal val="visible"/>
+                                      </p:to>
+                                    </p:set>
+                                    <p:animEffect transition="in" filter="fade">
+                                      <p:cBhvr>
+                                        <p:cTn id="49" dur="1000"/>
+                                        <p:tgtEl>
+                                          <p:spTgt spid="3">
+                                            <p:txEl>
+                                              <p:pRg st="6" end="6"/>
+                                            </p:txEl>
+                                          </p:spTgt>
+                                        </p:tgtEl>
+                                      </p:cBhvr>
+                                    </p:animEffect>
+                                    <p:anim calcmode="lin" valueType="num">
+                                      <p:cBhvr>
+                                        <p:cTn id="50" dur="1000" fill="hold"/>
+                                        <p:tgtEl>
+                                          <p:spTgt spid="3">
+                                            <p:txEl>
+                                              <p:pRg st="6" end="6"/>
+                                            </p:txEl>
+                                          </p:spTgt>
+                                        </p:tgtEl>
+                                        <p:attrNameLst>
+                                          <p:attrName>ppt_x</p:attrName>
+                                        </p:attrNameLst>
+                                      </p:cBhvr>
+                                      <p:tavLst>
+                                        <p:tav tm="0">
+                                          <p:val>
+                                            <p:strVal val="#ppt_x"/>
+                                          </p:val>
+                                        </p:tav>
+                                        <p:tav tm="100000">
+                                          <p:val>
+                                            <p:strVal val="#ppt_x"/>
+                                          </p:val>
+                                        </p:tav>
+                                      </p:tavLst>
+                                    </p:anim>
+                                    <p:anim calcmode="lin" valueType="num">
+                                      <p:cBhvr>
+                                        <p:cTn id="51" dur="1000" fill="hold"/>
+                                        <p:tgtEl>
+                                          <p:spTgt spid="3">
+                                            <p:txEl>
+                                              <p:pRg st="6" end="6"/>
+                                            </p:txEl>
+                                          </p:spTgt>
+                                        </p:tgtEl>
+                                        <p:attrNameLst>
+                                          <p:attrName>ppt_y</p:attrName>
+                                        </p:attrNameLst>
+                                      </p:cBhvr>
+                                      <p:tavLst>
+                                        <p:tav tm="0">
+                                          <p:val>
+                                            <p:strVal val="#ppt_y+.1"/>
+                                          </p:val>
+                                        </p:tav>
+                                        <p:tav tm="100000">
+                                          <p:val>
+                                            <p:strVal val="#ppt_y"/>
+                                          </p:val>
+                                        </p:tav>
+                                      </p:tavLst>
+                                    </p:anim>
+                                  </p:childTnLst>
+                                </p:cTn>
+                              </p:par>
+                            </p:childTnLst>
+                          </p:cTn>
+                        </p:par>
+                      </p:childTnLst>
+                    </p:cTn>
+                  </p:par>
+                  <p:par>
+                    <p:cTn id="52" fill="hold">
+                      <p:stCondLst>
+                        <p:cond delay="indefinite"/>
+                      </p:stCondLst>
+                      <p:childTnLst>
+                        <p:par>
+                          <p:cTn id="53" fill="hold">
+                            <p:stCondLst>
+                              <p:cond delay="0"/>
+                            </p:stCondLst>
+                            <p:childTnLst>
+                              <p:par>
+                                <p:cTn id="54" presetID="42" presetClass="entr" presetSubtype="0" fill="hold" nodeType="clickEffect">
+                                  <p:stCondLst>
+                                    <p:cond delay="0"/>
+                                  </p:stCondLst>
+                                  <p:childTnLst>
+                                    <p:set>
+                                      <p:cBhvr>
+                                        <p:cTn id="55" dur="1" fill="hold">
+                                          <p:stCondLst>
+                                            <p:cond delay="0"/>
+                                          </p:stCondLst>
+                                        </p:cTn>
+                                        <p:tgtEl>
+                                          <p:spTgt spid="3">
+                                            <p:txEl>
+                                              <p:pRg st="7" end="7"/>
+                                            </p:txEl>
+                                          </p:spTgt>
+                                        </p:tgtEl>
+                                        <p:attrNameLst>
+                                          <p:attrName>style.visibility</p:attrName>
+                                        </p:attrNameLst>
+                                      </p:cBhvr>
+                                      <p:to>
+                                        <p:strVal val="visible"/>
+                                      </p:to>
+                                    </p:set>
+                                    <p:animEffect transition="in" filter="fade">
+                                      <p:cBhvr>
+                                        <p:cTn id="56" dur="1000"/>
+                                        <p:tgtEl>
+                                          <p:spTgt spid="3">
+                                            <p:txEl>
+                                              <p:pRg st="7" end="7"/>
+                                            </p:txEl>
+                                          </p:spTgt>
+                                        </p:tgtEl>
+                                      </p:cBhvr>
+                                    </p:animEffect>
+                                    <p:anim calcmode="lin" valueType="num">
+                                      <p:cBhvr>
+                                        <p:cTn id="57" dur="1000" fill="hold"/>
+                                        <p:tgtEl>
+                                          <p:spTgt spid="3">
+                                            <p:txEl>
+                                              <p:pRg st="7" end="7"/>
+                                            </p:txEl>
+                                          </p:spTgt>
+                                        </p:tgtEl>
+                                        <p:attrNameLst>
+                                          <p:attrName>ppt_x</p:attrName>
+                                        </p:attrNameLst>
+                                      </p:cBhvr>
+                                      <p:tavLst>
+                                        <p:tav tm="0">
+                                          <p:val>
+                                            <p:strVal val="#ppt_x"/>
+                                          </p:val>
+                                        </p:tav>
+                                        <p:tav tm="100000">
+                                          <p:val>
+                                            <p:strVal val="#ppt_x"/>
+                                          </p:val>
+                                        </p:tav>
+                                      </p:tavLst>
+                                    </p:anim>
+                                    <p:anim calcmode="lin" valueType="num">
+                                      <p:cBhvr>
+                                        <p:cTn id="58" dur="1000" fill="hold"/>
+                                        <p:tgtEl>
+                                          <p:spTgt spid="3">
+                                            <p:txEl>
+                                              <p:pRg st="7" end="7"/>
+                                            </p:txEl>
+                                          </p:spTgt>
+                                        </p:tgtEl>
+                                        <p:attrNameLst>
+                                          <p:attrName>ppt_y</p:attrName>
+                                        </p:attrNameLst>
+                                      </p:cBhvr>
+                                      <p:tavLst>
+                                        <p:tav tm="0">
+                                          <p:val>
+                                            <p:strVal val="#ppt_y+.1"/>
+                                          </p:val>
+                                        </p:tav>
+                                        <p:tav tm="100000">
+                                          <p:val>
+                                            <p:strVal val="#ppt_y"/>
+                                          </p:val>
+                                        </p:tav>
+                                      </p:tavLst>
+                                    </p:anim>
+                                  </p:childTnLst>
+                                </p:cTn>
+                              </p:par>
+                            </p:childTnLst>
+                          </p:cTn>
+                        </p:par>
+                      </p:childTnLst>
+                    </p:cTn>
+                  </p:par>
+                </p:childTnLst>
+              </p:cTn>
+              <p:prevCondLst>
+                <p:cond evt="onPrev" delay="0">
+                  <p:tgtEl>
+                    <p:sldTgt/>
+                  </p:tgtEl>
+                </p:cond>
+              </p:prevCondLst>
+              <p:nextCondLst>
+                <p:cond evt="onNext" delay="0">
+                  <p:tgtEl>
+                    <p:sldTgt/>
+                  </p:tgtEl>
+                </p:cond>
+              </p:nextCondLst>
+            </p:seq>
+          </p:childTnLst>
+        </p:cTn>
+      </p:par>
+    </p:tnLst>
+  </p:timing>
+</p:sld>
+</file>
+
+<file path=ppt/slides/slide6.xml><?xml version="1.0" encoding="utf-8"?>
+<p:sld xmlns:a="http://schemas.openxmlformats.org/drawingml/2006/main" xmlns:r="http://schemas.openxmlformats.org/officeDocument/2006/relationships" xmlns:p="http://schemas.openxmlformats.org/presentationml/2006/main">
+  <p:cSld>
+    <p:spTree>
+      <p:nvGrpSpPr>
+        <p:cNvPr id="1" name=""/>
+        <p:cNvGrpSpPr/>
+        <p:nvPr/>
+      </p:nvGrpSpPr>
+      <p:grpSpPr>
+        <a:xfrm>
+          <a:off x="0" y="0"/>
+          <a:ext cx="0" cy="0"/>
+          <a:chOff x="0" y="0"/>
+          <a:chExt cx="0" cy="0"/>
+        </a:xfrm>
+      </p:grpSpPr>
+      <p:sp>
+        <p:nvSpPr>
+          <p:cNvPr id="2" name="Title 1"/>
+          <p:cNvSpPr>
+            <a:spLocks noGrp="1"/>
+          </p:cNvSpPr>
+          <p:nvPr>
+            <p:ph type="title"/>
+          </p:nvPr>
+        </p:nvSpPr>
+        <p:spPr/>
+        <p:txBody>
+          <a:bodyPr/>
+          <a:lstStyle/>
+          <a:p>
+            <a:r>
               <a:rPr lang="en-US" sz="4400" cap="none" spc="0" dirty="0">
                 <a:solidFill>
                   <a:prstClr val="white"/>
@@ -13256,7 +14637,7 @@
 </p:sld>
 </file>
 
-<file path=ppt/slides/slide6.xml><?xml version="1.0" encoding="utf-8"?>
+<file path=ppt/slides/slide7.xml><?xml version="1.0" encoding="utf-8"?>
 <p:sld xmlns:a="http://schemas.openxmlformats.org/drawingml/2006/main" xmlns:r="http://schemas.openxmlformats.org/officeDocument/2006/relationships" xmlns:p="http://schemas.openxmlformats.org/presentationml/2006/main">
   <p:cSld>
     <p:spTree>
@@ -14472,7 +15853,7 @@
 </p:sld>
 </file>
 
-<file path=ppt/slides/slide7.xml><?xml version="1.0" encoding="utf-8"?>
+<file path=ppt/slides/slide8.xml><?xml version="1.0" encoding="utf-8"?>
 <p:sld xmlns:a="http://schemas.openxmlformats.org/drawingml/2006/main" xmlns:r="http://schemas.openxmlformats.org/officeDocument/2006/relationships" xmlns:p="http://schemas.openxmlformats.org/presentationml/2006/main">
   <p:cSld>
     <p:spTree>
@@ -14569,7 +15950,7 @@
 </p:sld>
 </file>
 
-<file path=ppt/slides/slide8.xml><?xml version="1.0" encoding="utf-8"?>
+<file path=ppt/slides/slide9.xml><?xml version="1.0" encoding="utf-8"?>
 <p:sld xmlns:a="http://schemas.openxmlformats.org/drawingml/2006/main" xmlns:r="http://schemas.openxmlformats.org/officeDocument/2006/relationships" xmlns:p="http://schemas.openxmlformats.org/presentationml/2006/main">
   <p:cSld>
     <p:spTree>
@@ -14638,232 +16019,6 @@
     <p:extLst>
       <p:ext uri="{BB962C8B-B14F-4D97-AF65-F5344CB8AC3E}">
         <p14:creationId xmlns:p14="http://schemas.microsoft.com/office/powerpoint/2010/main" val="1127728208"/>
-      </p:ext>
-    </p:extLst>
-  </p:cSld>
-  <p:clrMapOvr>
-    <a:masterClrMapping/>
-  </p:clrMapOvr>
-  <p:timing>
-    <p:tnLst>
-      <p:par>
-        <p:cTn id="1" dur="indefinite" restart="never" nodeType="tmRoot"/>
-      </p:par>
-    </p:tnLst>
-  </p:timing>
-</p:sld>
-</file>
-
-<file path=ppt/slides/slide9.xml><?xml version="1.0" encoding="utf-8"?>
-<p:sld xmlns:a="http://schemas.openxmlformats.org/drawingml/2006/main" xmlns:r="http://schemas.openxmlformats.org/officeDocument/2006/relationships" xmlns:p="http://schemas.openxmlformats.org/presentationml/2006/main">
-  <p:cSld>
-    <p:spTree>
-      <p:nvGrpSpPr>
-        <p:cNvPr id="1" name=""/>
-        <p:cNvGrpSpPr/>
-        <p:nvPr/>
-      </p:nvGrpSpPr>
-      <p:grpSpPr>
-        <a:xfrm>
-          <a:off x="0" y="0"/>
-          <a:ext cx="0" cy="0"/>
-          <a:chOff x="0" y="0"/>
-          <a:chExt cx="0" cy="0"/>
-        </a:xfrm>
-      </p:grpSpPr>
-      <p:sp>
-        <p:nvSpPr>
-          <p:cNvPr id="2" name="Title 1"/>
-          <p:cNvSpPr>
-            <a:spLocks noGrp="1"/>
-          </p:cNvSpPr>
-          <p:nvPr>
-            <p:ph type="title"/>
-          </p:nvPr>
-        </p:nvSpPr>
-        <p:spPr/>
-        <p:txBody>
-          <a:bodyPr/>
-          <a:lstStyle/>
-          <a:p>
-            <a:r>
-              <a:rPr lang="en-US" sz="4400" cap="none" spc="0" dirty="0">
-                <a:solidFill>
-                  <a:prstClr val="white"/>
-                </a:solidFill>
-                <a:latin typeface="Calibri"/>
-              </a:rPr>
-              <a:t>Music Analysis Vector</a:t>
-            </a:r>
-            <a:endParaRPr lang="en-US" dirty="0"/>
-          </a:p>
-        </p:txBody>
-      </p:sp>
-      <p:sp>
-        <p:nvSpPr>
-          <p:cNvPr id="3" name="Content Placeholder 2"/>
-          <p:cNvSpPr>
-            <a:spLocks noGrp="1"/>
-          </p:cNvSpPr>
-          <p:nvPr>
-            <p:ph sz="quarter" idx="13"/>
-          </p:nvPr>
-        </p:nvSpPr>
-        <p:spPr/>
-        <p:txBody>
-          <a:bodyPr/>
-          <a:lstStyle/>
-          <a:p>
-            <a:pPr lvl="0">
-              <a:spcAft>
-                <a:spcPts val="0"/>
-              </a:spcAft>
-              <a:buClrTx/>
-            </a:pPr>
-            <a:r>
-              <a:rPr lang="en-US" sz="3200" spc="0" dirty="0">
-                <a:solidFill>
-                  <a:prstClr val="white"/>
-                </a:solidFill>
-                <a:latin typeface="Calibri"/>
-              </a:rPr>
-              <a:t>Vector that </a:t>
-            </a:r>
-            <a:r>
-              <a:rPr lang="en-US" sz="3200" spc="0" dirty="0" smtClean="0">
-                <a:solidFill>
-                  <a:prstClr val="white"/>
-                </a:solidFill>
-                <a:latin typeface="Calibri"/>
-              </a:rPr>
-              <a:t>contains </a:t>
-            </a:r>
-            <a:r>
-              <a:rPr lang="en-US" sz="3200" spc="0" dirty="0">
-                <a:solidFill>
-                  <a:prstClr val="white"/>
-                </a:solidFill>
-                <a:latin typeface="Calibri"/>
-              </a:rPr>
-              <a:t>individual values of music components</a:t>
-            </a:r>
-          </a:p>
-          <a:p>
-            <a:pPr lvl="0">
-              <a:spcAft>
-                <a:spcPts val="0"/>
-              </a:spcAft>
-              <a:buClrTx/>
-            </a:pPr>
-            <a:r>
-              <a:rPr lang="en-US" sz="3200" spc="0" dirty="0">
-                <a:solidFill>
-                  <a:prstClr val="white"/>
-                </a:solidFill>
-                <a:latin typeface="Calibri"/>
-              </a:rPr>
-              <a:t>The distance between two vectors </a:t>
-            </a:r>
-            <a:r>
-              <a:rPr lang="en-US" sz="3200" spc="0" dirty="0" smtClean="0">
-                <a:solidFill>
-                  <a:prstClr val="white"/>
-                </a:solidFill>
-                <a:latin typeface="Calibri"/>
-              </a:rPr>
-              <a:t>is calculated </a:t>
-            </a:r>
-            <a:r>
-              <a:rPr lang="en-US" sz="3200" spc="0" dirty="0">
-                <a:solidFill>
-                  <a:prstClr val="white"/>
-                </a:solidFill>
-                <a:latin typeface="Calibri"/>
-              </a:rPr>
-              <a:t>using Euclidian Distance</a:t>
-            </a:r>
-          </a:p>
-          <a:p>
-            <a:endParaRPr lang="en-US" dirty="0"/>
-          </a:p>
-        </p:txBody>
-      </p:sp>
-      <p:pic>
-        <p:nvPicPr>
-          <p:cNvPr id="5" name="Picture 4" descr="http://upload.wikimedia.org/math/3/e/3/3e31af0e62dd2780540f796b51a0ce4e.png"/>
-          <p:cNvPicPr>
-            <a:picLocks noChangeAspect="1" noChangeArrowheads="1"/>
-          </p:cNvPicPr>
-          <p:nvPr/>
-        </p:nvPicPr>
-        <p:blipFill>
-          <a:blip r:embed="rId2">
-            <a:extLst>
-              <a:ext uri="{28A0092B-C50C-407E-A947-70E740481C1C}">
-                <a14:useLocalDpi xmlns:a14="http://schemas.microsoft.com/office/drawing/2010/main" val="0"/>
-              </a:ext>
-            </a:extLst>
-          </a:blip>
-          <a:srcRect/>
-          <a:stretch>
-            <a:fillRect/>
-          </a:stretch>
-        </p:blipFill>
-        <p:spPr bwMode="auto">
-          <a:xfrm>
-            <a:off x="533400" y="5181600"/>
-            <a:ext cx="8044392" cy="838200"/>
-          </a:xfrm>
-          <a:prstGeom prst="rect">
-            <a:avLst/>
-          </a:prstGeom>
-          <a:solidFill>
-            <a:sysClr val="window" lastClr="FFFFFF"/>
-          </a:solidFill>
-          <a:ln w="44450">
-            <a:solidFill>
-              <a:schemeClr val="tx1"/>
-            </a:solidFill>
-          </a:ln>
-          <a:extLst/>
-        </p:spPr>
-      </p:pic>
-      <p:sp>
-        <p:nvSpPr>
-          <p:cNvPr id="4" name="TextBox 3"/>
-          <p:cNvSpPr txBox="1"/>
-          <p:nvPr/>
-        </p:nvSpPr>
-        <p:spPr>
-          <a:xfrm>
-            <a:off x="533400" y="6154579"/>
-            <a:ext cx="2895600" cy="246221"/>
-          </a:xfrm>
-          <a:prstGeom prst="rect">
-            <a:avLst/>
-          </a:prstGeom>
-          <a:noFill/>
-        </p:spPr>
-        <p:txBody>
-          <a:bodyPr wrap="square" rtlCol="0">
-            <a:spAutoFit/>
-          </a:bodyPr>
-          <a:lstStyle/>
-          <a:p>
-            <a:r>
-              <a:rPr lang="en-US" sz="1000" dirty="0">
-                <a:hlinkClick r:id="rId3"/>
-              </a:rPr>
-              <a:t>http://en.wikipedia.org/wiki/Euclidean_distance#equation_1</a:t>
-            </a:r>
-            <a:endParaRPr lang="en-US" sz="1000" dirty="0"/>
-          </a:p>
-        </p:txBody>
-      </p:sp>
-    </p:spTree>
-    <p:extLst>
-      <p:ext uri="{BB962C8B-B14F-4D97-AF65-F5344CB8AC3E}">
-        <p14:creationId xmlns:p14="http://schemas.microsoft.com/office/powerpoint/2010/main" val="3792470992"/>
       </p:ext>
     </p:extLst>
   </p:cSld>

--- a/Ship Final Presentation - Digital Music Composition using Genetic Algorithms.pptx
+++ b/Ship Final Presentation - Digital Music Composition using Genetic Algorithms.pptx
@@ -205,7 +205,7 @@
           <a:p>
             <a:fld id="{40BC42F4-E0F0-4C52-9DCD-A716B8FE5D15}" type="datetimeFigureOut">
               <a:rPr lang="en-US" smtClean="0"/>
-              <a:t>4/21/2014</a:t>
+              <a:t>4/22/2014</a:t>
             </a:fld>
             <a:endParaRPr lang="en-US"/>
           </a:p>
@@ -521,7 +521,7 @@
           <a:p>
             <a:fld id="{40BC42F4-E0F0-4C52-9DCD-A716B8FE5D15}" type="datetimeFigureOut">
               <a:rPr lang="en-US" smtClean="0"/>
-              <a:t>4/21/2014</a:t>
+              <a:t>4/22/2014</a:t>
             </a:fld>
             <a:endParaRPr lang="en-US"/>
           </a:p>
@@ -696,7 +696,7 @@
           <a:p>
             <a:fld id="{40BC42F4-E0F0-4C52-9DCD-A716B8FE5D15}" type="datetimeFigureOut">
               <a:rPr lang="en-US" smtClean="0"/>
-              <a:t>4/21/2014</a:t>
+              <a:t>4/22/2014</a:t>
             </a:fld>
             <a:endParaRPr lang="en-US"/>
           </a:p>
@@ -814,7 +814,7 @@
           <a:p>
             <a:fld id="{40BC42F4-E0F0-4C52-9DCD-A716B8FE5D15}" type="datetimeFigureOut">
               <a:rPr lang="en-US" smtClean="0"/>
-              <a:t>4/21/2014</a:t>
+              <a:t>4/22/2014</a:t>
             </a:fld>
             <a:endParaRPr lang="en-US"/>
           </a:p>
@@ -1112,7 +1112,7 @@
           <a:p>
             <a:fld id="{40BC42F4-E0F0-4C52-9DCD-A716B8FE5D15}" type="datetimeFigureOut">
               <a:rPr lang="en-US" smtClean="0"/>
-              <a:t>4/21/2014</a:t>
+              <a:t>4/22/2014</a:t>
             </a:fld>
             <a:endParaRPr lang="en-US"/>
           </a:p>
@@ -1405,7 +1405,7 @@
           <a:p>
             <a:fld id="{40BC42F4-E0F0-4C52-9DCD-A716B8FE5D15}" type="datetimeFigureOut">
               <a:rPr lang="en-US" smtClean="0"/>
-              <a:t>4/21/2014</a:t>
+              <a:t>4/22/2014</a:t>
             </a:fld>
             <a:endParaRPr lang="en-US"/>
           </a:p>
@@ -1833,7 +1833,7 @@
           <a:p>
             <a:fld id="{40BC42F4-E0F0-4C52-9DCD-A716B8FE5D15}" type="datetimeFigureOut">
               <a:rPr lang="en-US" smtClean="0"/>
-              <a:t>4/21/2014</a:t>
+              <a:t>4/22/2014</a:t>
             </a:fld>
             <a:endParaRPr lang="en-US"/>
           </a:p>
@@ -1951,7 +1951,7 @@
           <a:p>
             <a:fld id="{40BC42F4-E0F0-4C52-9DCD-A716B8FE5D15}" type="datetimeFigureOut">
               <a:rPr lang="en-US" smtClean="0"/>
-              <a:t>4/21/2014</a:t>
+              <a:t>4/22/2014</a:t>
             </a:fld>
             <a:endParaRPr lang="en-US"/>
           </a:p>
@@ -2041,7 +2041,7 @@
           <a:p>
             <a:fld id="{40BC42F4-E0F0-4C52-9DCD-A716B8FE5D15}" type="datetimeFigureOut">
               <a:rPr lang="en-US" smtClean="0"/>
-              <a:t>4/21/2014</a:t>
+              <a:t>4/22/2014</a:t>
             </a:fld>
             <a:endParaRPr lang="en-US"/>
           </a:p>
@@ -2291,7 +2291,7 @@
           <a:p>
             <a:fld id="{40BC42F4-E0F0-4C52-9DCD-A716B8FE5D15}" type="datetimeFigureOut">
               <a:rPr lang="en-US" smtClean="0"/>
-              <a:t>4/21/2014</a:t>
+              <a:t>4/22/2014</a:t>
             </a:fld>
             <a:endParaRPr lang="en-US"/>
           </a:p>
@@ -2807,7 +2807,7 @@
           <a:p>
             <a:fld id="{40BC42F4-E0F0-4C52-9DCD-A716B8FE5D15}" type="datetimeFigureOut">
               <a:rPr lang="en-US" smtClean="0"/>
-              <a:t>4/21/2014</a:t>
+              <a:t>4/22/2014</a:t>
             </a:fld>
             <a:endParaRPr lang="en-US"/>
           </a:p>
@@ -3037,7 +3037,7 @@
           <a:p>
             <a:fld id="{40BC42F4-E0F0-4C52-9DCD-A716B8FE5D15}" type="datetimeFigureOut">
               <a:rPr lang="en-US" smtClean="0"/>
-              <a:t>4/21/2014</a:t>
+              <a:t>4/22/2014</a:t>
             </a:fld>
             <a:endParaRPr lang="en-US"/>
           </a:p>
@@ -3568,7 +3568,17 @@
           <a:p>
             <a:r>
               <a:rPr lang="en-US" dirty="0" smtClean="0"/>
-              <a:t>Mentor: Dr. Alice Armstrong</a:t>
+              <a:t>Mentor: Dr. Alice </a:t>
+            </a:r>
+            <a:r>
+              <a:rPr lang="en-US" dirty="0" smtClean="0"/>
+              <a:t>Armstrong</a:t>
+            </a:r>
+          </a:p>
+          <a:p>
+            <a:r>
+              <a:rPr lang="en-US" smtClean="0"/>
+              <a:t>Gihub.com/sb8244/GeneticMusicComposition</a:t>
             </a:r>
             <a:endParaRPr lang="en-US" dirty="0"/>
           </a:p>

--- a/Ship Final Presentation - Digital Music Composition using Genetic Algorithms.pptx
+++ b/Ship Final Presentation - Digital Music Composition using Genetic Algorithms.pptx
@@ -3568,17 +3568,21 @@
           <a:p>
             <a:r>
               <a:rPr lang="en-US" dirty="0" smtClean="0"/>
-              <a:t>Mentor: Dr. Alice </a:t>
-            </a:r>
+              <a:t>Mentor: Dr. Alice Armstrong</a:t>
+            </a:r>
+          </a:p>
+          <a:p>
             <a:r>
               <a:rPr lang="en-US" dirty="0" smtClean="0"/>
-              <a:t>Armstrong</a:t>
-            </a:r>
-          </a:p>
-          <a:p>
-            <a:r>
-              <a:rPr lang="en-US" smtClean="0"/>
-              <a:t>Gihub.com/sb8244/GeneticMusicComposition</a:t>
+              <a:t>g</a:t>
+            </a:r>
+            <a:r>
+              <a:rPr lang="en-US" dirty="0" smtClean="0"/>
+              <a:t>ithub.com/sb8244/</a:t>
+            </a:r>
+            <a:r>
+              <a:rPr lang="en-US" dirty="0" err="1" smtClean="0"/>
+              <a:t>GeneticMusicComposition</a:t>
             </a:r>
             <a:endParaRPr lang="en-US" dirty="0"/>
           </a:p>
@@ -13527,7 +13531,51 @@
                 </a:solidFill>
                 <a:latin typeface="Calibri"/>
               </a:rPr>
-              <a:t>When the end the algorithm?</a:t>
+              <a:t>When </a:t>
+            </a:r>
+            <a:r>
+              <a:rPr lang="en-US" spc="0" dirty="0" smtClean="0">
+                <a:solidFill>
+                  <a:prstClr val="white"/>
+                </a:solidFill>
+                <a:latin typeface="Calibri"/>
+              </a:rPr>
+              <a:t>to </a:t>
+            </a:r>
+            <a:r>
+              <a:rPr lang="en-US" spc="0" dirty="0" smtClean="0">
+                <a:solidFill>
+                  <a:prstClr val="white"/>
+                </a:solidFill>
+                <a:latin typeface="Calibri"/>
+              </a:rPr>
+              <a:t>end the algorithm</a:t>
+            </a:r>
+            <a:r>
+              <a:rPr lang="en-US" spc="0" dirty="0" smtClean="0">
+                <a:solidFill>
+                  <a:prstClr val="white"/>
+                </a:solidFill>
+                <a:latin typeface="Calibri"/>
+              </a:rPr>
+              <a:t>?</a:t>
+            </a:r>
+          </a:p>
+          <a:p>
+            <a:pPr>
+              <a:spcAft>
+                <a:spcPts val="0"/>
+              </a:spcAft>
+              <a:buClrTx/>
+            </a:pPr>
+            <a:r>
+              <a:rPr lang="en-US" spc="0" smtClean="0">
+                <a:solidFill>
+                  <a:prstClr val="white"/>
+                </a:solidFill>
+                <a:latin typeface="Calibri"/>
+              </a:rPr>
+              <a:t>Memetic Algorithm</a:t>
             </a:r>
             <a:endParaRPr lang="en-US" dirty="0"/>
           </a:p>
@@ -14442,6 +14490,121 @@
                                           <p:spTgt spid="3">
                                             <p:txEl>
                                               <p:pRg st="7" end="7"/>
+                                            </p:txEl>
+                                          </p:spTgt>
+                                        </p:tgtEl>
+                                        <p:attrNameLst>
+                                          <p:attrName>ppt_y</p:attrName>
+                                        </p:attrNameLst>
+                                      </p:cBhvr>
+                                      <p:tavLst>
+                                        <p:tav tm="0">
+                                          <p:val>
+                                            <p:strVal val="#ppt_y+.1"/>
+                                          </p:val>
+                                        </p:tav>
+                                        <p:tav tm="100000">
+                                          <p:val>
+                                            <p:strVal val="#ppt_y"/>
+                                          </p:val>
+                                        </p:tav>
+                                      </p:tavLst>
+                                    </p:anim>
+                                  </p:childTnLst>
+                                </p:cTn>
+                              </p:par>
+                            </p:childTnLst>
+                          </p:cTn>
+                        </p:par>
+                      </p:childTnLst>
+                    </p:cTn>
+                  </p:par>
+                  <p:par>
+                    <p:cTn id="59" fill="hold">
+                      <p:stCondLst>
+                        <p:cond delay="indefinite"/>
+                      </p:stCondLst>
+                      <p:childTnLst>
+                        <p:par>
+                          <p:cTn id="60" fill="hold">
+                            <p:stCondLst>
+                              <p:cond delay="0"/>
+                            </p:stCondLst>
+                            <p:childTnLst>
+                              <p:par>
+                                <p:cTn id="61" presetID="42" presetClass="entr" presetSubtype="0" fill="hold" nodeType="clickEffect">
+                                  <p:stCondLst>
+                                    <p:cond delay="0"/>
+                                  </p:stCondLst>
+                                  <p:childTnLst>
+                                    <p:set>
+                                      <p:cBhvr>
+                                        <p:cTn id="62" dur="1" fill="hold">
+                                          <p:stCondLst>
+                                            <p:cond delay="0"/>
+                                          </p:stCondLst>
+                                        </p:cTn>
+                                        <p:tgtEl>
+                                          <p:spTgt spid="3">
+                                            <p:txEl>
+                                              <p:pRg st="8" end="8"/>
+                                            </p:txEl>
+                                          </p:spTgt>
+                                        </p:tgtEl>
+                                        <p:attrNameLst>
+                                          <p:attrName>style.visibility</p:attrName>
+                                        </p:attrNameLst>
+                                      </p:cBhvr>
+                                      <p:to>
+                                        <p:strVal val="visible"/>
+                                      </p:to>
+                                    </p:set>
+                                    <p:animEffect transition="in" filter="fade">
+                                      <p:cBhvr>
+                                        <p:cTn id="63" dur="1000"/>
+                                        <p:tgtEl>
+                                          <p:spTgt spid="3">
+                                            <p:txEl>
+                                              <p:pRg st="8" end="8"/>
+                                            </p:txEl>
+                                          </p:spTgt>
+                                        </p:tgtEl>
+                                      </p:cBhvr>
+                                    </p:animEffect>
+                                    <p:anim calcmode="lin" valueType="num">
+                                      <p:cBhvr>
+                                        <p:cTn id="64" dur="1000" fill="hold"/>
+                                        <p:tgtEl>
+                                          <p:spTgt spid="3">
+                                            <p:txEl>
+                                              <p:pRg st="8" end="8"/>
+                                            </p:txEl>
+                                          </p:spTgt>
+                                        </p:tgtEl>
+                                        <p:attrNameLst>
+                                          <p:attrName>ppt_x</p:attrName>
+                                        </p:attrNameLst>
+                                      </p:cBhvr>
+                                      <p:tavLst>
+                                        <p:tav tm="0">
+                                          <p:val>
+                                            <p:strVal val="#ppt_x"/>
+                                          </p:val>
+                                        </p:tav>
+                                        <p:tav tm="100000">
+                                          <p:val>
+                                            <p:strVal val="#ppt_x"/>
+                                          </p:val>
+                                        </p:tav>
+                                      </p:tavLst>
+                                    </p:anim>
+                                    <p:anim calcmode="lin" valueType="num">
+                                      <p:cBhvr>
+                                        <p:cTn id="65" dur="1000" fill="hold"/>
+                                        <p:tgtEl>
+                                          <p:spTgt spid="3">
+                                            <p:txEl>
+                                              <p:pRg st="8" end="8"/>
                                             </p:txEl>
                                           </p:spTgt>
                                         </p:tgtEl>
@@ -14873,29 +15036,17 @@
                 </a:solidFill>
                 <a:latin typeface="Calibri"/>
               </a:rPr>
-              <a:t>The input music will consist of no less than 30 “walking bass lines” ranging between 8 and 12 measures each</a:t>
-            </a:r>
-          </a:p>
-          <a:p>
-            <a:pPr lvl="1">
-              <a:spcAft>
-                <a:spcPts val="0"/>
-              </a:spcAft>
-              <a:buClrTx/>
-              <a:buFont typeface="Arial" pitchFamily="34" charset="0"/>
-              <a:buChar char="–"/>
-            </a:pPr>
-            <a:r>
-              <a:rPr lang="en-US" sz="1800" spc="0" dirty="0">
+              <a:t>The input music will consist of no less than 30 “walking bass lines” ranging between 8 and 12 measures </a:t>
+            </a:r>
+            <a:r>
+              <a:rPr lang="en-US" sz="1800" spc="0" dirty="0" smtClean="0">
                 <a:solidFill>
                   <a:prstClr val="white"/>
                 </a:solidFill>
                 <a:latin typeface="Calibri"/>
               </a:rPr>
-              <a:t>The input music will contain no tied notes</a:t>
-            </a:r>
-          </a:p>
-          <a:p>
+              <a:t>each</a:t>
+            </a:r>
             <a:endParaRPr lang="en-US" dirty="0"/>
           </a:p>
         </p:txBody>
@@ -15694,121 +15845,6 @@
                                           <p:spTgt spid="3">
                                             <p:txEl>
                                               <p:pRg st="7" end="7"/>
-                                            </p:txEl>
-                                          </p:spTgt>
-                                        </p:tgtEl>
-                                        <p:attrNameLst>
-                                          <p:attrName>ppt_y</p:attrName>
-                                        </p:attrNameLst>
-                                      </p:cBhvr>
-                                      <p:tavLst>
-                                        <p:tav tm="0">
-                                          <p:val>
-                                            <p:strVal val="#ppt_y+.1"/>
-                                          </p:val>
-                                        </p:tav>
-                                        <p:tav tm="100000">
-                                          <p:val>
-                                            <p:strVal val="#ppt_y"/>
-                                          </p:val>
-                                        </p:tav>
-                                      </p:tavLst>
-                                    </p:anim>
-                                  </p:childTnLst>
-                                </p:cTn>
-                              </p:par>
-                            </p:childTnLst>
-                          </p:cTn>
-                        </p:par>
-                      </p:childTnLst>
-                    </p:cTn>
-                  </p:par>
-                  <p:par>
-                    <p:cTn id="52" fill="hold">
-                      <p:stCondLst>
-                        <p:cond delay="indefinite"/>
-                      </p:stCondLst>
-                      <p:childTnLst>
-                        <p:par>
-                          <p:cTn id="53" fill="hold">
-                            <p:stCondLst>
-                              <p:cond delay="0"/>
-                            </p:stCondLst>
-                            <p:childTnLst>
-                              <p:par>
-                                <p:cTn id="54" presetID="42" presetClass="entr" presetSubtype="0" fill="hold" nodeType="clickEffect">
-                                  <p:stCondLst>
-                                    <p:cond delay="0"/>
-                                  </p:stCondLst>
-                                  <p:childTnLst>
-                                    <p:set>
-                                      <p:cBhvr>
-                                        <p:cTn id="55" dur="1" fill="hold">
-                                          <p:stCondLst>
-                                            <p:cond delay="0"/>
-                                          </p:stCondLst>
-                                        </p:cTn>
-                                        <p:tgtEl>
-                                          <p:spTgt spid="3">
-                                            <p:txEl>
-                                              <p:pRg st="8" end="8"/>
-                                            </p:txEl>
-                                          </p:spTgt>
-                                        </p:tgtEl>
-                                        <p:attrNameLst>
-                                          <p:attrName>style.visibility</p:attrName>
-                                        </p:attrNameLst>
-                                      </p:cBhvr>
-                                      <p:to>
-                                        <p:strVal val="visible"/>
-                                      </p:to>
-                                    </p:set>
-                                    <p:animEffect transition="in" filter="fade">
-                                      <p:cBhvr>
-                                        <p:cTn id="56" dur="1000"/>
-                                        <p:tgtEl>
-                                          <p:spTgt spid="3">
-                                            <p:txEl>
-                                              <p:pRg st="8" end="8"/>
-                                            </p:txEl>
-                                          </p:spTgt>
-                                        </p:tgtEl>
-                                      </p:cBhvr>
-                                    </p:animEffect>
-                                    <p:anim calcmode="lin" valueType="num">
-                                      <p:cBhvr>
-                                        <p:cTn id="57" dur="1000" fill="hold"/>
-                                        <p:tgtEl>
-                                          <p:spTgt spid="3">
-                                            <p:txEl>
-                                              <p:pRg st="8" end="8"/>
-                                            </p:txEl>
-                                          </p:spTgt>
-                                        </p:tgtEl>
-                                        <p:attrNameLst>
-                                          <p:attrName>ppt_x</p:attrName>
-                                        </p:attrNameLst>
-                                      </p:cBhvr>
-                                      <p:tavLst>
-                                        <p:tav tm="0">
-                                          <p:val>
-                                            <p:strVal val="#ppt_x"/>
-                                          </p:val>
-                                        </p:tav>
-                                        <p:tav tm="100000">
-                                          <p:val>
-                                            <p:strVal val="#ppt_x"/>
-                                          </p:val>
-                                        </p:tav>
-                                      </p:tavLst>
-                                    </p:anim>
-                                    <p:anim calcmode="lin" valueType="num">
-                                      <p:cBhvr>
-                                        <p:cTn id="58" dur="1000" fill="hold"/>
-                                        <p:tgtEl>
-                                          <p:spTgt spid="3">
-                                            <p:txEl>
-                                              <p:pRg st="8" end="8"/>
                                             </p:txEl>
                                           </p:spTgt>
                                         </p:tgtEl>
